--- a/פרויקט סוף קורס.pptx
+++ b/פרויקט סוף קורס.pptx
@@ -7132,8 +7132,8 @@
         </p:nvSpPr>
         <p:spPr>
           <a:xfrm>
-            <a:off x="1845940" y="1052736"/>
-            <a:ext cx="6552728" cy="461665"/>
+            <a:off x="1989956" y="1052736"/>
+            <a:ext cx="4392488" cy="461665"/>
           </a:xfrm>
           <a:prstGeom prst="rect">
             <a:avLst/>
@@ -7152,7 +7152,7 @@
                 <a:latin typeface="Times New Roman" panose="02020603050405020304" pitchFamily="18" charset="0"/>
                 <a:cs typeface="Times New Roman" panose="02020603050405020304" pitchFamily="18" charset="0"/>
               </a:rPr>
-              <a:t>האם החלפות המאמנים באמת משפיעים על אחוז הצלחה?</a:t>
+              <a:t>כמה פיטורים היו לכל אחוז הצלחה?</a:t>
             </a:r>
           </a:p>
         </p:txBody>
@@ -9765,7 +9765,7 @@
                 <a:latin typeface="Times New Roman" panose="02020603050405020304" pitchFamily="18" charset="0"/>
                 <a:cs typeface="Times New Roman" panose="02020603050405020304" pitchFamily="18" charset="0"/>
               </a:rPr>
-              <a:t>האם החלפות המאמנים באמת משפיעים על אחוז הצלחה?</a:t>
+              <a:t>כמה פיטורים היו לכל אחוז הצלחה?</a:t>
             </a:r>
           </a:p>
           <a:p>
@@ -11742,6 +11742,15 @@
 </file>
 
 <file path=customXml/item1.xml><?xml version="1.0" encoding="utf-8"?>
+<?mso-contentType ?>
+<FormTemplates xmlns="http://schemas.microsoft.com/sharepoint/v3/contenttype/forms">
+  <Display>DocumentLibraryForm</Display>
+  <Edit>AssetEditForm</Edit>
+  <New>DocumentLibraryForm</New>
+</FormTemplates>
+</file>
+
+<file path=customXml/item2.xml><?xml version="1.0" encoding="utf-8"?>
 <p:properties xmlns:p="http://schemas.microsoft.com/office/2006/metadata/properties" xmlns:xsi="http://www.w3.org/2001/XMLSchema-instance" xmlns:pc="http://schemas.microsoft.com/office/infopath/2007/PartnerControls">
   <documentManagement>
     <DirectSourceMarket xmlns="4873beb7-5857-4685-be1f-d57550cc96cc" xsi:nil="true"/>
@@ -11866,15 +11875,6 @@
     <LocMarketGroupTiers2 xmlns="4873beb7-5857-4685-be1f-d57550cc96cc" xsi:nil="true"/>
   </documentManagement>
 </p:properties>
-</file>
-
-<file path=customXml/item2.xml><?xml version="1.0" encoding="utf-8"?>
-<?mso-contentType ?>
-<FormTemplates xmlns="http://schemas.microsoft.com/sharepoint/v3/contenttype/forms">
-  <Display>DocumentLibraryForm</Display>
-  <Edit>AssetEditForm</Edit>
-  <New>DocumentLibraryForm</New>
-</FormTemplates>
 </file>
 
 <file path=customXml/item3.xml><?xml version="1.0" encoding="utf-8"?>
@@ -12918,6 +12918,14 @@
 </file>
 
 <file path=customXml/itemProps1.xml><?xml version="1.0" encoding="utf-8"?>
+<ds:datastoreItem xmlns:ds="http://schemas.openxmlformats.org/officeDocument/2006/customXml" ds:itemID="{74228E6B-D70C-44BB-A81F-A245495F612B}">
+  <ds:schemaRefs>
+    <ds:schemaRef ds:uri="http://schemas.microsoft.com/sharepoint/v3/contenttype/forms"/>
+  </ds:schemaRefs>
+</ds:datastoreItem>
+</file>
+
+<file path=customXml/itemProps2.xml><?xml version="1.0" encoding="utf-8"?>
 <ds:datastoreItem xmlns:ds="http://schemas.openxmlformats.org/officeDocument/2006/customXml" ds:itemID="{00E41224-0370-4595-877C-23316CD80004}">
   <ds:schemaRefs>
     <ds:schemaRef ds:uri="http://schemas.openxmlformats.org/package/2006/metadata/core-properties"/>
@@ -12929,14 +12937,6 @@
     <ds:schemaRef ds:uri="http://www.w3.org/XML/1998/namespace"/>
     <ds:schemaRef ds:uri="http://purl.org/dc/terms/"/>
     <ds:schemaRef ds:uri="http://schemas.microsoft.com/office/infopath/2007/PartnerControls"/>
-  </ds:schemaRefs>
-</ds:datastoreItem>
-</file>
-
-<file path=customXml/itemProps2.xml><?xml version="1.0" encoding="utf-8"?>
-<ds:datastoreItem xmlns:ds="http://schemas.openxmlformats.org/officeDocument/2006/customXml" ds:itemID="{74228E6B-D70C-44BB-A81F-A245495F612B}">
-  <ds:schemaRefs>
-    <ds:schemaRef ds:uri="http://schemas.microsoft.com/sharepoint/v3/contenttype/forms"/>
   </ds:schemaRefs>
 </ds:datastoreItem>
 </file>

--- a/פרויקט סוף קורס.pptx
+++ b/פרויקט סוף קורס.pptx
@@ -5,10 +5,10 @@
     <p:sldMasterId id="2147483648" r:id="rId4"/>
   </p:sldMasterIdLst>
   <p:notesMasterIdLst>
-    <p:notesMasterId r:id="rId32"/>
+    <p:notesMasterId r:id="rId39"/>
   </p:notesMasterIdLst>
   <p:handoutMasterIdLst>
-    <p:handoutMasterId r:id="rId33"/>
+    <p:handoutMasterId r:id="rId40"/>
   </p:handoutMasterIdLst>
   <p:sldIdLst>
     <p:sldId id="265" r:id="rId5"/>
@@ -17,32 +17,39 @@
     <p:sldId id="321" r:id="rId8"/>
     <p:sldId id="322" r:id="rId9"/>
     <p:sldId id="323" r:id="rId10"/>
-    <p:sldId id="324" r:id="rId11"/>
+    <p:sldId id="314" r:id="rId11"/>
     <p:sldId id="325" r:id="rId12"/>
     <p:sldId id="326" r:id="rId13"/>
-    <p:sldId id="327" r:id="rId14"/>
-    <p:sldId id="328" r:id="rId15"/>
-    <p:sldId id="329" r:id="rId16"/>
-    <p:sldId id="330" r:id="rId17"/>
-    <p:sldId id="331" r:id="rId18"/>
-    <p:sldId id="332" r:id="rId19"/>
-    <p:sldId id="333" r:id="rId20"/>
-    <p:sldId id="334" r:id="rId21"/>
-    <p:sldId id="335" r:id="rId22"/>
-    <p:sldId id="336" r:id="rId23"/>
-    <p:sldId id="337" r:id="rId24"/>
-    <p:sldId id="338" r:id="rId25"/>
-    <p:sldId id="339" r:id="rId26"/>
-    <p:sldId id="340" r:id="rId27"/>
-    <p:sldId id="341" r:id="rId28"/>
-    <p:sldId id="342" r:id="rId29"/>
-    <p:sldId id="343" r:id="rId30"/>
-    <p:sldId id="344" r:id="rId31"/>
+    <p:sldId id="328" r:id="rId14"/>
+    <p:sldId id="329" r:id="rId15"/>
+    <p:sldId id="330" r:id="rId16"/>
+    <p:sldId id="331" r:id="rId17"/>
+    <p:sldId id="332" r:id="rId18"/>
+    <p:sldId id="345" r:id="rId19"/>
+    <p:sldId id="327" r:id="rId20"/>
+    <p:sldId id="350" r:id="rId21"/>
+    <p:sldId id="352" r:id="rId22"/>
+    <p:sldId id="351" r:id="rId23"/>
+    <p:sldId id="353" r:id="rId24"/>
+    <p:sldId id="349" r:id="rId25"/>
+    <p:sldId id="333" r:id="rId26"/>
+    <p:sldId id="334" r:id="rId27"/>
+    <p:sldId id="346" r:id="rId28"/>
+    <p:sldId id="335" r:id="rId29"/>
+    <p:sldId id="336" r:id="rId30"/>
+    <p:sldId id="347" r:id="rId31"/>
+    <p:sldId id="348" r:id="rId32"/>
+    <p:sldId id="339" r:id="rId33"/>
+    <p:sldId id="340" r:id="rId34"/>
+    <p:sldId id="341" r:id="rId35"/>
+    <p:sldId id="342" r:id="rId36"/>
+    <p:sldId id="343" r:id="rId37"/>
+    <p:sldId id="344" r:id="rId38"/>
   </p:sldIdLst>
   <p:sldSz cx="12188825" cy="6858000"/>
   <p:notesSz cx="6858000" cy="9144000"/>
   <p:custDataLst>
-    <p:tags r:id="rId34"/>
+    <p:tags r:id="rId41"/>
   </p:custDataLst>
   <p:defaultTextStyle>
     <a:defPPr algn="r" rtl="1">
@@ -253,7 +260,7 @@
                 <a:ea typeface="Tahoma" panose="020B0604030504040204" pitchFamily="34" charset="0"/>
                 <a:cs typeface="Tahoma" panose="020B0604030504040204" pitchFamily="34" charset="0"/>
               </a:rPr>
-              <a:t>08 אפריל 20</a:t>
+              <a:t>09 אפריל 20</a:t>
             </a:fld>
             <a:endParaRPr lang="he-IL" dirty="0">
               <a:latin typeface="Tahoma" panose="020B0604030504040204" pitchFamily="34" charset="0"/>
@@ -540,7 +547,7 @@
             <a:fld id="{F88E257E-95FC-46EC-9539-284032A70F37}" type="datetime8">
               <a:rPr lang="he-IL" noProof="0" smtClean="0"/>
               <a:pPr algn="l"/>
-              <a:t>08 אפריל 20</a:t>
+              <a:t>09 אפריל 20</a:t>
             </a:fld>
             <a:endParaRPr lang="he-IL" noProof="0" dirty="0"/>
           </a:p>
@@ -887,7 +894,7 @@
     </p:spTree>
     <p:extLst>
       <p:ext uri="{BB962C8B-B14F-4D97-AF65-F5344CB8AC3E}">
-        <p14:creationId xmlns:p14="http://schemas.microsoft.com/office/powerpoint/2010/main" val="1763020491"/>
+        <p14:creationId xmlns:p14="http://schemas.microsoft.com/office/powerpoint/2010/main" val="409824265"/>
       </p:ext>
     </p:extLst>
   </p:cSld>
@@ -973,7 +980,7 @@
     </p:spTree>
     <p:extLst>
       <p:ext uri="{BB962C8B-B14F-4D97-AF65-F5344CB8AC3E}">
-        <p14:creationId xmlns:p14="http://schemas.microsoft.com/office/powerpoint/2010/main" val="409824265"/>
+        <p14:creationId xmlns:p14="http://schemas.microsoft.com/office/powerpoint/2010/main" val="212961837"/>
       </p:ext>
     </p:extLst>
   </p:cSld>
@@ -1059,7 +1066,7 @@
     </p:spTree>
     <p:extLst>
       <p:ext uri="{BB962C8B-B14F-4D97-AF65-F5344CB8AC3E}">
-        <p14:creationId xmlns:p14="http://schemas.microsoft.com/office/powerpoint/2010/main" val="212961837"/>
+        <p14:creationId xmlns:p14="http://schemas.microsoft.com/office/powerpoint/2010/main" val="3624950042"/>
       </p:ext>
     </p:extLst>
   </p:cSld>
@@ -1145,7 +1152,7 @@
     </p:spTree>
     <p:extLst>
       <p:ext uri="{BB962C8B-B14F-4D97-AF65-F5344CB8AC3E}">
-        <p14:creationId xmlns:p14="http://schemas.microsoft.com/office/powerpoint/2010/main" val="3624950042"/>
+        <p14:creationId xmlns:p14="http://schemas.microsoft.com/office/powerpoint/2010/main" val="458107708"/>
       </p:ext>
     </p:extLst>
   </p:cSld>
@@ -1231,7 +1238,7 @@
     </p:spTree>
     <p:extLst>
       <p:ext uri="{BB962C8B-B14F-4D97-AF65-F5344CB8AC3E}">
-        <p14:creationId xmlns:p14="http://schemas.microsoft.com/office/powerpoint/2010/main" val="458107708"/>
+        <p14:creationId xmlns:p14="http://schemas.microsoft.com/office/powerpoint/2010/main" val="3950915957"/>
       </p:ext>
     </p:extLst>
   </p:cSld>
@@ -1317,7 +1324,7 @@
     </p:spTree>
     <p:extLst>
       <p:ext uri="{BB962C8B-B14F-4D97-AF65-F5344CB8AC3E}">
-        <p14:creationId xmlns:p14="http://schemas.microsoft.com/office/powerpoint/2010/main" val="3950915957"/>
+        <p14:creationId xmlns:p14="http://schemas.microsoft.com/office/powerpoint/2010/main" val="3200762305"/>
       </p:ext>
     </p:extLst>
   </p:cSld>
@@ -1403,7 +1410,7 @@
     </p:spTree>
     <p:extLst>
       <p:ext uri="{BB962C8B-B14F-4D97-AF65-F5344CB8AC3E}">
-        <p14:creationId xmlns:p14="http://schemas.microsoft.com/office/powerpoint/2010/main" val="3940560582"/>
+        <p14:creationId xmlns:p14="http://schemas.microsoft.com/office/powerpoint/2010/main" val="1763020491"/>
       </p:ext>
     </p:extLst>
   </p:cSld>
@@ -1489,7 +1496,7 @@
     </p:spTree>
     <p:extLst>
       <p:ext uri="{BB962C8B-B14F-4D97-AF65-F5344CB8AC3E}">
-        <p14:creationId xmlns:p14="http://schemas.microsoft.com/office/powerpoint/2010/main" val="1886028357"/>
+        <p14:creationId xmlns:p14="http://schemas.microsoft.com/office/powerpoint/2010/main" val="3823826905"/>
       </p:ext>
     </p:extLst>
   </p:cSld>
@@ -1575,7 +1582,7 @@
     </p:spTree>
     <p:extLst>
       <p:ext uri="{BB962C8B-B14F-4D97-AF65-F5344CB8AC3E}">
-        <p14:creationId xmlns:p14="http://schemas.microsoft.com/office/powerpoint/2010/main" val="419810855"/>
+        <p14:creationId xmlns:p14="http://schemas.microsoft.com/office/powerpoint/2010/main" val="2885083718"/>
       </p:ext>
     </p:extLst>
   </p:cSld>
@@ -1661,7 +1668,7 @@
     </p:spTree>
     <p:extLst>
       <p:ext uri="{BB962C8B-B14F-4D97-AF65-F5344CB8AC3E}">
-        <p14:creationId xmlns:p14="http://schemas.microsoft.com/office/powerpoint/2010/main" val="741293601"/>
+        <p14:creationId xmlns:p14="http://schemas.microsoft.com/office/powerpoint/2010/main" val="523659732"/>
       </p:ext>
     </p:extLst>
   </p:cSld>
@@ -1833,7 +1840,7 @@
     </p:spTree>
     <p:extLst>
       <p:ext uri="{BB962C8B-B14F-4D97-AF65-F5344CB8AC3E}">
-        <p14:creationId xmlns:p14="http://schemas.microsoft.com/office/powerpoint/2010/main" val="1045306127"/>
+        <p14:creationId xmlns:p14="http://schemas.microsoft.com/office/powerpoint/2010/main" val="797869836"/>
       </p:ext>
     </p:extLst>
   </p:cSld>
@@ -1919,7 +1926,7 @@
     </p:spTree>
     <p:extLst>
       <p:ext uri="{BB962C8B-B14F-4D97-AF65-F5344CB8AC3E}">
-        <p14:creationId xmlns:p14="http://schemas.microsoft.com/office/powerpoint/2010/main" val="665181944"/>
+        <p14:creationId xmlns:p14="http://schemas.microsoft.com/office/powerpoint/2010/main" val="3327513275"/>
       </p:ext>
     </p:extLst>
   </p:cSld>
@@ -2005,7 +2012,7 @@
     </p:spTree>
     <p:extLst>
       <p:ext uri="{BB962C8B-B14F-4D97-AF65-F5344CB8AC3E}">
-        <p14:creationId xmlns:p14="http://schemas.microsoft.com/office/powerpoint/2010/main" val="2713909780"/>
+        <p14:creationId xmlns:p14="http://schemas.microsoft.com/office/powerpoint/2010/main" val="3940560582"/>
       </p:ext>
     </p:extLst>
   </p:cSld>
@@ -2091,7 +2098,7 @@
     </p:spTree>
     <p:extLst>
       <p:ext uri="{BB962C8B-B14F-4D97-AF65-F5344CB8AC3E}">
-        <p14:creationId xmlns:p14="http://schemas.microsoft.com/office/powerpoint/2010/main" val="4037627088"/>
+        <p14:creationId xmlns:p14="http://schemas.microsoft.com/office/powerpoint/2010/main" val="1886028357"/>
       </p:ext>
     </p:extLst>
   </p:cSld>
@@ -2177,7 +2184,7 @@
     </p:spTree>
     <p:extLst>
       <p:ext uri="{BB962C8B-B14F-4D97-AF65-F5344CB8AC3E}">
-        <p14:creationId xmlns:p14="http://schemas.microsoft.com/office/powerpoint/2010/main" val="259036721"/>
+        <p14:creationId xmlns:p14="http://schemas.microsoft.com/office/powerpoint/2010/main" val="3529557562"/>
       </p:ext>
     </p:extLst>
   </p:cSld>
@@ -2263,7 +2270,7 @@
     </p:spTree>
     <p:extLst>
       <p:ext uri="{BB962C8B-B14F-4D97-AF65-F5344CB8AC3E}">
-        <p14:creationId xmlns:p14="http://schemas.microsoft.com/office/powerpoint/2010/main" val="1325950936"/>
+        <p14:creationId xmlns:p14="http://schemas.microsoft.com/office/powerpoint/2010/main" val="419810855"/>
       </p:ext>
     </p:extLst>
   </p:cSld>
@@ -2349,7 +2356,7 @@
     </p:spTree>
     <p:extLst>
       <p:ext uri="{BB962C8B-B14F-4D97-AF65-F5344CB8AC3E}">
-        <p14:creationId xmlns:p14="http://schemas.microsoft.com/office/powerpoint/2010/main" val="4096429484"/>
+        <p14:creationId xmlns:p14="http://schemas.microsoft.com/office/powerpoint/2010/main" val="741293601"/>
       </p:ext>
     </p:extLst>
   </p:cSld>
@@ -2435,7 +2442,179 @@
     </p:spTree>
     <p:extLst>
       <p:ext uri="{BB962C8B-B14F-4D97-AF65-F5344CB8AC3E}">
-        <p14:creationId xmlns:p14="http://schemas.microsoft.com/office/powerpoint/2010/main" val="1254406962"/>
+        <p14:creationId xmlns:p14="http://schemas.microsoft.com/office/powerpoint/2010/main" val="276098505"/>
+      </p:ext>
+    </p:extLst>
+  </p:cSld>
+  <p:clrMapOvr>
+    <a:masterClrMapping/>
+  </p:clrMapOvr>
+</p:notes>
+</file>
+
+<file path=ppt/notesSlides/notesSlide28.xml><?xml version="1.0" encoding="utf-8"?>
+<p:notes xmlns:a="http://schemas.openxmlformats.org/drawingml/2006/main" xmlns:r="http://schemas.openxmlformats.org/officeDocument/2006/relationships" xmlns:p="http://schemas.openxmlformats.org/presentationml/2006/main">
+  <p:cSld>
+    <p:spTree>
+      <p:nvGrpSpPr>
+        <p:cNvPr id="1" name=""/>
+        <p:cNvGrpSpPr/>
+        <p:nvPr/>
+      </p:nvGrpSpPr>
+      <p:grpSpPr>
+        <a:xfrm>
+          <a:off x="0" y="0"/>
+          <a:ext cx="0" cy="0"/>
+          <a:chOff x="0" y="0"/>
+          <a:chExt cx="0" cy="0"/>
+        </a:xfrm>
+      </p:grpSpPr>
+      <p:sp>
+        <p:nvSpPr>
+          <p:cNvPr id="2" name="מציין מיקום של תמונת שקופית 1"/>
+          <p:cNvSpPr>
+            <a:spLocks noGrp="1" noRot="1" noChangeAspect="1"/>
+          </p:cNvSpPr>
+          <p:nvPr>
+            <p:ph type="sldImg"/>
+          </p:nvPr>
+        </p:nvSpPr>
+        <p:spPr/>
+      </p:sp>
+      <p:sp>
+        <p:nvSpPr>
+          <p:cNvPr id="3" name="מציין מיקום של הערות 2"/>
+          <p:cNvSpPr>
+            <a:spLocks noGrp="1"/>
+          </p:cNvSpPr>
+          <p:nvPr>
+            <p:ph type="body" idx="1"/>
+          </p:nvPr>
+        </p:nvSpPr>
+        <p:spPr/>
+        <p:txBody>
+          <a:bodyPr/>
+          <a:lstStyle/>
+          <a:p>
+            <a:endParaRPr lang="he-IL"/>
+          </a:p>
+        </p:txBody>
+      </p:sp>
+      <p:sp>
+        <p:nvSpPr>
+          <p:cNvPr id="4" name="מציין מיקום של מספר שקופית 3"/>
+          <p:cNvSpPr>
+            <a:spLocks noGrp="1"/>
+          </p:cNvSpPr>
+          <p:nvPr>
+            <p:ph type="sldNum" sz="quarter" idx="10"/>
+          </p:nvPr>
+        </p:nvSpPr>
+        <p:spPr/>
+        <p:txBody>
+          <a:bodyPr/>
+          <a:lstStyle/>
+          <a:p>
+            <a:pPr algn="l"/>
+            <a:fld id="{D9F912AB-2776-42F2-A957-313FC7EFEDB9}" type="slidenum">
+              <a:rPr lang="he-IL" noProof="0" smtClean="0"/>
+              <a:pPr algn="l"/>
+              <a:t>28</a:t>
+            </a:fld>
+            <a:endParaRPr lang="he-IL" noProof="0" dirty="0"/>
+          </a:p>
+        </p:txBody>
+      </p:sp>
+    </p:spTree>
+    <p:extLst>
+      <p:ext uri="{BB962C8B-B14F-4D97-AF65-F5344CB8AC3E}">
+        <p14:creationId xmlns:p14="http://schemas.microsoft.com/office/powerpoint/2010/main" val="1555950039"/>
+      </p:ext>
+    </p:extLst>
+  </p:cSld>
+  <p:clrMapOvr>
+    <a:masterClrMapping/>
+  </p:clrMapOvr>
+</p:notes>
+</file>
+
+<file path=ppt/notesSlides/notesSlide29.xml><?xml version="1.0" encoding="utf-8"?>
+<p:notes xmlns:a="http://schemas.openxmlformats.org/drawingml/2006/main" xmlns:r="http://schemas.openxmlformats.org/officeDocument/2006/relationships" xmlns:p="http://schemas.openxmlformats.org/presentationml/2006/main">
+  <p:cSld>
+    <p:spTree>
+      <p:nvGrpSpPr>
+        <p:cNvPr id="1" name=""/>
+        <p:cNvGrpSpPr/>
+        <p:nvPr/>
+      </p:nvGrpSpPr>
+      <p:grpSpPr>
+        <a:xfrm>
+          <a:off x="0" y="0"/>
+          <a:ext cx="0" cy="0"/>
+          <a:chOff x="0" y="0"/>
+          <a:chExt cx="0" cy="0"/>
+        </a:xfrm>
+      </p:grpSpPr>
+      <p:sp>
+        <p:nvSpPr>
+          <p:cNvPr id="2" name="מציין מיקום של תמונת שקופית 1"/>
+          <p:cNvSpPr>
+            <a:spLocks noGrp="1" noRot="1" noChangeAspect="1"/>
+          </p:cNvSpPr>
+          <p:nvPr>
+            <p:ph type="sldImg"/>
+          </p:nvPr>
+        </p:nvSpPr>
+        <p:spPr/>
+      </p:sp>
+      <p:sp>
+        <p:nvSpPr>
+          <p:cNvPr id="3" name="מציין מיקום של הערות 2"/>
+          <p:cNvSpPr>
+            <a:spLocks noGrp="1"/>
+          </p:cNvSpPr>
+          <p:nvPr>
+            <p:ph type="body" idx="1"/>
+          </p:nvPr>
+        </p:nvSpPr>
+        <p:spPr/>
+        <p:txBody>
+          <a:bodyPr/>
+          <a:lstStyle/>
+          <a:p>
+            <a:endParaRPr lang="he-IL"/>
+          </a:p>
+        </p:txBody>
+      </p:sp>
+      <p:sp>
+        <p:nvSpPr>
+          <p:cNvPr id="4" name="מציין מיקום של מספר שקופית 3"/>
+          <p:cNvSpPr>
+            <a:spLocks noGrp="1"/>
+          </p:cNvSpPr>
+          <p:nvPr>
+            <p:ph type="sldNum" sz="quarter" idx="10"/>
+          </p:nvPr>
+        </p:nvSpPr>
+        <p:spPr/>
+        <p:txBody>
+          <a:bodyPr/>
+          <a:lstStyle/>
+          <a:p>
+            <a:pPr algn="l"/>
+            <a:fld id="{D9F912AB-2776-42F2-A957-313FC7EFEDB9}" type="slidenum">
+              <a:rPr lang="he-IL" noProof="0" smtClean="0"/>
+              <a:pPr algn="l"/>
+              <a:t>29</a:t>
+            </a:fld>
+            <a:endParaRPr lang="he-IL" noProof="0" dirty="0"/>
+          </a:p>
+        </p:txBody>
+      </p:sp>
+    </p:spTree>
+    <p:extLst>
+      <p:ext uri="{BB962C8B-B14F-4D97-AF65-F5344CB8AC3E}">
+        <p14:creationId xmlns:p14="http://schemas.microsoft.com/office/powerpoint/2010/main" val="2713909780"/>
       </p:ext>
     </p:extLst>
   </p:cSld>
@@ -2522,6 +2701,436 @@
     <p:extLst>
       <p:ext uri="{BB962C8B-B14F-4D97-AF65-F5344CB8AC3E}">
         <p14:creationId xmlns:p14="http://schemas.microsoft.com/office/powerpoint/2010/main" val="568326385"/>
+      </p:ext>
+    </p:extLst>
+  </p:cSld>
+  <p:clrMapOvr>
+    <a:masterClrMapping/>
+  </p:clrMapOvr>
+</p:notes>
+</file>
+
+<file path=ppt/notesSlides/notesSlide30.xml><?xml version="1.0" encoding="utf-8"?>
+<p:notes xmlns:a="http://schemas.openxmlformats.org/drawingml/2006/main" xmlns:r="http://schemas.openxmlformats.org/officeDocument/2006/relationships" xmlns:p="http://schemas.openxmlformats.org/presentationml/2006/main">
+  <p:cSld>
+    <p:spTree>
+      <p:nvGrpSpPr>
+        <p:cNvPr id="1" name=""/>
+        <p:cNvGrpSpPr/>
+        <p:nvPr/>
+      </p:nvGrpSpPr>
+      <p:grpSpPr>
+        <a:xfrm>
+          <a:off x="0" y="0"/>
+          <a:ext cx="0" cy="0"/>
+          <a:chOff x="0" y="0"/>
+          <a:chExt cx="0" cy="0"/>
+        </a:xfrm>
+      </p:grpSpPr>
+      <p:sp>
+        <p:nvSpPr>
+          <p:cNvPr id="2" name="מציין מיקום של תמונת שקופית 1"/>
+          <p:cNvSpPr>
+            <a:spLocks noGrp="1" noRot="1" noChangeAspect="1"/>
+          </p:cNvSpPr>
+          <p:nvPr>
+            <p:ph type="sldImg"/>
+          </p:nvPr>
+        </p:nvSpPr>
+        <p:spPr/>
+      </p:sp>
+      <p:sp>
+        <p:nvSpPr>
+          <p:cNvPr id="3" name="מציין מיקום של הערות 2"/>
+          <p:cNvSpPr>
+            <a:spLocks noGrp="1"/>
+          </p:cNvSpPr>
+          <p:nvPr>
+            <p:ph type="body" idx="1"/>
+          </p:nvPr>
+        </p:nvSpPr>
+        <p:spPr/>
+        <p:txBody>
+          <a:bodyPr/>
+          <a:lstStyle/>
+          <a:p>
+            <a:endParaRPr lang="he-IL"/>
+          </a:p>
+        </p:txBody>
+      </p:sp>
+      <p:sp>
+        <p:nvSpPr>
+          <p:cNvPr id="4" name="מציין מיקום של מספר שקופית 3"/>
+          <p:cNvSpPr>
+            <a:spLocks noGrp="1"/>
+          </p:cNvSpPr>
+          <p:nvPr>
+            <p:ph type="sldNum" sz="quarter" idx="10"/>
+          </p:nvPr>
+        </p:nvSpPr>
+        <p:spPr/>
+        <p:txBody>
+          <a:bodyPr/>
+          <a:lstStyle/>
+          <a:p>
+            <a:pPr algn="l"/>
+            <a:fld id="{D9F912AB-2776-42F2-A957-313FC7EFEDB9}" type="slidenum">
+              <a:rPr lang="he-IL" noProof="0" smtClean="0"/>
+              <a:pPr algn="l"/>
+              <a:t>30</a:t>
+            </a:fld>
+            <a:endParaRPr lang="he-IL" noProof="0" dirty="0"/>
+          </a:p>
+        </p:txBody>
+      </p:sp>
+    </p:spTree>
+    <p:extLst>
+      <p:ext uri="{BB962C8B-B14F-4D97-AF65-F5344CB8AC3E}">
+        <p14:creationId xmlns:p14="http://schemas.microsoft.com/office/powerpoint/2010/main" val="4037627088"/>
+      </p:ext>
+    </p:extLst>
+  </p:cSld>
+  <p:clrMapOvr>
+    <a:masterClrMapping/>
+  </p:clrMapOvr>
+</p:notes>
+</file>
+
+<file path=ppt/notesSlides/notesSlide31.xml><?xml version="1.0" encoding="utf-8"?>
+<p:notes xmlns:a="http://schemas.openxmlformats.org/drawingml/2006/main" xmlns:r="http://schemas.openxmlformats.org/officeDocument/2006/relationships" xmlns:p="http://schemas.openxmlformats.org/presentationml/2006/main">
+  <p:cSld>
+    <p:spTree>
+      <p:nvGrpSpPr>
+        <p:cNvPr id="1" name=""/>
+        <p:cNvGrpSpPr/>
+        <p:nvPr/>
+      </p:nvGrpSpPr>
+      <p:grpSpPr>
+        <a:xfrm>
+          <a:off x="0" y="0"/>
+          <a:ext cx="0" cy="0"/>
+          <a:chOff x="0" y="0"/>
+          <a:chExt cx="0" cy="0"/>
+        </a:xfrm>
+      </p:grpSpPr>
+      <p:sp>
+        <p:nvSpPr>
+          <p:cNvPr id="2" name="מציין מיקום של תמונת שקופית 1"/>
+          <p:cNvSpPr>
+            <a:spLocks noGrp="1" noRot="1" noChangeAspect="1"/>
+          </p:cNvSpPr>
+          <p:nvPr>
+            <p:ph type="sldImg"/>
+          </p:nvPr>
+        </p:nvSpPr>
+        <p:spPr/>
+      </p:sp>
+      <p:sp>
+        <p:nvSpPr>
+          <p:cNvPr id="3" name="מציין מיקום של הערות 2"/>
+          <p:cNvSpPr>
+            <a:spLocks noGrp="1"/>
+          </p:cNvSpPr>
+          <p:nvPr>
+            <p:ph type="body" idx="1"/>
+          </p:nvPr>
+        </p:nvSpPr>
+        <p:spPr/>
+        <p:txBody>
+          <a:bodyPr/>
+          <a:lstStyle/>
+          <a:p>
+            <a:endParaRPr lang="he-IL"/>
+          </a:p>
+        </p:txBody>
+      </p:sp>
+      <p:sp>
+        <p:nvSpPr>
+          <p:cNvPr id="4" name="מציין מיקום של מספר שקופית 3"/>
+          <p:cNvSpPr>
+            <a:spLocks noGrp="1"/>
+          </p:cNvSpPr>
+          <p:nvPr>
+            <p:ph type="sldNum" sz="quarter" idx="10"/>
+          </p:nvPr>
+        </p:nvSpPr>
+        <p:spPr/>
+        <p:txBody>
+          <a:bodyPr/>
+          <a:lstStyle/>
+          <a:p>
+            <a:pPr algn="l"/>
+            <a:fld id="{D9F912AB-2776-42F2-A957-313FC7EFEDB9}" type="slidenum">
+              <a:rPr lang="he-IL" noProof="0" smtClean="0"/>
+              <a:pPr algn="l"/>
+              <a:t>31</a:t>
+            </a:fld>
+            <a:endParaRPr lang="he-IL" noProof="0" dirty="0"/>
+          </a:p>
+        </p:txBody>
+      </p:sp>
+    </p:spTree>
+    <p:extLst>
+      <p:ext uri="{BB962C8B-B14F-4D97-AF65-F5344CB8AC3E}">
+        <p14:creationId xmlns:p14="http://schemas.microsoft.com/office/powerpoint/2010/main" val="259036721"/>
+      </p:ext>
+    </p:extLst>
+  </p:cSld>
+  <p:clrMapOvr>
+    <a:masterClrMapping/>
+  </p:clrMapOvr>
+</p:notes>
+</file>
+
+<file path=ppt/notesSlides/notesSlide32.xml><?xml version="1.0" encoding="utf-8"?>
+<p:notes xmlns:a="http://schemas.openxmlformats.org/drawingml/2006/main" xmlns:r="http://schemas.openxmlformats.org/officeDocument/2006/relationships" xmlns:p="http://schemas.openxmlformats.org/presentationml/2006/main">
+  <p:cSld>
+    <p:spTree>
+      <p:nvGrpSpPr>
+        <p:cNvPr id="1" name=""/>
+        <p:cNvGrpSpPr/>
+        <p:nvPr/>
+      </p:nvGrpSpPr>
+      <p:grpSpPr>
+        <a:xfrm>
+          <a:off x="0" y="0"/>
+          <a:ext cx="0" cy="0"/>
+          <a:chOff x="0" y="0"/>
+          <a:chExt cx="0" cy="0"/>
+        </a:xfrm>
+      </p:grpSpPr>
+      <p:sp>
+        <p:nvSpPr>
+          <p:cNvPr id="2" name="מציין מיקום של תמונת שקופית 1"/>
+          <p:cNvSpPr>
+            <a:spLocks noGrp="1" noRot="1" noChangeAspect="1"/>
+          </p:cNvSpPr>
+          <p:nvPr>
+            <p:ph type="sldImg"/>
+          </p:nvPr>
+        </p:nvSpPr>
+        <p:spPr/>
+      </p:sp>
+      <p:sp>
+        <p:nvSpPr>
+          <p:cNvPr id="3" name="מציין מיקום של הערות 2"/>
+          <p:cNvSpPr>
+            <a:spLocks noGrp="1"/>
+          </p:cNvSpPr>
+          <p:nvPr>
+            <p:ph type="body" idx="1"/>
+          </p:nvPr>
+        </p:nvSpPr>
+        <p:spPr/>
+        <p:txBody>
+          <a:bodyPr/>
+          <a:lstStyle/>
+          <a:p>
+            <a:endParaRPr lang="he-IL"/>
+          </a:p>
+        </p:txBody>
+      </p:sp>
+      <p:sp>
+        <p:nvSpPr>
+          <p:cNvPr id="4" name="מציין מיקום של מספר שקופית 3"/>
+          <p:cNvSpPr>
+            <a:spLocks noGrp="1"/>
+          </p:cNvSpPr>
+          <p:nvPr>
+            <p:ph type="sldNum" sz="quarter" idx="10"/>
+          </p:nvPr>
+        </p:nvSpPr>
+        <p:spPr/>
+        <p:txBody>
+          <a:bodyPr/>
+          <a:lstStyle/>
+          <a:p>
+            <a:pPr algn="l"/>
+            <a:fld id="{D9F912AB-2776-42F2-A957-313FC7EFEDB9}" type="slidenum">
+              <a:rPr lang="he-IL" noProof="0" smtClean="0"/>
+              <a:pPr algn="l"/>
+              <a:t>32</a:t>
+            </a:fld>
+            <a:endParaRPr lang="he-IL" noProof="0" dirty="0"/>
+          </a:p>
+        </p:txBody>
+      </p:sp>
+    </p:spTree>
+    <p:extLst>
+      <p:ext uri="{BB962C8B-B14F-4D97-AF65-F5344CB8AC3E}">
+        <p14:creationId xmlns:p14="http://schemas.microsoft.com/office/powerpoint/2010/main" val="1325950936"/>
+      </p:ext>
+    </p:extLst>
+  </p:cSld>
+  <p:clrMapOvr>
+    <a:masterClrMapping/>
+  </p:clrMapOvr>
+</p:notes>
+</file>
+
+<file path=ppt/notesSlides/notesSlide33.xml><?xml version="1.0" encoding="utf-8"?>
+<p:notes xmlns:a="http://schemas.openxmlformats.org/drawingml/2006/main" xmlns:r="http://schemas.openxmlformats.org/officeDocument/2006/relationships" xmlns:p="http://schemas.openxmlformats.org/presentationml/2006/main">
+  <p:cSld>
+    <p:spTree>
+      <p:nvGrpSpPr>
+        <p:cNvPr id="1" name=""/>
+        <p:cNvGrpSpPr/>
+        <p:nvPr/>
+      </p:nvGrpSpPr>
+      <p:grpSpPr>
+        <a:xfrm>
+          <a:off x="0" y="0"/>
+          <a:ext cx="0" cy="0"/>
+          <a:chOff x="0" y="0"/>
+          <a:chExt cx="0" cy="0"/>
+        </a:xfrm>
+      </p:grpSpPr>
+      <p:sp>
+        <p:nvSpPr>
+          <p:cNvPr id="2" name="מציין מיקום של תמונת שקופית 1"/>
+          <p:cNvSpPr>
+            <a:spLocks noGrp="1" noRot="1" noChangeAspect="1"/>
+          </p:cNvSpPr>
+          <p:nvPr>
+            <p:ph type="sldImg"/>
+          </p:nvPr>
+        </p:nvSpPr>
+        <p:spPr/>
+      </p:sp>
+      <p:sp>
+        <p:nvSpPr>
+          <p:cNvPr id="3" name="מציין מיקום של הערות 2"/>
+          <p:cNvSpPr>
+            <a:spLocks noGrp="1"/>
+          </p:cNvSpPr>
+          <p:nvPr>
+            <p:ph type="body" idx="1"/>
+          </p:nvPr>
+        </p:nvSpPr>
+        <p:spPr/>
+        <p:txBody>
+          <a:bodyPr/>
+          <a:lstStyle/>
+          <a:p>
+            <a:endParaRPr lang="he-IL"/>
+          </a:p>
+        </p:txBody>
+      </p:sp>
+      <p:sp>
+        <p:nvSpPr>
+          <p:cNvPr id="4" name="מציין מיקום של מספר שקופית 3"/>
+          <p:cNvSpPr>
+            <a:spLocks noGrp="1"/>
+          </p:cNvSpPr>
+          <p:nvPr>
+            <p:ph type="sldNum" sz="quarter" idx="10"/>
+          </p:nvPr>
+        </p:nvSpPr>
+        <p:spPr/>
+        <p:txBody>
+          <a:bodyPr/>
+          <a:lstStyle/>
+          <a:p>
+            <a:pPr algn="l"/>
+            <a:fld id="{D9F912AB-2776-42F2-A957-313FC7EFEDB9}" type="slidenum">
+              <a:rPr lang="he-IL" noProof="0" smtClean="0"/>
+              <a:pPr algn="l"/>
+              <a:t>33</a:t>
+            </a:fld>
+            <a:endParaRPr lang="he-IL" noProof="0" dirty="0"/>
+          </a:p>
+        </p:txBody>
+      </p:sp>
+    </p:spTree>
+    <p:extLst>
+      <p:ext uri="{BB962C8B-B14F-4D97-AF65-F5344CB8AC3E}">
+        <p14:creationId xmlns:p14="http://schemas.microsoft.com/office/powerpoint/2010/main" val="4096429484"/>
+      </p:ext>
+    </p:extLst>
+  </p:cSld>
+  <p:clrMapOvr>
+    <a:masterClrMapping/>
+  </p:clrMapOvr>
+</p:notes>
+</file>
+
+<file path=ppt/notesSlides/notesSlide34.xml><?xml version="1.0" encoding="utf-8"?>
+<p:notes xmlns:a="http://schemas.openxmlformats.org/drawingml/2006/main" xmlns:r="http://schemas.openxmlformats.org/officeDocument/2006/relationships" xmlns:p="http://schemas.openxmlformats.org/presentationml/2006/main">
+  <p:cSld>
+    <p:spTree>
+      <p:nvGrpSpPr>
+        <p:cNvPr id="1" name=""/>
+        <p:cNvGrpSpPr/>
+        <p:nvPr/>
+      </p:nvGrpSpPr>
+      <p:grpSpPr>
+        <a:xfrm>
+          <a:off x="0" y="0"/>
+          <a:ext cx="0" cy="0"/>
+          <a:chOff x="0" y="0"/>
+          <a:chExt cx="0" cy="0"/>
+        </a:xfrm>
+      </p:grpSpPr>
+      <p:sp>
+        <p:nvSpPr>
+          <p:cNvPr id="2" name="מציין מיקום של תמונת שקופית 1"/>
+          <p:cNvSpPr>
+            <a:spLocks noGrp="1" noRot="1" noChangeAspect="1"/>
+          </p:cNvSpPr>
+          <p:nvPr>
+            <p:ph type="sldImg"/>
+          </p:nvPr>
+        </p:nvSpPr>
+        <p:spPr/>
+      </p:sp>
+      <p:sp>
+        <p:nvSpPr>
+          <p:cNvPr id="3" name="מציין מיקום של הערות 2"/>
+          <p:cNvSpPr>
+            <a:spLocks noGrp="1"/>
+          </p:cNvSpPr>
+          <p:nvPr>
+            <p:ph type="body" idx="1"/>
+          </p:nvPr>
+        </p:nvSpPr>
+        <p:spPr/>
+        <p:txBody>
+          <a:bodyPr/>
+          <a:lstStyle/>
+          <a:p>
+            <a:endParaRPr lang="he-IL"/>
+          </a:p>
+        </p:txBody>
+      </p:sp>
+      <p:sp>
+        <p:nvSpPr>
+          <p:cNvPr id="4" name="מציין מיקום של מספר שקופית 3"/>
+          <p:cNvSpPr>
+            <a:spLocks noGrp="1"/>
+          </p:cNvSpPr>
+          <p:nvPr>
+            <p:ph type="sldNum" sz="quarter" idx="10"/>
+          </p:nvPr>
+        </p:nvSpPr>
+        <p:spPr/>
+        <p:txBody>
+          <a:bodyPr/>
+          <a:lstStyle/>
+          <a:p>
+            <a:pPr algn="l"/>
+            <a:fld id="{D9F912AB-2776-42F2-A957-313FC7EFEDB9}" type="slidenum">
+              <a:rPr lang="he-IL" noProof="0" smtClean="0"/>
+              <a:pPr algn="l"/>
+              <a:t>34</a:t>
+            </a:fld>
+            <a:endParaRPr lang="he-IL" noProof="0" dirty="0"/>
+          </a:p>
+        </p:txBody>
+      </p:sp>
+    </p:spTree>
+    <p:extLst>
+      <p:ext uri="{BB962C8B-B14F-4D97-AF65-F5344CB8AC3E}">
+        <p14:creationId xmlns:p14="http://schemas.microsoft.com/office/powerpoint/2010/main" val="1254406962"/>
       </p:ext>
     </p:extLst>
   </p:cSld>
@@ -2865,7 +3474,7 @@
     </p:spTree>
     <p:extLst>
       <p:ext uri="{BB962C8B-B14F-4D97-AF65-F5344CB8AC3E}">
-        <p14:creationId xmlns:p14="http://schemas.microsoft.com/office/powerpoint/2010/main" val="2527172756"/>
+        <p14:creationId xmlns:p14="http://schemas.microsoft.com/office/powerpoint/2010/main" val="2666562597"/>
       </p:ext>
     </p:extLst>
   </p:cSld>
@@ -3383,7 +3992,7 @@
             <a:fld id="{87055194-3DD5-4EFE-B1F0-0A8EABDAB8D5}" type="datetime8">
               <a:rPr lang="he-IL" smtClean="0"/>
               <a:pPr/>
-              <a:t>08 אפריל 20</a:t>
+              <a:t>09 אפריל 20</a:t>
             </a:fld>
             <a:endParaRPr lang="he-IL" dirty="0"/>
           </a:p>
@@ -3583,7 +4192,7 @@
             <a:fld id="{6BA5DE0C-9F4E-4F6A-B430-4879BBD5F9BB}" type="datetime8">
               <a:rPr lang="he-IL" smtClean="0"/>
               <a:pPr/>
-              <a:t>08 אפריל 20</a:t>
+              <a:t>09 אפריל 20</a:t>
             </a:fld>
             <a:endParaRPr lang="he-IL" dirty="0"/>
           </a:p>
@@ -3780,7 +4389,7 @@
             <a:fld id="{842B30E4-EE6A-43C9-AF8F-44192DEF1F96}" type="datetime8">
               <a:rPr lang="he-IL" smtClean="0"/>
               <a:pPr/>
-              <a:t>08 אפריל 20</a:t>
+              <a:t>09 אפריל 20</a:t>
             </a:fld>
             <a:endParaRPr lang="he-IL" dirty="0"/>
           </a:p>
@@ -4068,7 +4677,7 @@
             <a:fld id="{BB640AB3-A3E7-45E1-B171-0A79FECCC844}" type="datetime8">
               <a:rPr lang="he-IL" smtClean="0"/>
               <a:pPr/>
-              <a:t>08 אפריל 20</a:t>
+              <a:t>09 אפריל 20</a:t>
             </a:fld>
             <a:endParaRPr lang="he-IL" dirty="0"/>
           </a:p>
@@ -4380,7 +4989,7 @@
             <a:fld id="{619B7978-A4ED-4FD8-9C9F-9B3E1C0BAE13}" type="datetime8">
               <a:rPr lang="he-IL" smtClean="0"/>
               <a:pPr/>
-              <a:t>08 אפריל 20</a:t>
+              <a:t>09 אפריל 20</a:t>
             </a:fld>
             <a:endParaRPr lang="he-IL" dirty="0"/>
           </a:p>
@@ -4898,7 +5507,7 @@
             <a:fld id="{B7D0E6D8-C907-4C24-8D9D-11CF9E45280B}" type="datetime8">
               <a:rPr lang="he-IL" smtClean="0"/>
               <a:pPr/>
-              <a:t>08 אפריל 20</a:t>
+              <a:t>09 אפריל 20</a:t>
             </a:fld>
             <a:endParaRPr lang="he-IL" dirty="0"/>
           </a:p>
@@ -5051,7 +5660,7 @@
             <a:fld id="{63962DC1-B8BD-4928-A135-BAF072F87775}" type="datetime8">
               <a:rPr lang="he-IL" smtClean="0"/>
               <a:pPr/>
-              <a:t>08 אפריל 20</a:t>
+              <a:t>09 אפריל 20</a:t>
             </a:fld>
             <a:endParaRPr lang="he-IL" dirty="0"/>
           </a:p>
@@ -5173,7 +5782,7 @@
             <a:fld id="{AC697E99-AED0-4DE1-92D1-EE330CDD0AC8}" type="datetime8">
               <a:rPr lang="he-IL" smtClean="0"/>
               <a:pPr/>
-              <a:t>08 אפריל 20</a:t>
+              <a:t>09 אפריל 20</a:t>
             </a:fld>
             <a:endParaRPr lang="he-IL" dirty="0"/>
           </a:p>
@@ -5503,7 +6112,7 @@
             <a:fld id="{EF314660-FF17-479A-9ECA-198AA1EEE574}" type="datetime8">
               <a:rPr lang="he-IL" smtClean="0"/>
               <a:pPr/>
-              <a:t>08 אפריל 20</a:t>
+              <a:t>09 אפריל 20</a:t>
             </a:fld>
             <a:endParaRPr lang="he-IL" dirty="0"/>
           </a:p>
@@ -5823,7 +6432,7 @@
             <a:fld id="{0D797C58-6FD9-409C-B974-9785D604D0D3}" type="datetime8">
               <a:rPr lang="he-IL" smtClean="0"/>
               <a:pPr/>
-              <a:t>08 אפריל 20</a:t>
+              <a:t>09 אפריל 20</a:t>
             </a:fld>
             <a:endParaRPr lang="he-IL" dirty="0"/>
           </a:p>
@@ -6063,7 +6672,7 @@
             <a:fld id="{0B048401-D412-4A8B-948E-220992EEE568}" type="datetime8">
               <a:rPr lang="he-IL" noProof="0" smtClean="0"/>
               <a:pPr/>
-              <a:t>08 אפריל 20</a:t>
+              <a:t>09 אפריל 20</a:t>
             </a:fld>
             <a:endParaRPr lang="he-IL" noProof="0" dirty="0"/>
           </a:p>
@@ -6678,8 +7287,8 @@
         </p:nvSpPr>
         <p:spPr>
           <a:xfrm>
-            <a:off x="7742963" y="31806"/>
-            <a:ext cx="4137671" cy="1107996"/>
+            <a:off x="7811891" y="31806"/>
+            <a:ext cx="4068743" cy="1107996"/>
           </a:xfrm>
           <a:prstGeom prst="rect">
             <a:avLst/>
@@ -6708,17 +7317,17 @@
                 <a:latin typeface="Times New Roman" panose="02020603050405020304" pitchFamily="18" charset="0"/>
                 <a:cs typeface="Times New Roman" panose="02020603050405020304" pitchFamily="18" charset="0"/>
               </a:rPr>
-              <a:t>תוצאות חיזוי</a:t>
+              <a:t>שאלות נלוות</a:t>
             </a:r>
           </a:p>
         </p:txBody>
       </p:sp>
       <p:pic>
         <p:nvPicPr>
-          <p:cNvPr id="3" name="תמונה 2">
+          <p:cNvPr id="2" name="תמונה 1">
             <a:extLst>
               <a:ext uri="{FF2B5EF4-FFF2-40B4-BE49-F238E27FC236}">
-                <a16:creationId xmlns:a16="http://schemas.microsoft.com/office/drawing/2014/main" id="{0DB9F478-959A-479F-A171-61CDC7545038}"/>
+                <a16:creationId xmlns:a16="http://schemas.microsoft.com/office/drawing/2014/main" id="{B5D88219-3628-458B-92EA-757FEA37A0F0}"/>
               </a:ext>
             </a:extLst>
           </p:cNvPr>
@@ -6735,8 +7344,8 @@
         </p:blipFill>
         <p:spPr>
           <a:xfrm>
-            <a:off x="477788" y="1700808"/>
-            <a:ext cx="6829425" cy="4829175"/>
+            <a:off x="2061964" y="1628800"/>
+            <a:ext cx="8516640" cy="4739893"/>
           </a:xfrm>
           <a:prstGeom prst="rect">
             <a:avLst/>
@@ -6745,10 +7354,10 @@
       </p:pic>
       <p:sp>
         <p:nvSpPr>
-          <p:cNvPr id="9" name="מלבן 8">
+          <p:cNvPr id="5" name="מלבן 4">
             <a:extLst>
               <a:ext uri="{FF2B5EF4-FFF2-40B4-BE49-F238E27FC236}">
-                <a16:creationId xmlns:a16="http://schemas.microsoft.com/office/drawing/2014/main" id="{87412179-8065-4ECC-897E-78DBEDD544B8}"/>
+                <a16:creationId xmlns:a16="http://schemas.microsoft.com/office/drawing/2014/main" id="{1133A396-A15D-4F05-B7C6-03B7EEEDDF06}"/>
               </a:ext>
             </a:extLst>
           </p:cNvPr>
@@ -6757,8 +7366,8 @@
         </p:nvSpPr>
         <p:spPr>
           <a:xfrm>
-            <a:off x="8237455" y="1988840"/>
-            <a:ext cx="3619902" cy="769441"/>
+            <a:off x="2133972" y="1052736"/>
+            <a:ext cx="4320481" cy="461665"/>
           </a:xfrm>
           <a:prstGeom prst="rect">
             <a:avLst/>
@@ -6766,111 +7375,26 @@
           <a:noFill/>
         </p:spPr>
         <p:txBody>
-          <a:bodyPr wrap="none" lIns="91440" tIns="45720" rIns="91440" bIns="45720">
+          <a:bodyPr wrap="square" lIns="91440" tIns="45720" rIns="91440" bIns="45720">
             <a:spAutoFit/>
           </a:bodyPr>
           <a:lstStyle/>
           <a:p>
-            <a:pPr algn="ctr"/>
-            <a:r>
-              <a:rPr lang="he-IL" sz="4400" dirty="0">
-                <a:ln w="0"/>
-                <a:effectLst>
-                  <a:outerShdw blurRad="38100" dist="19050" dir="2700000" algn="tl" rotWithShape="0">
-                    <a:schemeClr val="dk1">
-                      <a:alpha val="40000"/>
-                    </a:schemeClr>
-                  </a:outerShdw>
-                </a:effectLst>
-                <a:latin typeface="Times New Roman" panose="02020603050405020304" pitchFamily="18" charset="0"/>
+            <a:pPr lvl="1"/>
+            <a:r>
+              <a:rPr lang="he-IL" sz="2400" dirty="0">
+                <a:latin typeface="The Serif Hand Light" panose="020B0604020202020204" pitchFamily="66" charset="0"/>
                 <a:cs typeface="Times New Roman" panose="02020603050405020304" pitchFamily="18" charset="0"/>
               </a:rPr>
-              <a:t>טבלה ל0% הפרש</a:t>
-            </a:r>
-            <a:endParaRPr lang="he-IL" sz="4400" b="0" cap="none" spc="0" dirty="0">
-              <a:ln w="0"/>
-              <a:solidFill>
-                <a:schemeClr val="tx1"/>
-              </a:solidFill>
-              <a:effectLst>
-                <a:outerShdw blurRad="38100" dist="19050" dir="2700000" algn="tl" rotWithShape="0">
-                  <a:schemeClr val="dk1">
-                    <a:alpha val="40000"/>
-                  </a:schemeClr>
-                </a:outerShdw>
-              </a:effectLst>
-              <a:latin typeface="Times New Roman" panose="02020603050405020304" pitchFamily="18" charset="0"/>
-              <a:cs typeface="Times New Roman" panose="02020603050405020304" pitchFamily="18" charset="0"/>
-            </a:endParaRPr>
-          </a:p>
-        </p:txBody>
-      </p:sp>
-      <p:sp>
-        <p:nvSpPr>
-          <p:cNvPr id="10" name="מלבן 9">
-            <a:extLst>
-              <a:ext uri="{FF2B5EF4-FFF2-40B4-BE49-F238E27FC236}">
-                <a16:creationId xmlns:a16="http://schemas.microsoft.com/office/drawing/2014/main" id="{7025C8C1-35C6-4399-85D1-3E0A2C343632}"/>
-              </a:ext>
-            </a:extLst>
-          </p:cNvPr>
-          <p:cNvSpPr/>
-          <p:nvPr/>
-        </p:nvSpPr>
-        <p:spPr>
-          <a:xfrm>
-            <a:off x="8223058" y="4437112"/>
-            <a:ext cx="3619902" cy="769441"/>
-          </a:xfrm>
-          <a:prstGeom prst="rect">
-            <a:avLst/>
-          </a:prstGeom>
-          <a:noFill/>
-        </p:spPr>
-        <p:txBody>
-          <a:bodyPr wrap="none" lIns="91440" tIns="45720" rIns="91440" bIns="45720">
-            <a:spAutoFit/>
-          </a:bodyPr>
-          <a:lstStyle/>
-          <a:p>
-            <a:pPr algn="ctr"/>
-            <a:r>
-              <a:rPr lang="he-IL" sz="4400" dirty="0">
-                <a:ln w="0"/>
-                <a:effectLst>
-                  <a:outerShdw blurRad="38100" dist="19050" dir="2700000" algn="tl" rotWithShape="0">
-                    <a:schemeClr val="dk1">
-                      <a:alpha val="40000"/>
-                    </a:schemeClr>
-                  </a:outerShdw>
-                </a:effectLst>
-                <a:latin typeface="Times New Roman" panose="02020603050405020304" pitchFamily="18" charset="0"/>
-                <a:cs typeface="Times New Roman" panose="02020603050405020304" pitchFamily="18" charset="0"/>
-              </a:rPr>
-              <a:t>טבלה ל5% הפרש</a:t>
-            </a:r>
-            <a:endParaRPr lang="he-IL" sz="4400" b="0" cap="none" spc="0" dirty="0">
-              <a:ln w="0"/>
-              <a:solidFill>
-                <a:schemeClr val="tx1"/>
-              </a:solidFill>
-              <a:effectLst>
-                <a:outerShdw blurRad="38100" dist="19050" dir="2700000" algn="tl" rotWithShape="0">
-                  <a:schemeClr val="dk1">
-                    <a:alpha val="40000"/>
-                  </a:schemeClr>
-                </a:outerShdw>
-              </a:effectLst>
-              <a:latin typeface="Times New Roman" panose="02020603050405020304" pitchFamily="18" charset="0"/>
-              <a:cs typeface="Times New Roman" panose="02020603050405020304" pitchFamily="18" charset="0"/>
-            </a:endParaRPr>
+              <a:t>כמה מאמנים הוחלפו בכל שנה?</a:t>
+            </a:r>
           </a:p>
         </p:txBody>
       </p:sp>
     </p:spTree>
     <p:extLst>
       <p:ext uri="{BB962C8B-B14F-4D97-AF65-F5344CB8AC3E}">
-        <p14:creationId xmlns:p14="http://schemas.microsoft.com/office/powerpoint/2010/main" val="202861382"/>
+        <p14:creationId xmlns:p14="http://schemas.microsoft.com/office/powerpoint/2010/main" val="1442321259"/>
       </p:ext>
     </p:extLst>
   </p:cSld>
@@ -6958,36 +7482,6 @@
           </a:p>
         </p:txBody>
       </p:sp>
-      <p:pic>
-        <p:nvPicPr>
-          <p:cNvPr id="2" name="תמונה 1">
-            <a:extLst>
-              <a:ext uri="{FF2B5EF4-FFF2-40B4-BE49-F238E27FC236}">
-                <a16:creationId xmlns:a16="http://schemas.microsoft.com/office/drawing/2014/main" id="{B5D88219-3628-458B-92EA-757FEA37A0F0}"/>
-              </a:ext>
-            </a:extLst>
-          </p:cNvPr>
-          <p:cNvPicPr>
-            <a:picLocks noChangeAspect="1"/>
-          </p:cNvPicPr>
-          <p:nvPr/>
-        </p:nvPicPr>
-        <p:blipFill>
-          <a:blip r:embed="rId3"/>
-          <a:stretch>
-            <a:fillRect/>
-          </a:stretch>
-        </p:blipFill>
-        <p:spPr>
-          <a:xfrm>
-            <a:off x="2061964" y="1628800"/>
-            <a:ext cx="8516640" cy="4739893"/>
-          </a:xfrm>
-          <a:prstGeom prst="rect">
-            <a:avLst/>
-          </a:prstGeom>
-        </p:spPr>
-      </p:pic>
       <p:sp>
         <p:nvSpPr>
           <p:cNvPr id="5" name="מלבן 4">
@@ -7002,8 +7496,8 @@
         </p:nvSpPr>
         <p:spPr>
           <a:xfrm>
-            <a:off x="2133972" y="1052736"/>
-            <a:ext cx="4320481" cy="461665"/>
+            <a:off x="1989956" y="1052736"/>
+            <a:ext cx="6408712" cy="461665"/>
           </a:xfrm>
           <a:prstGeom prst="rect">
             <a:avLst/>
@@ -7019,140 +7513,10 @@
             <a:pPr lvl="1"/>
             <a:r>
               <a:rPr lang="he-IL" sz="2400" dirty="0">
-                <a:latin typeface="The Serif Hand Light" panose="020B0604020202020204" pitchFamily="66" charset="0"/>
-                <a:cs typeface="Times New Roman" panose="02020603050405020304" pitchFamily="18" charset="0"/>
-              </a:rPr>
-              <a:t>כמה מאמנים הוחלפו בכל שנה?</a:t>
-            </a:r>
-          </a:p>
-        </p:txBody>
-      </p:sp>
-    </p:spTree>
-    <p:extLst>
-      <p:ext uri="{BB962C8B-B14F-4D97-AF65-F5344CB8AC3E}">
-        <p14:creationId xmlns:p14="http://schemas.microsoft.com/office/powerpoint/2010/main" val="1442321259"/>
-      </p:ext>
-    </p:extLst>
-  </p:cSld>
-  <p:clrMapOvr>
-    <a:masterClrMapping/>
-  </p:clrMapOvr>
-  <mc:AlternateContent xmlns:mc="http://schemas.openxmlformats.org/markup-compatibility/2006" xmlns:p14="http://schemas.microsoft.com/office/powerpoint/2010/main">
-    <mc:Choice Requires="p14">
-      <p:transition spd="med" p14:dur="700">
-        <p:fade/>
-      </p:transition>
-    </mc:Choice>
-    <mc:Fallback xmlns="">
-      <p:transition spd="med">
-        <p:fade/>
-      </p:transition>
-    </mc:Fallback>
-  </mc:AlternateContent>
-</p:sld>
-</file>
-
-<file path=ppt/slides/slide12.xml><?xml version="1.0" encoding="utf-8"?>
-<p:sld xmlns:a="http://schemas.openxmlformats.org/drawingml/2006/main" xmlns:r="http://schemas.openxmlformats.org/officeDocument/2006/relationships" xmlns:p="http://schemas.openxmlformats.org/presentationml/2006/main">
-  <p:cSld>
-    <p:spTree>
-      <p:nvGrpSpPr>
-        <p:cNvPr id="1" name=""/>
-        <p:cNvGrpSpPr/>
-        <p:nvPr/>
-      </p:nvGrpSpPr>
-      <p:grpSpPr>
-        <a:xfrm>
-          <a:off x="0" y="0"/>
-          <a:ext cx="0" cy="0"/>
-          <a:chOff x="0" y="0"/>
-          <a:chExt cx="0" cy="0"/>
-        </a:xfrm>
-      </p:grpSpPr>
-      <p:sp>
-        <p:nvSpPr>
-          <p:cNvPr id="4" name="מלבן 3">
-            <a:extLst>
-              <a:ext uri="{FF2B5EF4-FFF2-40B4-BE49-F238E27FC236}">
-                <a16:creationId xmlns:a16="http://schemas.microsoft.com/office/drawing/2014/main" id="{CE2849DA-7348-4A16-A747-95C52780E045}"/>
-              </a:ext>
-            </a:extLst>
-          </p:cNvPr>
-          <p:cNvSpPr/>
-          <p:nvPr/>
-        </p:nvSpPr>
-        <p:spPr>
-          <a:xfrm>
-            <a:off x="7811891" y="31806"/>
-            <a:ext cx="4068743" cy="1107996"/>
-          </a:xfrm>
-          <a:prstGeom prst="rect">
-            <a:avLst/>
-          </a:prstGeom>
-          <a:noFill/>
-        </p:spPr>
-        <p:txBody>
-          <a:bodyPr wrap="none" lIns="91440" tIns="45720" rIns="91440" bIns="45720">
-            <a:spAutoFit/>
-          </a:bodyPr>
-          <a:lstStyle/>
-          <a:p>
-            <a:r>
-              <a:rPr lang="he-IL" sz="6600" b="1" cap="none" spc="0" dirty="0">
-                <a:ln w="0"/>
-                <a:solidFill>
-                  <a:schemeClr val="tx1"/>
-                </a:solidFill>
-                <a:effectLst>
-                  <a:outerShdw blurRad="38100" dist="19050" dir="2700000" algn="tl" rotWithShape="0">
-                    <a:schemeClr val="dk1">
-                      <a:alpha val="40000"/>
-                    </a:schemeClr>
-                  </a:outerShdw>
-                </a:effectLst>
                 <a:latin typeface="Times New Roman" panose="02020603050405020304" pitchFamily="18" charset="0"/>
                 <a:cs typeface="Times New Roman" panose="02020603050405020304" pitchFamily="18" charset="0"/>
               </a:rPr>
-              <a:t>שאלות נלוות</a:t>
-            </a:r>
-          </a:p>
-        </p:txBody>
-      </p:sp>
-      <p:sp>
-        <p:nvSpPr>
-          <p:cNvPr id="5" name="מלבן 4">
-            <a:extLst>
-              <a:ext uri="{FF2B5EF4-FFF2-40B4-BE49-F238E27FC236}">
-                <a16:creationId xmlns:a16="http://schemas.microsoft.com/office/drawing/2014/main" id="{1133A396-A15D-4F05-B7C6-03B7EEEDDF06}"/>
-              </a:ext>
-            </a:extLst>
-          </p:cNvPr>
-          <p:cNvSpPr/>
-          <p:nvPr/>
-        </p:nvSpPr>
-        <p:spPr>
-          <a:xfrm>
-            <a:off x="1989956" y="1052736"/>
-            <a:ext cx="4392488" cy="461665"/>
-          </a:xfrm>
-          <a:prstGeom prst="rect">
-            <a:avLst/>
-          </a:prstGeom>
-          <a:noFill/>
-        </p:spPr>
-        <p:txBody>
-          <a:bodyPr wrap="square" lIns="91440" tIns="45720" rIns="91440" bIns="45720">
-            <a:spAutoFit/>
-          </a:bodyPr>
-          <a:lstStyle/>
-          <a:p>
-            <a:pPr lvl="1"/>
-            <a:r>
-              <a:rPr lang="he-IL" sz="2400" dirty="0">
-                <a:latin typeface="Times New Roman" panose="02020603050405020304" pitchFamily="18" charset="0"/>
-                <a:cs typeface="Times New Roman" panose="02020603050405020304" pitchFamily="18" charset="0"/>
-              </a:rPr>
-              <a:t>כמה פיטורים היו לכל אחוז הצלחה?</a:t>
+              <a:t>כמה פיטורים היו לכל אחוז הצלחה של המאמן הראשון?</a:t>
             </a:r>
           </a:p>
         </p:txBody>
@@ -7212,7 +7576,7 @@
 </p:sld>
 </file>
 
-<file path=ppt/slides/slide13.xml><?xml version="1.0" encoding="utf-8"?>
+<file path=ppt/slides/slide12.xml><?xml version="1.0" encoding="utf-8"?>
 <p:sld xmlns:a="http://schemas.openxmlformats.org/drawingml/2006/main" xmlns:r="http://schemas.openxmlformats.org/officeDocument/2006/relationships" xmlns:p="http://schemas.openxmlformats.org/presentationml/2006/main">
   <p:cSld>
     <p:spTree>
@@ -7323,7 +7687,7 @@
         <p:spPr>
           <a:xfrm>
             <a:off x="1845940" y="1052736"/>
-            <a:ext cx="7920880" cy="461665"/>
+            <a:ext cx="8352928" cy="461665"/>
           </a:xfrm>
           <a:prstGeom prst="rect">
             <a:avLst/>
@@ -7342,7 +7706,7 @@
                 <a:latin typeface="Times New Roman" panose="02020603050405020304" pitchFamily="18" charset="0"/>
                 <a:cs typeface="Times New Roman" panose="02020603050405020304" pitchFamily="18" charset="0"/>
               </a:rPr>
-              <a:t>כמה החלפות הצליחו וכמה נכשלו בחלוקה לפי אחוז הפרש (לפי כמות)</a:t>
+              <a:t>כמה החלפות הצליחו וכמה נכשלו בחלוקה לפי אחוז הפרש (כמות מספרית)</a:t>
             </a:r>
           </a:p>
         </p:txBody>
@@ -7372,7 +7736,7 @@
 </p:sld>
 </file>
 
-<file path=ppt/slides/slide14.xml><?xml version="1.0" encoding="utf-8"?>
+<file path=ppt/slides/slide13.xml><?xml version="1.0" encoding="utf-8"?>
 <p:sld xmlns:a="http://schemas.openxmlformats.org/drawingml/2006/main" xmlns:r="http://schemas.openxmlformats.org/officeDocument/2006/relationships" xmlns:p="http://schemas.openxmlformats.org/presentationml/2006/main">
   <p:cSld>
     <p:spTree>
@@ -7472,7 +7836,7 @@
                 <a:latin typeface="Times New Roman" panose="02020603050405020304" pitchFamily="18" charset="0"/>
                 <a:cs typeface="Times New Roman" panose="02020603050405020304" pitchFamily="18" charset="0"/>
               </a:rPr>
-              <a:t>כמה החלפות הצליחו וכמה נכשלו בחלוקה לפי אחוז הפרש (לפי אחוזים)</a:t>
+              <a:t>כמה החלפות הצליחו וכמה נכשלו בחלוקה לפי אחוז הפרש (באחוזים)</a:t>
             </a:r>
           </a:p>
         </p:txBody>
@@ -7532,7 +7896,7 @@
 </p:sld>
 </file>
 
-<file path=ppt/slides/slide15.xml><?xml version="1.0" encoding="utf-8"?>
+<file path=ppt/slides/slide14.xml><?xml version="1.0" encoding="utf-8"?>
 <p:sld xmlns:a="http://schemas.openxmlformats.org/drawingml/2006/main" xmlns:r="http://schemas.openxmlformats.org/officeDocument/2006/relationships" xmlns:p="http://schemas.openxmlformats.org/presentationml/2006/main">
   <p:cSld>
     <p:spTree>
@@ -7613,7 +7977,7 @@
         <p:spPr>
           <a:xfrm>
             <a:off x="1845940" y="1052736"/>
-            <a:ext cx="5832648" cy="461665"/>
+            <a:ext cx="6624736" cy="461665"/>
           </a:xfrm>
           <a:prstGeom prst="rect">
             <a:avLst/>
@@ -7632,7 +7996,7 @@
                 <a:latin typeface="Times New Roman" panose="02020603050405020304" pitchFamily="18" charset="0"/>
                 <a:cs typeface="Times New Roman" panose="02020603050405020304" pitchFamily="18" charset="0"/>
               </a:rPr>
-              <a:t>חלוקת ההצלחות לפי שנים (בהפרש של 0% ו5%)</a:t>
+              <a:t>חלוקת החלפות מוצלחות לפי שנים (בהפרש של 0% ו5%)</a:t>
             </a:r>
           </a:p>
         </p:txBody>
@@ -7692,6 +8056,98 @@
 </p:sld>
 </file>
 
+<file path=ppt/slides/slide15.xml><?xml version="1.0" encoding="utf-8"?>
+<p:sld xmlns:a="http://schemas.openxmlformats.org/drawingml/2006/main" xmlns:r="http://schemas.openxmlformats.org/officeDocument/2006/relationships" xmlns:p="http://schemas.openxmlformats.org/presentationml/2006/main">
+  <p:cSld>
+    <p:spTree>
+      <p:nvGrpSpPr>
+        <p:cNvPr id="1" name=""/>
+        <p:cNvGrpSpPr/>
+        <p:nvPr/>
+      </p:nvGrpSpPr>
+      <p:grpSpPr>
+        <a:xfrm>
+          <a:off x="0" y="0"/>
+          <a:ext cx="0" cy="0"/>
+          <a:chOff x="0" y="0"/>
+          <a:chExt cx="0" cy="0"/>
+        </a:xfrm>
+      </p:grpSpPr>
+      <p:sp>
+        <p:nvSpPr>
+          <p:cNvPr id="4" name="מלבן 3">
+            <a:extLst>
+              <a:ext uri="{FF2B5EF4-FFF2-40B4-BE49-F238E27FC236}">
+                <a16:creationId xmlns:a16="http://schemas.microsoft.com/office/drawing/2014/main" id="{89088BF8-3BA2-4CC1-8D89-90DF2912C438}"/>
+              </a:ext>
+            </a:extLst>
+          </p:cNvPr>
+          <p:cNvSpPr/>
+          <p:nvPr/>
+        </p:nvSpPr>
+        <p:spPr>
+          <a:xfrm>
+            <a:off x="5264698" y="2875002"/>
+            <a:ext cx="1659429" cy="1107996"/>
+          </a:xfrm>
+          <a:prstGeom prst="rect">
+            <a:avLst/>
+          </a:prstGeom>
+          <a:noFill/>
+        </p:spPr>
+        <p:txBody>
+          <a:bodyPr wrap="none" lIns="91440" tIns="45720" rIns="91440" bIns="45720">
+            <a:spAutoFit/>
+          </a:bodyPr>
+          <a:lstStyle/>
+          <a:p>
+            <a:pPr algn="ctr"/>
+            <a:r>
+              <a:rPr lang="he-IL" sz="6600" b="1" cap="none" spc="0" dirty="0">
+                <a:ln w="0"/>
+                <a:solidFill>
+                  <a:schemeClr val="tx1"/>
+                </a:solidFill>
+                <a:effectLst>
+                  <a:outerShdw blurRad="38100" dist="19050" dir="2700000" algn="tl" rotWithShape="0">
+                    <a:schemeClr val="dk1">
+                      <a:alpha val="40000"/>
+                    </a:schemeClr>
+                  </a:outerShdw>
+                </a:effectLst>
+                <a:latin typeface="Times New Roman" panose="02020603050405020304" pitchFamily="18" charset="0"/>
+                <a:cs typeface="Times New Roman" panose="02020603050405020304" pitchFamily="18" charset="0"/>
+              </a:rPr>
+              <a:t>חיזוי</a:t>
+            </a:r>
+          </a:p>
+        </p:txBody>
+      </p:sp>
+    </p:spTree>
+    <p:extLst>
+      <p:ext uri="{BB962C8B-B14F-4D97-AF65-F5344CB8AC3E}">
+        <p14:creationId xmlns:p14="http://schemas.microsoft.com/office/powerpoint/2010/main" val="3690959085"/>
+      </p:ext>
+    </p:extLst>
+  </p:cSld>
+  <p:clrMapOvr>
+    <a:masterClrMapping/>
+  </p:clrMapOvr>
+  <mc:AlternateContent xmlns:mc="http://schemas.openxmlformats.org/markup-compatibility/2006" xmlns:p14="http://schemas.microsoft.com/office/powerpoint/2010/main">
+    <mc:Choice Requires="p14">
+      <p:transition spd="med" p14:dur="700">
+        <p:fade/>
+      </p:transition>
+    </mc:Choice>
+    <mc:Fallback xmlns="">
+      <p:transition spd="med">
+        <p:fade/>
+      </p:transition>
+    </mc:Fallback>
+  </mc:AlternateContent>
+</p:sld>
+</file>
+
 <file path=ppt/slides/slide16.xml><?xml version="1.0" encoding="utf-8"?>
 <p:sld xmlns:a="http://schemas.openxmlformats.org/drawingml/2006/main" xmlns:r="http://schemas.openxmlformats.org/officeDocument/2006/relationships" xmlns:p="http://schemas.openxmlformats.org/presentationml/2006/main">
   <p:cSld>
@@ -7711,47 +8167,6 @@
       </p:grpSpPr>
       <p:sp>
         <p:nvSpPr>
-          <p:cNvPr id="14" name="מציין מיקום תוכן 13"/>
-          <p:cNvSpPr>
-            <a:spLocks noGrp="1"/>
-          </p:cNvSpPr>
-          <p:nvPr>
-            <p:ph idx="1"/>
-          </p:nvPr>
-        </p:nvSpPr>
-        <p:spPr>
-          <a:xfrm>
-            <a:off x="1629916" y="1556792"/>
-            <a:ext cx="9134391" cy="4114801"/>
-          </a:xfrm>
-        </p:spPr>
-        <p:txBody>
-          <a:bodyPr rtlCol="1">
-            <a:normAutofit/>
-          </a:bodyPr>
-          <a:lstStyle/>
-          <a:p>
-            <a:r>
-              <a:rPr lang="he-IL" dirty="0">
-                <a:latin typeface="Times New Roman" panose="02020603050405020304" pitchFamily="18" charset="0"/>
-                <a:cs typeface="Times New Roman" panose="02020603050405020304" pitchFamily="18" charset="0"/>
-              </a:rPr>
-              <a:t>ניתן לראות כי לאורך השנים ישנם יותר פיטורים של מאמנים בקבוצות בליגה. אנו מניחים כי דבר זה נובע בעקבות שינוי בהלך הרוח המשתנה לפי השנים (אדם שביצועיו ירודים ככל הנראה לא יצליח, תפיסה של השנים האחרונות).</a:t>
-            </a:r>
-          </a:p>
-          <a:p>
-            <a:r>
-              <a:rPr lang="he-IL" dirty="0">
-                <a:latin typeface="Times New Roman" panose="02020603050405020304" pitchFamily="18" charset="0"/>
-                <a:cs typeface="Times New Roman" panose="02020603050405020304" pitchFamily="18" charset="0"/>
-              </a:rPr>
-              <a:t>ככל שיש יותר פיטורים לא בהכרח שאחוזי וכמות ההצלחות גדלה, גם בשינוי בין שני ההפרשים (0% ו5%). לפי הנתונים ניתן לראות כי רוב הפיטורים קורים לאחר מספר משחקים מצומצם מאוד שאחוז ההצלחה נמוך שכנראה מחליטים להחליף את המאמן בלקיחת סיכון לגבי המאמן הבא. קורה מצבים גם שהמאמן השני מוחלף והשלישי גם כן כך שאחוזי ההצלחה הם מול מעט מאוד משחקים הקיימים בעונה.</a:t>
-            </a:r>
-          </a:p>
-        </p:txBody>
-      </p:sp>
-      <p:sp>
-        <p:nvSpPr>
           <p:cNvPr id="4" name="מלבן 3">
             <a:extLst>
               <a:ext uri="{FF2B5EF4-FFF2-40B4-BE49-F238E27FC236}">
@@ -7764,8 +8179,8 @@
         </p:nvSpPr>
         <p:spPr>
           <a:xfrm>
-            <a:off x="9471000" y="31806"/>
-            <a:ext cx="2409634" cy="1107996"/>
+            <a:off x="7593884" y="31806"/>
+            <a:ext cx="4286750" cy="1107996"/>
           </a:xfrm>
           <a:prstGeom prst="rect">
             <a:avLst/>
@@ -7778,6 +8193,24 @@
           </a:bodyPr>
           <a:lstStyle/>
           <a:p>
+            <a:r>
+              <a:rPr lang="he-IL" sz="6600" b="1" cap="none" spc="0" dirty="0" err="1">
+                <a:ln w="0"/>
+                <a:solidFill>
+                  <a:schemeClr val="tx1"/>
+                </a:solidFill>
+                <a:effectLst>
+                  <a:outerShdw blurRad="38100" dist="19050" dir="2700000" algn="tl" rotWithShape="0">
+                    <a:schemeClr val="dk1">
+                      <a:alpha val="40000"/>
+                    </a:schemeClr>
+                  </a:outerShdw>
+                </a:effectLst>
+                <a:latin typeface="Times New Roman" panose="02020603050405020304" pitchFamily="18" charset="0"/>
+                <a:cs typeface="Times New Roman" panose="02020603050405020304" pitchFamily="18" charset="0"/>
+              </a:rPr>
+              <a:t>מודולי</a:t>
+            </a:r>
             <a:r>
               <a:rPr lang="he-IL" sz="6600" b="1" cap="none" spc="0" dirty="0">
                 <a:ln w="0"/>
@@ -7794,7 +8227,71 @@
                 <a:latin typeface="Times New Roman" panose="02020603050405020304" pitchFamily="18" charset="0"/>
                 <a:cs typeface="Times New Roman" panose="02020603050405020304" pitchFamily="18" charset="0"/>
               </a:rPr>
-              <a:t>מסקנות</a:t>
+              <a:t> החיזוי</a:t>
+            </a:r>
+          </a:p>
+        </p:txBody>
+      </p:sp>
+      <p:sp>
+        <p:nvSpPr>
+          <p:cNvPr id="6" name="מציין מיקום תוכן 13">
+            <a:extLst>
+              <a:ext uri="{FF2B5EF4-FFF2-40B4-BE49-F238E27FC236}">
+                <a16:creationId xmlns:a16="http://schemas.microsoft.com/office/drawing/2014/main" id="{517CCB63-BE06-4496-8793-CEACCFD030BE}"/>
+              </a:ext>
+            </a:extLst>
+          </p:cNvPr>
+          <p:cNvSpPr>
+            <a:spLocks noGrp="1"/>
+          </p:cNvSpPr>
+          <p:nvPr>
+            <p:ph idx="1"/>
+          </p:nvPr>
+        </p:nvSpPr>
+        <p:spPr>
+          <a:xfrm>
+            <a:off x="1629916" y="1556792"/>
+            <a:ext cx="9134391" cy="4114801"/>
+          </a:xfrm>
+        </p:spPr>
+        <p:txBody>
+          <a:bodyPr rtlCol="1">
+            <a:normAutofit/>
+          </a:bodyPr>
+          <a:lstStyle/>
+          <a:p>
+            <a:r>
+              <a:rPr lang="he-IL" dirty="0">
+                <a:latin typeface="Times New Roman" panose="02020603050405020304" pitchFamily="18" charset="0"/>
+                <a:cs typeface="Times New Roman" panose="02020603050405020304" pitchFamily="18" charset="0"/>
+              </a:rPr>
+              <a:t>ביצענו שני מודולים של חיזוי:</a:t>
+            </a:r>
+          </a:p>
+          <a:p>
+            <a:pPr marL="696912" lvl="1" indent="-457200">
+              <a:buFont typeface="+mj-lt"/>
+              <a:buAutoNum type="arabicPeriod"/>
+            </a:pPr>
+            <a:r>
+              <a:rPr lang="he-IL" dirty="0">
+                <a:latin typeface="Times New Roman" panose="02020603050405020304" pitchFamily="18" charset="0"/>
+                <a:cs typeface="Times New Roman" panose="02020603050405020304" pitchFamily="18" charset="0"/>
+              </a:rPr>
+              <a:t>חיזוי עבור רשומה חדשה – האם ישתלם לפטר מאמן בהתאם למאזן שלו</a:t>
+            </a:r>
+          </a:p>
+          <a:p>
+            <a:pPr marL="696912" lvl="1" indent="-457200">
+              <a:buFont typeface="+mj-lt"/>
+              <a:buAutoNum type="arabicPeriod"/>
+            </a:pPr>
+            <a:r>
+              <a:rPr lang="he-IL" dirty="0">
+                <a:latin typeface="Times New Roman" panose="02020603050405020304" pitchFamily="18" charset="0"/>
+                <a:cs typeface="Times New Roman" panose="02020603050405020304" pitchFamily="18" charset="0"/>
+              </a:rPr>
+              <a:t>חיזוי תוצאת הפיטורין – בהינתן שבוצעה החלפת מאמן באמצע העונה, חיזוי אחוזי ההצלחה של המאמן המחליף, בהתאם לכמות המשחקים שהמאמן הראשון ביצע</a:t>
             </a:r>
           </a:p>
         </p:txBody>
@@ -7802,7 +8299,7 @@
     </p:spTree>
     <p:extLst>
       <p:ext uri="{BB962C8B-B14F-4D97-AF65-F5344CB8AC3E}">
-        <p14:creationId xmlns:p14="http://schemas.microsoft.com/office/powerpoint/2010/main" val="4189016038"/>
+        <p14:creationId xmlns:p14="http://schemas.microsoft.com/office/powerpoint/2010/main" val="202861382"/>
       </p:ext>
     </p:extLst>
   </p:cSld>
@@ -7843,52 +8340,6 @@
       </p:grpSpPr>
       <p:sp>
         <p:nvSpPr>
-          <p:cNvPr id="14" name="מציין מיקום תוכן 13"/>
-          <p:cNvSpPr>
-            <a:spLocks noGrp="1"/>
-          </p:cNvSpPr>
-          <p:nvPr>
-            <p:ph idx="1"/>
-          </p:nvPr>
-        </p:nvSpPr>
-        <p:spPr>
-          <a:xfrm>
-            <a:off x="1629916" y="1556792"/>
-            <a:ext cx="9134391" cy="4114801"/>
-          </a:xfrm>
-        </p:spPr>
-        <p:txBody>
-          <a:bodyPr rtlCol="1">
-            <a:normAutofit/>
-          </a:bodyPr>
-          <a:lstStyle/>
-          <a:p>
-            <a:r>
-              <a:rPr lang="he-IL" dirty="0">
-                <a:latin typeface="Times New Roman" panose="02020603050405020304" pitchFamily="18" charset="0"/>
-                <a:cs typeface="Times New Roman" panose="02020603050405020304" pitchFamily="18" charset="0"/>
-              </a:rPr>
-              <a:t>באופן חד משמעי ניתן לומר שאם ההחלפה מתבצעת בתחילת העונה ככל הנראה היא תתבצע בשלבים הראשונים של העונה והמאמן הבא ישפר את אחוזי הצלחתו מכיוון שיש לו יותר משחקים לשיפור אחוז הצלחתו לעומת קודמו. גם באופן פסיכולוגי שמאמן חדש מגיע יש לו רצון להוכיח את עצמו ולכן </a:t>
-            </a:r>
-            <a:r>
-              <a:rPr lang="he-IL" dirty="0" err="1">
-                <a:latin typeface="Times New Roman" panose="02020603050405020304" pitchFamily="18" charset="0"/>
-                <a:cs typeface="Times New Roman" panose="02020603050405020304" pitchFamily="18" charset="0"/>
-              </a:rPr>
-              <a:t>ישאוף</a:t>
-            </a:r>
-            <a:r>
-              <a:rPr lang="he-IL" dirty="0">
-                <a:latin typeface="Times New Roman" panose="02020603050405020304" pitchFamily="18" charset="0"/>
-                <a:cs typeface="Times New Roman" panose="02020603050405020304" pitchFamily="18" charset="0"/>
-              </a:rPr>
-              <a:t> לשפר את אחוז הצלחתו למקסימום הניתן.</a:t>
-            </a:r>
-          </a:p>
-        </p:txBody>
-      </p:sp>
-      <p:sp>
-        <p:nvSpPr>
           <p:cNvPr id="4" name="מלבן 3">
             <a:extLst>
               <a:ext uri="{FF2B5EF4-FFF2-40B4-BE49-F238E27FC236}">
@@ -7901,8 +8352,8 @@
         </p:nvSpPr>
         <p:spPr>
           <a:xfrm>
-            <a:off x="9471000" y="31806"/>
-            <a:ext cx="2409634" cy="1107996"/>
+            <a:off x="798754" y="31806"/>
+            <a:ext cx="11081880" cy="1107996"/>
           </a:xfrm>
           <a:prstGeom prst="rect">
             <a:avLst/>
@@ -7931,15 +8382,199 @@
                 <a:latin typeface="Times New Roman" panose="02020603050405020304" pitchFamily="18" charset="0"/>
                 <a:cs typeface="Times New Roman" panose="02020603050405020304" pitchFamily="18" charset="0"/>
               </a:rPr>
-              <a:t>מסקנות</a:t>
-            </a:r>
-          </a:p>
-        </p:txBody>
-      </p:sp>
+              <a:t>תוצאות חיזוי – האם ישתלם להחליף</a:t>
+            </a:r>
+          </a:p>
+        </p:txBody>
+      </p:sp>
+      <p:sp>
+        <p:nvSpPr>
+          <p:cNvPr id="9" name="מלבן 8">
+            <a:extLst>
+              <a:ext uri="{FF2B5EF4-FFF2-40B4-BE49-F238E27FC236}">
+                <a16:creationId xmlns:a16="http://schemas.microsoft.com/office/drawing/2014/main" id="{87412179-8065-4ECC-897E-78DBEDD544B8}"/>
+              </a:ext>
+            </a:extLst>
+          </p:cNvPr>
+          <p:cNvSpPr/>
+          <p:nvPr/>
+        </p:nvSpPr>
+        <p:spPr>
+          <a:xfrm>
+            <a:off x="8049904" y="1988840"/>
+            <a:ext cx="3995004" cy="769441"/>
+          </a:xfrm>
+          <a:prstGeom prst="rect">
+            <a:avLst/>
+          </a:prstGeom>
+          <a:noFill/>
+        </p:spPr>
+        <p:txBody>
+          <a:bodyPr wrap="none" lIns="91440" tIns="45720" rIns="91440" bIns="45720">
+            <a:spAutoFit/>
+          </a:bodyPr>
+          <a:lstStyle/>
+          <a:p>
+            <a:pPr algn="ctr"/>
+            <a:r>
+              <a:rPr lang="he-IL" sz="4400" dirty="0">
+                <a:ln w="0"/>
+                <a:effectLst>
+                  <a:outerShdw blurRad="38100" dist="19050" dir="2700000" algn="tl" rotWithShape="0">
+                    <a:schemeClr val="dk1">
+                      <a:alpha val="40000"/>
+                    </a:schemeClr>
+                  </a:outerShdw>
+                </a:effectLst>
+                <a:latin typeface="Times New Roman" panose="02020603050405020304" pitchFamily="18" charset="0"/>
+                <a:cs typeface="Times New Roman" panose="02020603050405020304" pitchFamily="18" charset="0"/>
+              </a:rPr>
+              <a:t>תוצאות ל0% הפרש</a:t>
+            </a:r>
+            <a:endParaRPr lang="he-IL" sz="4400" b="0" cap="none" spc="0" dirty="0">
+              <a:ln w="0"/>
+              <a:solidFill>
+                <a:schemeClr val="tx1"/>
+              </a:solidFill>
+              <a:effectLst>
+                <a:outerShdw blurRad="38100" dist="19050" dir="2700000" algn="tl" rotWithShape="0">
+                  <a:schemeClr val="dk1">
+                    <a:alpha val="40000"/>
+                  </a:schemeClr>
+                </a:outerShdw>
+              </a:effectLst>
+              <a:latin typeface="Times New Roman" panose="02020603050405020304" pitchFamily="18" charset="0"/>
+              <a:cs typeface="Times New Roman" panose="02020603050405020304" pitchFamily="18" charset="0"/>
+            </a:endParaRPr>
+          </a:p>
+        </p:txBody>
+      </p:sp>
+      <p:sp>
+        <p:nvSpPr>
+          <p:cNvPr id="10" name="מלבן 9">
+            <a:extLst>
+              <a:ext uri="{FF2B5EF4-FFF2-40B4-BE49-F238E27FC236}">
+                <a16:creationId xmlns:a16="http://schemas.microsoft.com/office/drawing/2014/main" id="{7025C8C1-35C6-4399-85D1-3E0A2C343632}"/>
+              </a:ext>
+            </a:extLst>
+          </p:cNvPr>
+          <p:cNvSpPr/>
+          <p:nvPr/>
+        </p:nvSpPr>
+        <p:spPr>
+          <a:xfrm>
+            <a:off x="8035508" y="4437112"/>
+            <a:ext cx="3995004" cy="769441"/>
+          </a:xfrm>
+          <a:prstGeom prst="rect">
+            <a:avLst/>
+          </a:prstGeom>
+          <a:noFill/>
+        </p:spPr>
+        <p:txBody>
+          <a:bodyPr wrap="none" lIns="91440" tIns="45720" rIns="91440" bIns="45720">
+            <a:spAutoFit/>
+          </a:bodyPr>
+          <a:lstStyle/>
+          <a:p>
+            <a:pPr algn="ctr"/>
+            <a:r>
+              <a:rPr lang="he-IL" sz="4400" dirty="0">
+                <a:ln w="0"/>
+                <a:effectLst>
+                  <a:outerShdw blurRad="38100" dist="19050" dir="2700000" algn="tl" rotWithShape="0">
+                    <a:schemeClr val="dk1">
+                      <a:alpha val="40000"/>
+                    </a:schemeClr>
+                  </a:outerShdw>
+                </a:effectLst>
+                <a:latin typeface="Times New Roman" panose="02020603050405020304" pitchFamily="18" charset="0"/>
+                <a:cs typeface="Times New Roman" panose="02020603050405020304" pitchFamily="18" charset="0"/>
+              </a:rPr>
+              <a:t>תוצאות ל5% הפרש</a:t>
+            </a:r>
+            <a:endParaRPr lang="he-IL" sz="4400" b="0" cap="none" spc="0" dirty="0">
+              <a:ln w="0"/>
+              <a:solidFill>
+                <a:schemeClr val="tx1"/>
+              </a:solidFill>
+              <a:effectLst>
+                <a:outerShdw blurRad="38100" dist="19050" dir="2700000" algn="tl" rotWithShape="0">
+                  <a:schemeClr val="dk1">
+                    <a:alpha val="40000"/>
+                  </a:schemeClr>
+                </a:outerShdw>
+              </a:effectLst>
+              <a:latin typeface="Times New Roman" panose="02020603050405020304" pitchFamily="18" charset="0"/>
+              <a:cs typeface="Times New Roman" panose="02020603050405020304" pitchFamily="18" charset="0"/>
+            </a:endParaRPr>
+          </a:p>
+        </p:txBody>
+      </p:sp>
+      <p:pic>
+        <p:nvPicPr>
+          <p:cNvPr id="5" name="תמונה 4">
+            <a:extLst>
+              <a:ext uri="{FF2B5EF4-FFF2-40B4-BE49-F238E27FC236}">
+                <a16:creationId xmlns:a16="http://schemas.microsoft.com/office/drawing/2014/main" id="{917C919A-9C98-428C-BE45-281DD02070C0}"/>
+              </a:ext>
+            </a:extLst>
+          </p:cNvPr>
+          <p:cNvPicPr>
+            <a:picLocks noChangeAspect="1"/>
+          </p:cNvPicPr>
+          <p:nvPr/>
+        </p:nvPicPr>
+        <p:blipFill>
+          <a:blip r:embed="rId3"/>
+          <a:stretch>
+            <a:fillRect/>
+          </a:stretch>
+        </p:blipFill>
+        <p:spPr>
+          <a:xfrm>
+            <a:off x="549796" y="1905793"/>
+            <a:ext cx="6306865" cy="1704975"/>
+          </a:xfrm>
+          <a:prstGeom prst="rect">
+            <a:avLst/>
+          </a:prstGeom>
+        </p:spPr>
+      </p:pic>
+      <p:pic>
+        <p:nvPicPr>
+          <p:cNvPr id="6" name="תמונה 5">
+            <a:extLst>
+              <a:ext uri="{FF2B5EF4-FFF2-40B4-BE49-F238E27FC236}">
+                <a16:creationId xmlns:a16="http://schemas.microsoft.com/office/drawing/2014/main" id="{DE22DA24-1B11-40CE-89A0-66BD3088EEA5}"/>
+              </a:ext>
+            </a:extLst>
+          </p:cNvPr>
+          <p:cNvPicPr>
+            <a:picLocks noChangeAspect="1"/>
+          </p:cNvPicPr>
+          <p:nvPr/>
+        </p:nvPicPr>
+        <p:blipFill>
+          <a:blip r:embed="rId4"/>
+          <a:stretch>
+            <a:fillRect/>
+          </a:stretch>
+        </p:blipFill>
+        <p:spPr>
+          <a:xfrm>
+            <a:off x="549796" y="4221088"/>
+            <a:ext cx="6306865" cy="1733550"/>
+          </a:xfrm>
+          <a:prstGeom prst="rect">
+            <a:avLst/>
+          </a:prstGeom>
+        </p:spPr>
+      </p:pic>
     </p:spTree>
     <p:extLst>
       <p:ext uri="{BB962C8B-B14F-4D97-AF65-F5344CB8AC3E}">
-        <p14:creationId xmlns:p14="http://schemas.microsoft.com/office/powerpoint/2010/main" val="3109822649"/>
+        <p14:creationId xmlns:p14="http://schemas.microsoft.com/office/powerpoint/2010/main" val="465052230"/>
       </p:ext>
     </p:extLst>
   </p:cSld>
@@ -7980,70 +8615,6 @@
       </p:grpSpPr>
       <p:sp>
         <p:nvSpPr>
-          <p:cNvPr id="14" name="מציין מיקום תוכן 13"/>
-          <p:cNvSpPr>
-            <a:spLocks noGrp="1"/>
-          </p:cNvSpPr>
-          <p:nvPr>
-            <p:ph idx="1"/>
-          </p:nvPr>
-        </p:nvSpPr>
-        <p:spPr>
-          <a:xfrm>
-            <a:off x="1629916" y="1556792"/>
-            <a:ext cx="9134391" cy="4114801"/>
-          </a:xfrm>
-        </p:spPr>
-        <p:txBody>
-          <a:bodyPr rtlCol="1">
-            <a:normAutofit/>
-          </a:bodyPr>
-          <a:lstStyle/>
-          <a:p>
-            <a:r>
-              <a:rPr lang="he-IL" dirty="0">
-                <a:latin typeface="Times New Roman" panose="02020603050405020304" pitchFamily="18" charset="0"/>
-                <a:cs typeface="Times New Roman" panose="02020603050405020304" pitchFamily="18" charset="0"/>
-              </a:rPr>
-              <a:t>שאלת המחקר הייתה "האם משתלם לפטר מאמן באמצע העונה בליגת ה-</a:t>
-            </a:r>
-            <a:r>
-              <a:rPr lang="en-US" dirty="0">
-                <a:latin typeface="Times New Roman" panose="02020603050405020304" pitchFamily="18" charset="0"/>
-                <a:cs typeface="Times New Roman" panose="02020603050405020304" pitchFamily="18" charset="0"/>
-              </a:rPr>
-              <a:t>?NBA</a:t>
-            </a:r>
-            <a:r>
-              <a:rPr lang="he-IL" dirty="0">
-                <a:latin typeface="Times New Roman" panose="02020603050405020304" pitchFamily="18" charset="0"/>
-                <a:cs typeface="Times New Roman" panose="02020603050405020304" pitchFamily="18" charset="0"/>
-              </a:rPr>
-              <a:t> " והתשובה הינה שיש זמנים מסוימים בעונה שכן משתלם לפטר את המאמן וגם מה מוגדר מבחינת הבעלים כהצלחה בעת פיטור מאמן.</a:t>
-            </a:r>
-          </a:p>
-          <a:p>
-            <a:r>
-              <a:rPr lang="he-IL" dirty="0">
-                <a:latin typeface="Times New Roman" panose="02020603050405020304" pitchFamily="18" charset="0"/>
-                <a:cs typeface="Times New Roman" panose="02020603050405020304" pitchFamily="18" charset="0"/>
-              </a:rPr>
-              <a:t>במידה ומספר המשחקים הינו פחות משליש מסך כל המשחקים ומאזן המאמן הינו נמוך יש סיכוי סביר שההחלפה תהה יעילה ואחוז ההצלחה של המאמן הבא יהיה טוב מהמאמן הקודם.</a:t>
-            </a:r>
-          </a:p>
-          <a:p>
-            <a:r>
-              <a:rPr lang="he-IL" dirty="0">
-                <a:latin typeface="Times New Roman" panose="02020603050405020304" pitchFamily="18" charset="0"/>
-                <a:cs typeface="Times New Roman" panose="02020603050405020304" pitchFamily="18" charset="0"/>
-              </a:rPr>
-              <a:t>ככל שיש יותר חילופים במהלך השנה של מאמנים אחוזי הסיכוי להצלחה גדלים גם כן.</a:t>
-            </a:r>
-          </a:p>
-        </p:txBody>
-      </p:sp>
-      <p:sp>
-        <p:nvSpPr>
           <p:cNvPr id="4" name="מלבן 3">
             <a:extLst>
               <a:ext uri="{FF2B5EF4-FFF2-40B4-BE49-F238E27FC236}">
@@ -8056,8 +8627,8 @@
         </p:nvSpPr>
         <p:spPr>
           <a:xfrm>
-            <a:off x="9964724" y="31806"/>
-            <a:ext cx="1915910" cy="1107996"/>
+            <a:off x="798754" y="31806"/>
+            <a:ext cx="11081880" cy="1107996"/>
           </a:xfrm>
           <a:prstGeom prst="rect">
             <a:avLst/>
@@ -8086,7 +8657,114 @@
                 <a:latin typeface="Times New Roman" panose="02020603050405020304" pitchFamily="18" charset="0"/>
                 <a:cs typeface="Times New Roman" panose="02020603050405020304" pitchFamily="18" charset="0"/>
               </a:rPr>
-              <a:t>סיכום</a:t>
+              <a:t>תוצאות חיזוי – האם ישתלם להחליף</a:t>
+            </a:r>
+          </a:p>
+        </p:txBody>
+      </p:sp>
+      <p:sp>
+        <p:nvSpPr>
+          <p:cNvPr id="6" name="מציין מיקום תוכן 13">
+            <a:extLst>
+              <a:ext uri="{FF2B5EF4-FFF2-40B4-BE49-F238E27FC236}">
+                <a16:creationId xmlns:a16="http://schemas.microsoft.com/office/drawing/2014/main" id="{951BBEC5-89EF-4693-B561-B19E69AB090C}"/>
+              </a:ext>
+            </a:extLst>
+          </p:cNvPr>
+          <p:cNvSpPr>
+            <a:spLocks noGrp="1"/>
+          </p:cNvSpPr>
+          <p:nvPr>
+            <p:ph idx="1"/>
+          </p:nvPr>
+        </p:nvSpPr>
+        <p:spPr>
+          <a:xfrm>
+            <a:off x="1629916" y="1556792"/>
+            <a:ext cx="9134391" cy="4114801"/>
+          </a:xfrm>
+        </p:spPr>
+        <p:txBody>
+          <a:bodyPr rtlCol="1">
+            <a:normAutofit/>
+          </a:bodyPr>
+          <a:lstStyle/>
+          <a:p>
+            <a:pPr marL="696912" lvl="1" indent="-457200"/>
+            <a:r>
+              <a:rPr lang="he-IL" dirty="0">
+                <a:latin typeface="Times New Roman" panose="02020603050405020304" pitchFamily="18" charset="0"/>
+                <a:cs typeface="Times New Roman" panose="02020603050405020304" pitchFamily="18" charset="0"/>
+              </a:rPr>
+              <a:t>המודל שלנו בדק את הנתונים ללא המידע האם ההחלפה הצליחה או לא (לפי הגדרות של 0% הפרש או 5% הפרש שהוסברו בתחילת המצגת)</a:t>
+            </a:r>
+          </a:p>
+          <a:p>
+            <a:pPr marL="696912" lvl="1" indent="-457200"/>
+            <a:r>
+              <a:rPr lang="he-IL" dirty="0">
+                <a:latin typeface="Times New Roman" panose="02020603050405020304" pitchFamily="18" charset="0"/>
+                <a:cs typeface="Times New Roman" panose="02020603050405020304" pitchFamily="18" charset="0"/>
+              </a:rPr>
+              <a:t>כאשר בדקנו את תוצאות החיזוי מול נתוני האמת, היה קל לראות שאם אנו מתייחסים לבדיקה של מעל 0% הפרש – אלגוריתם </a:t>
+            </a:r>
+            <a:r>
+              <a:rPr lang="en-US" dirty="0">
+                <a:latin typeface="Times New Roman" panose="02020603050405020304" pitchFamily="18" charset="0"/>
+                <a:cs typeface="Times New Roman" panose="02020603050405020304" pitchFamily="18" charset="0"/>
+              </a:rPr>
+              <a:t>KNN</a:t>
+            </a:r>
+            <a:r>
+              <a:rPr lang="he-IL" dirty="0">
+                <a:latin typeface="Times New Roman" panose="02020603050405020304" pitchFamily="18" charset="0"/>
+                <a:cs typeface="Times New Roman" panose="02020603050405020304" pitchFamily="18" charset="0"/>
+              </a:rPr>
+              <a:t> ייתן לנו את החיזוי הטוב ביותר – 78% אחוזי דיוק בחיזוי</a:t>
+            </a:r>
+          </a:p>
+          <a:p>
+            <a:pPr marL="696912" lvl="1" indent="-457200"/>
+            <a:r>
+              <a:rPr lang="he-IL" dirty="0">
+                <a:latin typeface="Times New Roman" panose="02020603050405020304" pitchFamily="18" charset="0"/>
+                <a:cs typeface="Times New Roman" panose="02020603050405020304" pitchFamily="18" charset="0"/>
+              </a:rPr>
+              <a:t>עבור בדיקה של מעל 5% הפרש – אלגוריתם </a:t>
+            </a:r>
+            <a:r>
+              <a:rPr lang="en-US" dirty="0">
+                <a:latin typeface="Times New Roman" panose="02020603050405020304" pitchFamily="18" charset="0"/>
+                <a:cs typeface="Times New Roman" panose="02020603050405020304" pitchFamily="18" charset="0"/>
+              </a:rPr>
+              <a:t>KNN</a:t>
+            </a:r>
+            <a:r>
+              <a:rPr lang="he-IL" dirty="0">
+                <a:latin typeface="Times New Roman" panose="02020603050405020304" pitchFamily="18" charset="0"/>
+                <a:cs typeface="Times New Roman" panose="02020603050405020304" pitchFamily="18" charset="0"/>
+              </a:rPr>
+              <a:t> ייתן לנו את החיזוי הטוב ביותר – 82% דיוק</a:t>
+            </a:r>
+          </a:p>
+          <a:p>
+            <a:pPr marL="696912" lvl="1" indent="-457200"/>
+            <a:r>
+              <a:rPr lang="he-IL" dirty="0">
+                <a:latin typeface="Times New Roman" panose="02020603050405020304" pitchFamily="18" charset="0"/>
+                <a:cs typeface="Times New Roman" panose="02020603050405020304" pitchFamily="18" charset="0"/>
+              </a:rPr>
+              <a:t>גם באלגוריתמי חיזוי אחרים שנבחנו, לא היו אחוזי דיוק גבוהים יותר עם המידע שנאסף</a:t>
+            </a:r>
+          </a:p>
+          <a:p>
+            <a:pPr marL="696912" lvl="1" indent="-457200"/>
+            <a:r>
+              <a:rPr lang="he-IL" dirty="0">
+                <a:latin typeface="Times New Roman" panose="02020603050405020304" pitchFamily="18" charset="0"/>
+                <a:cs typeface="Times New Roman" panose="02020603050405020304" pitchFamily="18" charset="0"/>
+              </a:rPr>
+              <a:t>לא נמצא אלגוריתם חיזוי שנותן אחוזי דיוק משמעותיים שניתן יהיה להתחשב בהם בהחלטות עתידיות</a:t>
             </a:r>
           </a:p>
         </p:txBody>
@@ -8094,7 +8772,7 @@
     </p:spTree>
     <p:extLst>
       <p:ext uri="{BB962C8B-B14F-4D97-AF65-F5344CB8AC3E}">
-        <p14:creationId xmlns:p14="http://schemas.microsoft.com/office/powerpoint/2010/main" val="927740739"/>
+        <p14:creationId xmlns:p14="http://schemas.microsoft.com/office/powerpoint/2010/main" val="1675750564"/>
       </p:ext>
     </p:extLst>
   </p:cSld>
@@ -8135,70 +8813,6 @@
       </p:grpSpPr>
       <p:sp>
         <p:nvSpPr>
-          <p:cNvPr id="14" name="מציין מיקום תוכן 13"/>
-          <p:cNvSpPr>
-            <a:spLocks noGrp="1"/>
-          </p:cNvSpPr>
-          <p:nvPr>
-            <p:ph idx="1"/>
-          </p:nvPr>
-        </p:nvSpPr>
-        <p:spPr>
-          <a:xfrm>
-            <a:off x="1629916" y="1556792"/>
-            <a:ext cx="9134391" cy="4114801"/>
-          </a:xfrm>
-        </p:spPr>
-        <p:txBody>
-          <a:bodyPr rtlCol="1">
-            <a:normAutofit/>
-          </a:bodyPr>
-          <a:lstStyle/>
-          <a:p>
-            <a:r>
-              <a:rPr lang="he-IL" dirty="0">
-                <a:latin typeface="Times New Roman" panose="02020603050405020304" pitchFamily="18" charset="0"/>
-                <a:cs typeface="Times New Roman" panose="02020603050405020304" pitchFamily="18" charset="0"/>
-              </a:rPr>
-              <a:t>הנתונים הינם מעטים אך ממצים מאוד את המסקנות לגבי ליגת ה</a:t>
-            </a:r>
-            <a:r>
-              <a:rPr lang="en-US" dirty="0">
-                <a:latin typeface="Times New Roman" panose="02020603050405020304" pitchFamily="18" charset="0"/>
-                <a:cs typeface="Times New Roman" panose="02020603050405020304" pitchFamily="18" charset="0"/>
-              </a:rPr>
-              <a:t>NBA</a:t>
-            </a:r>
-            <a:r>
-              <a:rPr lang="he-IL" dirty="0">
-                <a:latin typeface="Times New Roman" panose="02020603050405020304" pitchFamily="18" charset="0"/>
-                <a:cs typeface="Times New Roman" panose="02020603050405020304" pitchFamily="18" charset="0"/>
-              </a:rPr>
-              <a:t>. במידה והיו יותר נתונים היינו מגיעים למסקנות רבות יותר.</a:t>
-            </a:r>
-          </a:p>
-          <a:p>
-            <a:r>
-              <a:rPr lang="he-IL" dirty="0">
-                <a:latin typeface="Times New Roman" panose="02020603050405020304" pitchFamily="18" charset="0"/>
-                <a:cs typeface="Times New Roman" panose="02020603050405020304" pitchFamily="18" charset="0"/>
-              </a:rPr>
-              <a:t>שאלת המחקר תלויה בהנחות יסוד שלפעמים לא ניתן להניח במהלך העונה אבל ניתן להבין מתי דפוס של פיטורי מאמן יכולים להצליח ומתי סביר שלא.</a:t>
-            </a:r>
-          </a:p>
-          <a:p>
-            <a:r>
-              <a:rPr lang="he-IL" dirty="0">
-                <a:latin typeface="Times New Roman" panose="02020603050405020304" pitchFamily="18" charset="0"/>
-                <a:cs typeface="Times New Roman" panose="02020603050405020304" pitchFamily="18" charset="0"/>
-              </a:rPr>
-              <a:t>הדגש בעבודה היה יותר על הזחלן והנתונים ופחות על החיזוי, אנו מאמינים שבאם היה מידע נוסף תוצאות החיזוי היו גדלות משמעותית וכך גם מסקנות מדויקות יותר.</a:t>
-            </a:r>
-          </a:p>
-        </p:txBody>
-      </p:sp>
-      <p:sp>
-        <p:nvSpPr>
           <p:cNvPr id="4" name="מלבן 3">
             <a:extLst>
               <a:ext uri="{FF2B5EF4-FFF2-40B4-BE49-F238E27FC236}">
@@ -8211,8 +8825,8 @@
         </p:nvSpPr>
         <p:spPr>
           <a:xfrm>
-            <a:off x="5744018" y="31806"/>
-            <a:ext cx="6136616" cy="1107996"/>
+            <a:off x="261764" y="31806"/>
+            <a:ext cx="11618870" cy="2123658"/>
           </a:xfrm>
           <a:prstGeom prst="rect">
             <a:avLst/>
@@ -8220,7 +8834,7 @@
           <a:noFill/>
         </p:spPr>
         <p:txBody>
-          <a:bodyPr wrap="none" lIns="91440" tIns="45720" rIns="91440" bIns="45720">
+          <a:bodyPr wrap="square" lIns="91440" tIns="45720" rIns="91440" bIns="45720">
             <a:spAutoFit/>
           </a:bodyPr>
           <a:lstStyle/>
@@ -8241,15 +8855,75 @@
                 <a:latin typeface="Times New Roman" panose="02020603050405020304" pitchFamily="18" charset="0"/>
                 <a:cs typeface="Times New Roman" panose="02020603050405020304" pitchFamily="18" charset="0"/>
               </a:rPr>
-              <a:t>סיכום בנימה אישית</a:t>
-            </a:r>
-          </a:p>
-        </p:txBody>
-      </p:sp>
+              <a:t>תוצאות חיזוי – אחוזי ההצלחה של החלפ</a:t>
+            </a:r>
+            <a:r>
+              <a:rPr lang="he-IL" sz="6600" b="1" dirty="0">
+                <a:ln w="0"/>
+                <a:effectLst>
+                  <a:outerShdw blurRad="38100" dist="19050" dir="2700000" algn="tl" rotWithShape="0">
+                    <a:schemeClr val="dk1">
+                      <a:alpha val="40000"/>
+                    </a:schemeClr>
+                  </a:outerShdw>
+                </a:effectLst>
+                <a:latin typeface="Times New Roman" panose="02020603050405020304" pitchFamily="18" charset="0"/>
+                <a:cs typeface="Times New Roman" panose="02020603050405020304" pitchFamily="18" charset="0"/>
+              </a:rPr>
+              <a:t>ת המאמן</a:t>
+            </a:r>
+            <a:endParaRPr lang="he-IL" sz="6600" b="1" cap="none" spc="0" dirty="0">
+              <a:ln w="0"/>
+              <a:solidFill>
+                <a:schemeClr val="tx1"/>
+              </a:solidFill>
+              <a:effectLst>
+                <a:outerShdw blurRad="38100" dist="19050" dir="2700000" algn="tl" rotWithShape="0">
+                  <a:schemeClr val="dk1">
+                    <a:alpha val="40000"/>
+                  </a:schemeClr>
+                </a:outerShdw>
+              </a:effectLst>
+              <a:latin typeface="Times New Roman" panose="02020603050405020304" pitchFamily="18" charset="0"/>
+              <a:cs typeface="Times New Roman" panose="02020603050405020304" pitchFamily="18" charset="0"/>
+            </a:endParaRPr>
+          </a:p>
+        </p:txBody>
+      </p:sp>
+      <p:pic>
+        <p:nvPicPr>
+          <p:cNvPr id="2" name="תמונה 1">
+            <a:extLst>
+              <a:ext uri="{FF2B5EF4-FFF2-40B4-BE49-F238E27FC236}">
+                <a16:creationId xmlns:a16="http://schemas.microsoft.com/office/drawing/2014/main" id="{5C0D5ED0-B824-43AE-8466-E9F934E1FED7}"/>
+              </a:ext>
+            </a:extLst>
+          </p:cNvPr>
+          <p:cNvPicPr>
+            <a:picLocks noChangeAspect="1"/>
+          </p:cNvPicPr>
+          <p:nvPr/>
+        </p:nvPicPr>
+        <p:blipFill>
+          <a:blip r:embed="rId3"/>
+          <a:stretch>
+            <a:fillRect/>
+          </a:stretch>
+        </p:blipFill>
+        <p:spPr>
+          <a:xfrm>
+            <a:off x="1103312" y="2228850"/>
+            <a:ext cx="9982200" cy="2400300"/>
+          </a:xfrm>
+          <a:prstGeom prst="rect">
+            <a:avLst/>
+          </a:prstGeom>
+        </p:spPr>
+      </p:pic>
     </p:spTree>
     <p:extLst>
       <p:ext uri="{BB962C8B-B14F-4D97-AF65-F5344CB8AC3E}">
-        <p14:creationId xmlns:p14="http://schemas.microsoft.com/office/powerpoint/2010/main" val="189539004"/>
+        <p14:creationId xmlns:p14="http://schemas.microsoft.com/office/powerpoint/2010/main" val="18081713"/>
       </p:ext>
     </p:extLst>
   </p:cSld>
@@ -8428,10 +9102,83 @@
       </p:grpSpPr>
       <p:sp>
         <p:nvSpPr>
-          <p:cNvPr id="2" name="מלבן 1">
+          <p:cNvPr id="6" name="מציין מיקום תוכן 13">
             <a:extLst>
               <a:ext uri="{FF2B5EF4-FFF2-40B4-BE49-F238E27FC236}">
-                <a16:creationId xmlns:a16="http://schemas.microsoft.com/office/drawing/2014/main" id="{49486A7C-097F-4344-A6DB-C9F70AA53EDE}"/>
+                <a16:creationId xmlns:a16="http://schemas.microsoft.com/office/drawing/2014/main" id="{951BBEC5-89EF-4693-B561-B19E69AB090C}"/>
+              </a:ext>
+            </a:extLst>
+          </p:cNvPr>
+          <p:cNvSpPr>
+            <a:spLocks noGrp="1"/>
+          </p:cNvSpPr>
+          <p:nvPr>
+            <p:ph idx="1"/>
+          </p:nvPr>
+        </p:nvSpPr>
+        <p:spPr>
+          <a:xfrm>
+            <a:off x="1917948" y="2276872"/>
+            <a:ext cx="9134391" cy="4114801"/>
+          </a:xfrm>
+        </p:spPr>
+        <p:txBody>
+          <a:bodyPr rtlCol="1">
+            <a:normAutofit/>
+          </a:bodyPr>
+          <a:lstStyle/>
+          <a:p>
+            <a:pPr marL="696912" lvl="1" indent="-457200"/>
+            <a:r>
+              <a:rPr lang="he-IL" dirty="0">
+                <a:latin typeface="Times New Roman" panose="02020603050405020304" pitchFamily="18" charset="0"/>
+                <a:cs typeface="Times New Roman" panose="02020603050405020304" pitchFamily="18" charset="0"/>
+              </a:rPr>
+              <a:t>המודל שלנו בדק את הנתונים ללא אחוזי ההצלחה של המאמן השני. כאן אין חשיבות להגדרה של הצלחה (0% הפרש או 5% הפרש)</a:t>
+            </a:r>
+            <a:r>
+              <a:rPr lang="en-US" dirty="0">
+                <a:latin typeface="Times New Roman" panose="02020603050405020304" pitchFamily="18" charset="0"/>
+                <a:cs typeface="Times New Roman" panose="02020603050405020304" pitchFamily="18" charset="0"/>
+              </a:rPr>
+              <a:t> </a:t>
+            </a:r>
+            <a:r>
+              <a:rPr lang="he-IL" dirty="0">
+                <a:latin typeface="Times New Roman" panose="02020603050405020304" pitchFamily="18" charset="0"/>
+                <a:cs typeface="Times New Roman" panose="02020603050405020304" pitchFamily="18" charset="0"/>
+              </a:rPr>
+              <a:t>מכיוון שאנחנו מדברים על נתונים אבסולוטיים</a:t>
+            </a:r>
+          </a:p>
+          <a:p>
+            <a:pPr marL="696912" lvl="1" indent="-457200"/>
+            <a:r>
+              <a:rPr lang="he-IL" dirty="0">
+                <a:latin typeface="Times New Roman" panose="02020603050405020304" pitchFamily="18" charset="0"/>
+                <a:cs typeface="Times New Roman" panose="02020603050405020304" pitchFamily="18" charset="0"/>
+              </a:rPr>
+              <a:t>בדקנו היתכנות לחיזוי אחוזי ההצלחה של המאמן השני על בסיס אחוזי ההצלחה של המאמן הראשון וכמות המשחקים שעברו בעונה</a:t>
+            </a:r>
+          </a:p>
+          <a:p>
+            <a:pPr marL="696912" lvl="1" indent="-457200"/>
+            <a:r>
+              <a:rPr lang="he-IL" dirty="0">
+                <a:latin typeface="Times New Roman" panose="02020603050405020304" pitchFamily="18" charset="0"/>
+                <a:cs typeface="Times New Roman" panose="02020603050405020304" pitchFamily="18" charset="0"/>
+              </a:rPr>
+              <a:t>לא נמצא אלגוריתם חיזוי שנותן אחוזי דיוק משמעותיים שניתן יהיה להתחשב בהם בהחלטות עתידיות</a:t>
+            </a:r>
+          </a:p>
+        </p:txBody>
+      </p:sp>
+      <p:sp>
+        <p:nvSpPr>
+          <p:cNvPr id="7" name="מלבן 6">
+            <a:extLst>
+              <a:ext uri="{FF2B5EF4-FFF2-40B4-BE49-F238E27FC236}">
+                <a16:creationId xmlns:a16="http://schemas.microsoft.com/office/drawing/2014/main" id="{0F6F5DB0-708E-4C55-9C12-EE486E4BD2CE}"/>
               </a:ext>
             </a:extLst>
           </p:cNvPr>
@@ -8440,8 +9187,8 @@
         </p:nvSpPr>
         <p:spPr>
           <a:xfrm>
-            <a:off x="3444491" y="2875002"/>
-            <a:ext cx="5299849" cy="1107996"/>
+            <a:off x="261764" y="31806"/>
+            <a:ext cx="11618870" cy="2123658"/>
           </a:xfrm>
           <a:prstGeom prst="rect">
             <a:avLst/>
@@ -8449,12 +9196,11 @@
           <a:noFill/>
         </p:spPr>
         <p:txBody>
-          <a:bodyPr wrap="none" lIns="91440" tIns="45720" rIns="91440" bIns="45720">
+          <a:bodyPr wrap="square" lIns="91440" tIns="45720" rIns="91440" bIns="45720">
             <a:spAutoFit/>
           </a:bodyPr>
           <a:lstStyle/>
           <a:p>
-            <a:pPr algn="ctr"/>
             <a:r>
               <a:rPr lang="he-IL" sz="6600" b="1" cap="none" spc="0" dirty="0">
                 <a:ln w="0"/>
@@ -8471,15 +9217,45 @@
                 <a:latin typeface="Times New Roman" panose="02020603050405020304" pitchFamily="18" charset="0"/>
                 <a:cs typeface="Times New Roman" panose="02020603050405020304" pitchFamily="18" charset="0"/>
               </a:rPr>
-              <a:t>תודה על הקריאה</a:t>
-            </a:r>
+              <a:t>תוצאות חיזוי – אחוזי ההצלחה של החלפ</a:t>
+            </a:r>
+            <a:r>
+              <a:rPr lang="he-IL" sz="6600" b="1" dirty="0">
+                <a:ln w="0"/>
+                <a:effectLst>
+                  <a:outerShdw blurRad="38100" dist="19050" dir="2700000" algn="tl" rotWithShape="0">
+                    <a:schemeClr val="dk1">
+                      <a:alpha val="40000"/>
+                    </a:schemeClr>
+                  </a:outerShdw>
+                </a:effectLst>
+                <a:latin typeface="Times New Roman" panose="02020603050405020304" pitchFamily="18" charset="0"/>
+                <a:cs typeface="Times New Roman" panose="02020603050405020304" pitchFamily="18" charset="0"/>
+              </a:rPr>
+              <a:t>ת המאמן</a:t>
+            </a:r>
+            <a:endParaRPr lang="he-IL" sz="6600" b="1" cap="none" spc="0" dirty="0">
+              <a:ln w="0"/>
+              <a:solidFill>
+                <a:schemeClr val="tx1"/>
+              </a:solidFill>
+              <a:effectLst>
+                <a:outerShdw blurRad="38100" dist="19050" dir="2700000" algn="tl" rotWithShape="0">
+                  <a:schemeClr val="dk1">
+                    <a:alpha val="40000"/>
+                  </a:schemeClr>
+                </a:outerShdw>
+              </a:effectLst>
+              <a:latin typeface="Times New Roman" panose="02020603050405020304" pitchFamily="18" charset="0"/>
+              <a:cs typeface="Times New Roman" panose="02020603050405020304" pitchFamily="18" charset="0"/>
+            </a:endParaRPr>
           </a:p>
         </p:txBody>
       </p:sp>
     </p:spTree>
     <p:extLst>
       <p:ext uri="{BB962C8B-B14F-4D97-AF65-F5344CB8AC3E}">
-        <p14:creationId xmlns:p14="http://schemas.microsoft.com/office/powerpoint/2010/main" val="1177465253"/>
+        <p14:creationId xmlns:p14="http://schemas.microsoft.com/office/powerpoint/2010/main" val="2522783469"/>
       </p:ext>
     </p:extLst>
   </p:cSld>
@@ -8520,10 +9296,10 @@
       </p:grpSpPr>
       <p:sp>
         <p:nvSpPr>
-          <p:cNvPr id="2" name="מלבן 1">
+          <p:cNvPr id="4" name="מלבן 3">
             <a:extLst>
               <a:ext uri="{FF2B5EF4-FFF2-40B4-BE49-F238E27FC236}">
-                <a16:creationId xmlns:a16="http://schemas.microsoft.com/office/drawing/2014/main" id="{49486A7C-097F-4344-A6DB-C9F70AA53EDE}"/>
+                <a16:creationId xmlns:a16="http://schemas.microsoft.com/office/drawing/2014/main" id="{89088BF8-3BA2-4CC1-8D89-90DF2912C438}"/>
               </a:ext>
             </a:extLst>
           </p:cNvPr>
@@ -8532,8 +9308,8 @@
         </p:nvSpPr>
         <p:spPr>
           <a:xfrm>
-            <a:off x="4912042" y="2875002"/>
-            <a:ext cx="2364750" cy="1107996"/>
+            <a:off x="4889595" y="2875002"/>
+            <a:ext cx="2409634" cy="1107996"/>
           </a:xfrm>
           <a:prstGeom prst="rect">
             <a:avLst/>
@@ -8563,7 +9339,7 @@
                 <a:latin typeface="Times New Roman" panose="02020603050405020304" pitchFamily="18" charset="0"/>
                 <a:cs typeface="Times New Roman" panose="02020603050405020304" pitchFamily="18" charset="0"/>
               </a:rPr>
-              <a:t>נספחים</a:t>
+              <a:t>מסקנות</a:t>
             </a:r>
           </a:p>
         </p:txBody>
@@ -8571,7 +9347,7 @@
     </p:spTree>
     <p:extLst>
       <p:ext uri="{BB962C8B-B14F-4D97-AF65-F5344CB8AC3E}">
-        <p14:creationId xmlns:p14="http://schemas.microsoft.com/office/powerpoint/2010/main" val="2214513453"/>
+        <p14:creationId xmlns:p14="http://schemas.microsoft.com/office/powerpoint/2010/main" val="1957528870"/>
       </p:ext>
     </p:extLst>
   </p:cSld>
@@ -8594,6 +9370,861 @@
 </file>
 
 <file path=ppt/slides/slide22.xml><?xml version="1.0" encoding="utf-8"?>
+<p:sld xmlns:a="http://schemas.openxmlformats.org/drawingml/2006/main" xmlns:r="http://schemas.openxmlformats.org/officeDocument/2006/relationships" xmlns:p="http://schemas.openxmlformats.org/presentationml/2006/main">
+  <p:cSld>
+    <p:spTree>
+      <p:nvGrpSpPr>
+        <p:cNvPr id="1" name=""/>
+        <p:cNvGrpSpPr/>
+        <p:nvPr/>
+      </p:nvGrpSpPr>
+      <p:grpSpPr>
+        <a:xfrm>
+          <a:off x="0" y="0"/>
+          <a:ext cx="0" cy="0"/>
+          <a:chOff x="0" y="0"/>
+          <a:chExt cx="0" cy="0"/>
+        </a:xfrm>
+      </p:grpSpPr>
+      <p:sp>
+        <p:nvSpPr>
+          <p:cNvPr id="14" name="מציין מיקום תוכן 13"/>
+          <p:cNvSpPr>
+            <a:spLocks noGrp="1"/>
+          </p:cNvSpPr>
+          <p:nvPr>
+            <p:ph idx="1"/>
+          </p:nvPr>
+        </p:nvSpPr>
+        <p:spPr>
+          <a:xfrm>
+            <a:off x="1629916" y="1556792"/>
+            <a:ext cx="9134391" cy="4114801"/>
+          </a:xfrm>
+        </p:spPr>
+        <p:txBody>
+          <a:bodyPr rtlCol="1">
+            <a:normAutofit/>
+          </a:bodyPr>
+          <a:lstStyle/>
+          <a:p>
+            <a:r>
+              <a:rPr lang="he-IL" dirty="0">
+                <a:latin typeface="Times New Roman" panose="02020603050405020304" pitchFamily="18" charset="0"/>
+                <a:cs typeface="Times New Roman" panose="02020603050405020304" pitchFamily="18" charset="0"/>
+              </a:rPr>
+              <a:t>ניתן לראות כי לאורך השנים ישנם יותר פיטורים של מאמנים בקבוצות בליגה. אנו מניחים כי דבר זה נובע בעקבות שינוי בהלך הרוח המשתנה לפי השנים (אדם שביצועיו ירודים ככל הנראה לא יצליח, תפיסה של השנים האחרונות).</a:t>
+            </a:r>
+          </a:p>
+          <a:p>
+            <a:r>
+              <a:rPr lang="he-IL" dirty="0">
+                <a:latin typeface="Times New Roman" panose="02020603050405020304" pitchFamily="18" charset="0"/>
+                <a:cs typeface="Times New Roman" panose="02020603050405020304" pitchFamily="18" charset="0"/>
+              </a:rPr>
+              <a:t>ככל שיש יותר פיטורים לא בהכרח שאחוזי וכמות ההצלחות גדלה, גם בשינוי בין שני ההפרשים (0% ו5%). לפי הנתונים ניתן לראות כי רוב הפיטורים קורים לאחר מספר משחקים מצומצם מאוד שאחוז ההצלחה נמוך שכנראה מחליטים להחליף את המאמן בלקיחת סיכון לגבי המאמן הבא. קורה מצבים גם שהמאמן השני מוחלף והשלישי גם כן כך שאחוזי ההצלחה הם מול מעט מאוד משחקים הקיימים בעונה.</a:t>
+            </a:r>
+          </a:p>
+        </p:txBody>
+      </p:sp>
+      <p:sp>
+        <p:nvSpPr>
+          <p:cNvPr id="4" name="מלבן 3">
+            <a:extLst>
+              <a:ext uri="{FF2B5EF4-FFF2-40B4-BE49-F238E27FC236}">
+                <a16:creationId xmlns:a16="http://schemas.microsoft.com/office/drawing/2014/main" id="{CE2849DA-7348-4A16-A747-95C52780E045}"/>
+              </a:ext>
+            </a:extLst>
+          </p:cNvPr>
+          <p:cNvSpPr/>
+          <p:nvPr/>
+        </p:nvSpPr>
+        <p:spPr>
+          <a:xfrm>
+            <a:off x="9471000" y="31806"/>
+            <a:ext cx="2409634" cy="1107996"/>
+          </a:xfrm>
+          <a:prstGeom prst="rect">
+            <a:avLst/>
+          </a:prstGeom>
+          <a:noFill/>
+        </p:spPr>
+        <p:txBody>
+          <a:bodyPr wrap="none" lIns="91440" tIns="45720" rIns="91440" bIns="45720">
+            <a:spAutoFit/>
+          </a:bodyPr>
+          <a:lstStyle/>
+          <a:p>
+            <a:r>
+              <a:rPr lang="he-IL" sz="6600" b="1" cap="none" spc="0" dirty="0">
+                <a:ln w="0"/>
+                <a:solidFill>
+                  <a:schemeClr val="tx1"/>
+                </a:solidFill>
+                <a:effectLst>
+                  <a:outerShdw blurRad="38100" dist="19050" dir="2700000" algn="tl" rotWithShape="0">
+                    <a:schemeClr val="dk1">
+                      <a:alpha val="40000"/>
+                    </a:schemeClr>
+                  </a:outerShdw>
+                </a:effectLst>
+                <a:latin typeface="Times New Roman" panose="02020603050405020304" pitchFamily="18" charset="0"/>
+                <a:cs typeface="Times New Roman" panose="02020603050405020304" pitchFamily="18" charset="0"/>
+              </a:rPr>
+              <a:t>מסקנות</a:t>
+            </a:r>
+          </a:p>
+        </p:txBody>
+      </p:sp>
+    </p:spTree>
+    <p:extLst>
+      <p:ext uri="{BB962C8B-B14F-4D97-AF65-F5344CB8AC3E}">
+        <p14:creationId xmlns:p14="http://schemas.microsoft.com/office/powerpoint/2010/main" val="4189016038"/>
+      </p:ext>
+    </p:extLst>
+  </p:cSld>
+  <p:clrMapOvr>
+    <a:masterClrMapping/>
+  </p:clrMapOvr>
+  <mc:AlternateContent xmlns:mc="http://schemas.openxmlformats.org/markup-compatibility/2006" xmlns:p14="http://schemas.microsoft.com/office/powerpoint/2010/main">
+    <mc:Choice Requires="p14">
+      <p:transition spd="med" p14:dur="700">
+        <p:fade/>
+      </p:transition>
+    </mc:Choice>
+    <mc:Fallback xmlns="">
+      <p:transition spd="med">
+        <p:fade/>
+      </p:transition>
+    </mc:Fallback>
+  </mc:AlternateContent>
+</p:sld>
+</file>
+
+<file path=ppt/slides/slide23.xml><?xml version="1.0" encoding="utf-8"?>
+<p:sld xmlns:a="http://schemas.openxmlformats.org/drawingml/2006/main" xmlns:r="http://schemas.openxmlformats.org/officeDocument/2006/relationships" xmlns:p="http://schemas.openxmlformats.org/presentationml/2006/main">
+  <p:cSld>
+    <p:spTree>
+      <p:nvGrpSpPr>
+        <p:cNvPr id="1" name=""/>
+        <p:cNvGrpSpPr/>
+        <p:nvPr/>
+      </p:nvGrpSpPr>
+      <p:grpSpPr>
+        <a:xfrm>
+          <a:off x="0" y="0"/>
+          <a:ext cx="0" cy="0"/>
+          <a:chOff x="0" y="0"/>
+          <a:chExt cx="0" cy="0"/>
+        </a:xfrm>
+      </p:grpSpPr>
+      <p:sp>
+        <p:nvSpPr>
+          <p:cNvPr id="14" name="מציין מיקום תוכן 13"/>
+          <p:cNvSpPr>
+            <a:spLocks noGrp="1"/>
+          </p:cNvSpPr>
+          <p:nvPr>
+            <p:ph idx="1"/>
+          </p:nvPr>
+        </p:nvSpPr>
+        <p:spPr>
+          <a:xfrm>
+            <a:off x="1629916" y="1556792"/>
+            <a:ext cx="9134391" cy="4114801"/>
+          </a:xfrm>
+        </p:spPr>
+        <p:txBody>
+          <a:bodyPr rtlCol="1">
+            <a:normAutofit/>
+          </a:bodyPr>
+          <a:lstStyle/>
+          <a:p>
+            <a:r>
+              <a:rPr lang="he-IL" dirty="0">
+                <a:latin typeface="Times New Roman" panose="02020603050405020304" pitchFamily="18" charset="0"/>
+                <a:cs typeface="Times New Roman" panose="02020603050405020304" pitchFamily="18" charset="0"/>
+              </a:rPr>
+              <a:t>באופן חד משמעי ניתן לומר שאם ההחלפה מתבצעת בתחילת העונה ככל הנראה היא תתבצע בשלבים הראשונים של העונה והמאמן הבא ישפר את אחוזי הצלחתו מכיוון שיש לו יותר משחקים לשיפור אחוז הצלחתו לעומת קודמו. גם באופן פסיכולוגי שמאמן חדש מגיע יש לו רצון להוכיח את עצמו ולכן </a:t>
+            </a:r>
+            <a:r>
+              <a:rPr lang="he-IL" dirty="0" err="1">
+                <a:latin typeface="Times New Roman" panose="02020603050405020304" pitchFamily="18" charset="0"/>
+                <a:cs typeface="Times New Roman" panose="02020603050405020304" pitchFamily="18" charset="0"/>
+              </a:rPr>
+              <a:t>ישאוף</a:t>
+            </a:r>
+            <a:r>
+              <a:rPr lang="he-IL" dirty="0">
+                <a:latin typeface="Times New Roman" panose="02020603050405020304" pitchFamily="18" charset="0"/>
+                <a:cs typeface="Times New Roman" panose="02020603050405020304" pitchFamily="18" charset="0"/>
+              </a:rPr>
+              <a:t> לשפר את אחוז הצלחתו למקסימום הניתן.</a:t>
+            </a:r>
+          </a:p>
+        </p:txBody>
+      </p:sp>
+      <p:sp>
+        <p:nvSpPr>
+          <p:cNvPr id="4" name="מלבן 3">
+            <a:extLst>
+              <a:ext uri="{FF2B5EF4-FFF2-40B4-BE49-F238E27FC236}">
+                <a16:creationId xmlns:a16="http://schemas.microsoft.com/office/drawing/2014/main" id="{CE2849DA-7348-4A16-A747-95C52780E045}"/>
+              </a:ext>
+            </a:extLst>
+          </p:cNvPr>
+          <p:cNvSpPr/>
+          <p:nvPr/>
+        </p:nvSpPr>
+        <p:spPr>
+          <a:xfrm>
+            <a:off x="9471000" y="31806"/>
+            <a:ext cx="2409634" cy="1107996"/>
+          </a:xfrm>
+          <a:prstGeom prst="rect">
+            <a:avLst/>
+          </a:prstGeom>
+          <a:noFill/>
+        </p:spPr>
+        <p:txBody>
+          <a:bodyPr wrap="none" lIns="91440" tIns="45720" rIns="91440" bIns="45720">
+            <a:spAutoFit/>
+          </a:bodyPr>
+          <a:lstStyle/>
+          <a:p>
+            <a:r>
+              <a:rPr lang="he-IL" sz="6600" b="1" cap="none" spc="0" dirty="0">
+                <a:ln w="0"/>
+                <a:solidFill>
+                  <a:schemeClr val="tx1"/>
+                </a:solidFill>
+                <a:effectLst>
+                  <a:outerShdw blurRad="38100" dist="19050" dir="2700000" algn="tl" rotWithShape="0">
+                    <a:schemeClr val="dk1">
+                      <a:alpha val="40000"/>
+                    </a:schemeClr>
+                  </a:outerShdw>
+                </a:effectLst>
+                <a:latin typeface="Times New Roman" panose="02020603050405020304" pitchFamily="18" charset="0"/>
+                <a:cs typeface="Times New Roman" panose="02020603050405020304" pitchFamily="18" charset="0"/>
+              </a:rPr>
+              <a:t>מסקנות</a:t>
+            </a:r>
+          </a:p>
+        </p:txBody>
+      </p:sp>
+    </p:spTree>
+    <p:extLst>
+      <p:ext uri="{BB962C8B-B14F-4D97-AF65-F5344CB8AC3E}">
+        <p14:creationId xmlns:p14="http://schemas.microsoft.com/office/powerpoint/2010/main" val="3109822649"/>
+      </p:ext>
+    </p:extLst>
+  </p:cSld>
+  <p:clrMapOvr>
+    <a:masterClrMapping/>
+  </p:clrMapOvr>
+  <mc:AlternateContent xmlns:mc="http://schemas.openxmlformats.org/markup-compatibility/2006" xmlns:p14="http://schemas.microsoft.com/office/powerpoint/2010/main">
+    <mc:Choice Requires="p14">
+      <p:transition spd="med" p14:dur="700">
+        <p:fade/>
+      </p:transition>
+    </mc:Choice>
+    <mc:Fallback xmlns="">
+      <p:transition spd="med">
+        <p:fade/>
+      </p:transition>
+    </mc:Fallback>
+  </mc:AlternateContent>
+</p:sld>
+</file>
+
+<file path=ppt/slides/slide24.xml><?xml version="1.0" encoding="utf-8"?>
+<p:sld xmlns:a="http://schemas.openxmlformats.org/drawingml/2006/main" xmlns:r="http://schemas.openxmlformats.org/officeDocument/2006/relationships" xmlns:p="http://schemas.openxmlformats.org/presentationml/2006/main">
+  <p:cSld>
+    <p:spTree>
+      <p:nvGrpSpPr>
+        <p:cNvPr id="1" name=""/>
+        <p:cNvGrpSpPr/>
+        <p:nvPr/>
+      </p:nvGrpSpPr>
+      <p:grpSpPr>
+        <a:xfrm>
+          <a:off x="0" y="0"/>
+          <a:ext cx="0" cy="0"/>
+          <a:chOff x="0" y="0"/>
+          <a:chExt cx="0" cy="0"/>
+        </a:xfrm>
+      </p:grpSpPr>
+      <p:sp>
+        <p:nvSpPr>
+          <p:cNvPr id="4" name="מלבן 3">
+            <a:extLst>
+              <a:ext uri="{FF2B5EF4-FFF2-40B4-BE49-F238E27FC236}">
+                <a16:creationId xmlns:a16="http://schemas.microsoft.com/office/drawing/2014/main" id="{89088BF8-3BA2-4CC1-8D89-90DF2912C438}"/>
+              </a:ext>
+            </a:extLst>
+          </p:cNvPr>
+          <p:cNvSpPr/>
+          <p:nvPr/>
+        </p:nvSpPr>
+        <p:spPr>
+          <a:xfrm>
+            <a:off x="5136457" y="2875002"/>
+            <a:ext cx="1915910" cy="1107996"/>
+          </a:xfrm>
+          <a:prstGeom prst="rect">
+            <a:avLst/>
+          </a:prstGeom>
+          <a:noFill/>
+        </p:spPr>
+        <p:txBody>
+          <a:bodyPr wrap="none" lIns="91440" tIns="45720" rIns="91440" bIns="45720">
+            <a:spAutoFit/>
+          </a:bodyPr>
+          <a:lstStyle/>
+          <a:p>
+            <a:pPr algn="ctr"/>
+            <a:r>
+              <a:rPr lang="he-IL" sz="6600" b="1" cap="none" spc="0" dirty="0">
+                <a:ln w="0"/>
+                <a:solidFill>
+                  <a:schemeClr val="tx1"/>
+                </a:solidFill>
+                <a:effectLst>
+                  <a:outerShdw blurRad="38100" dist="19050" dir="2700000" algn="tl" rotWithShape="0">
+                    <a:schemeClr val="dk1">
+                      <a:alpha val="40000"/>
+                    </a:schemeClr>
+                  </a:outerShdw>
+                </a:effectLst>
+                <a:latin typeface="Times New Roman" panose="02020603050405020304" pitchFamily="18" charset="0"/>
+                <a:cs typeface="Times New Roman" panose="02020603050405020304" pitchFamily="18" charset="0"/>
+              </a:rPr>
+              <a:t>סיכום</a:t>
+            </a:r>
+          </a:p>
+        </p:txBody>
+      </p:sp>
+    </p:spTree>
+    <p:extLst>
+      <p:ext uri="{BB962C8B-B14F-4D97-AF65-F5344CB8AC3E}">
+        <p14:creationId xmlns:p14="http://schemas.microsoft.com/office/powerpoint/2010/main" val="64129998"/>
+      </p:ext>
+    </p:extLst>
+  </p:cSld>
+  <p:clrMapOvr>
+    <a:masterClrMapping/>
+  </p:clrMapOvr>
+  <mc:AlternateContent xmlns:mc="http://schemas.openxmlformats.org/markup-compatibility/2006" xmlns:p14="http://schemas.microsoft.com/office/powerpoint/2010/main">
+    <mc:Choice Requires="p14">
+      <p:transition spd="med" p14:dur="700">
+        <p:fade/>
+      </p:transition>
+    </mc:Choice>
+    <mc:Fallback xmlns="">
+      <p:transition spd="med">
+        <p:fade/>
+      </p:transition>
+    </mc:Fallback>
+  </mc:AlternateContent>
+</p:sld>
+</file>
+
+<file path=ppt/slides/slide25.xml><?xml version="1.0" encoding="utf-8"?>
+<p:sld xmlns:a="http://schemas.openxmlformats.org/drawingml/2006/main" xmlns:r="http://schemas.openxmlformats.org/officeDocument/2006/relationships" xmlns:p="http://schemas.openxmlformats.org/presentationml/2006/main">
+  <p:cSld>
+    <p:spTree>
+      <p:nvGrpSpPr>
+        <p:cNvPr id="1" name=""/>
+        <p:cNvGrpSpPr/>
+        <p:nvPr/>
+      </p:nvGrpSpPr>
+      <p:grpSpPr>
+        <a:xfrm>
+          <a:off x="0" y="0"/>
+          <a:ext cx="0" cy="0"/>
+          <a:chOff x="0" y="0"/>
+          <a:chExt cx="0" cy="0"/>
+        </a:xfrm>
+      </p:grpSpPr>
+      <p:sp>
+        <p:nvSpPr>
+          <p:cNvPr id="14" name="מציין מיקום תוכן 13"/>
+          <p:cNvSpPr>
+            <a:spLocks noGrp="1"/>
+          </p:cNvSpPr>
+          <p:nvPr>
+            <p:ph idx="1"/>
+          </p:nvPr>
+        </p:nvSpPr>
+        <p:spPr>
+          <a:xfrm>
+            <a:off x="1629916" y="1556792"/>
+            <a:ext cx="9134391" cy="4114801"/>
+          </a:xfrm>
+        </p:spPr>
+        <p:txBody>
+          <a:bodyPr rtlCol="1">
+            <a:normAutofit/>
+          </a:bodyPr>
+          <a:lstStyle/>
+          <a:p>
+            <a:r>
+              <a:rPr lang="he-IL" dirty="0">
+                <a:latin typeface="Times New Roman" panose="02020603050405020304" pitchFamily="18" charset="0"/>
+                <a:cs typeface="Times New Roman" panose="02020603050405020304" pitchFamily="18" charset="0"/>
+              </a:rPr>
+              <a:t>שאלת המחקר הייתה "האם משתלם לפטר מאמן באמצע העונה בליגת ה-</a:t>
+            </a:r>
+            <a:r>
+              <a:rPr lang="en-US" dirty="0">
+                <a:latin typeface="Times New Roman" panose="02020603050405020304" pitchFamily="18" charset="0"/>
+                <a:cs typeface="Times New Roman" panose="02020603050405020304" pitchFamily="18" charset="0"/>
+              </a:rPr>
+              <a:t>?NBA</a:t>
+            </a:r>
+            <a:r>
+              <a:rPr lang="he-IL" dirty="0">
+                <a:latin typeface="Times New Roman" panose="02020603050405020304" pitchFamily="18" charset="0"/>
+                <a:cs typeface="Times New Roman" panose="02020603050405020304" pitchFamily="18" charset="0"/>
+              </a:rPr>
+              <a:t> " והתשובה הינה שיש זמנים מסוימים בעונה שכן משתלם לפטר את המאמן וגם מה מוגדר מבחינת הבעלים כהצלחה בעת פיטור מאמן.</a:t>
+            </a:r>
+          </a:p>
+          <a:p>
+            <a:r>
+              <a:rPr lang="he-IL" dirty="0">
+                <a:latin typeface="Times New Roman" panose="02020603050405020304" pitchFamily="18" charset="0"/>
+                <a:cs typeface="Times New Roman" panose="02020603050405020304" pitchFamily="18" charset="0"/>
+              </a:rPr>
+              <a:t>במידה ומספר המשחקים הינו פחות משליש מסך כל המשחקים ומאזן המאמן הינו נמוך יש סיכוי סביר שההחלפה תהה יעילה ואחוז ההצלחה של המאמן הבא יהיה טוב מהמאמן הקודם.</a:t>
+            </a:r>
+          </a:p>
+          <a:p>
+            <a:r>
+              <a:rPr lang="he-IL" dirty="0">
+                <a:latin typeface="Times New Roman" panose="02020603050405020304" pitchFamily="18" charset="0"/>
+                <a:cs typeface="Times New Roman" panose="02020603050405020304" pitchFamily="18" charset="0"/>
+              </a:rPr>
+              <a:t>ככל שיש יותר חילופים במהלך השנה של מאמנים אחוזי הסיכוי להצלחה גדלים גם כן.</a:t>
+            </a:r>
+          </a:p>
+        </p:txBody>
+      </p:sp>
+      <p:sp>
+        <p:nvSpPr>
+          <p:cNvPr id="4" name="מלבן 3">
+            <a:extLst>
+              <a:ext uri="{FF2B5EF4-FFF2-40B4-BE49-F238E27FC236}">
+                <a16:creationId xmlns:a16="http://schemas.microsoft.com/office/drawing/2014/main" id="{CE2849DA-7348-4A16-A747-95C52780E045}"/>
+              </a:ext>
+            </a:extLst>
+          </p:cNvPr>
+          <p:cNvSpPr/>
+          <p:nvPr/>
+        </p:nvSpPr>
+        <p:spPr>
+          <a:xfrm>
+            <a:off x="9964724" y="31806"/>
+            <a:ext cx="1915910" cy="1107996"/>
+          </a:xfrm>
+          <a:prstGeom prst="rect">
+            <a:avLst/>
+          </a:prstGeom>
+          <a:noFill/>
+        </p:spPr>
+        <p:txBody>
+          <a:bodyPr wrap="none" lIns="91440" tIns="45720" rIns="91440" bIns="45720">
+            <a:spAutoFit/>
+          </a:bodyPr>
+          <a:lstStyle/>
+          <a:p>
+            <a:r>
+              <a:rPr lang="he-IL" sz="6600" b="1" cap="none" spc="0" dirty="0">
+                <a:ln w="0"/>
+                <a:solidFill>
+                  <a:schemeClr val="tx1"/>
+                </a:solidFill>
+                <a:effectLst>
+                  <a:outerShdw blurRad="38100" dist="19050" dir="2700000" algn="tl" rotWithShape="0">
+                    <a:schemeClr val="dk1">
+                      <a:alpha val="40000"/>
+                    </a:schemeClr>
+                  </a:outerShdw>
+                </a:effectLst>
+                <a:latin typeface="Times New Roman" panose="02020603050405020304" pitchFamily="18" charset="0"/>
+                <a:cs typeface="Times New Roman" panose="02020603050405020304" pitchFamily="18" charset="0"/>
+              </a:rPr>
+              <a:t>סיכום</a:t>
+            </a:r>
+          </a:p>
+        </p:txBody>
+      </p:sp>
+    </p:spTree>
+    <p:extLst>
+      <p:ext uri="{BB962C8B-B14F-4D97-AF65-F5344CB8AC3E}">
+        <p14:creationId xmlns:p14="http://schemas.microsoft.com/office/powerpoint/2010/main" val="927740739"/>
+      </p:ext>
+    </p:extLst>
+  </p:cSld>
+  <p:clrMapOvr>
+    <a:masterClrMapping/>
+  </p:clrMapOvr>
+  <mc:AlternateContent xmlns:mc="http://schemas.openxmlformats.org/markup-compatibility/2006" xmlns:p14="http://schemas.microsoft.com/office/powerpoint/2010/main">
+    <mc:Choice Requires="p14">
+      <p:transition spd="med" p14:dur="700">
+        <p:fade/>
+      </p:transition>
+    </mc:Choice>
+    <mc:Fallback xmlns="">
+      <p:transition spd="med">
+        <p:fade/>
+      </p:transition>
+    </mc:Fallback>
+  </mc:AlternateContent>
+</p:sld>
+</file>
+
+<file path=ppt/slides/slide26.xml><?xml version="1.0" encoding="utf-8"?>
+<p:sld xmlns:a="http://schemas.openxmlformats.org/drawingml/2006/main" xmlns:r="http://schemas.openxmlformats.org/officeDocument/2006/relationships" xmlns:p="http://schemas.openxmlformats.org/presentationml/2006/main">
+  <p:cSld>
+    <p:spTree>
+      <p:nvGrpSpPr>
+        <p:cNvPr id="1" name=""/>
+        <p:cNvGrpSpPr/>
+        <p:nvPr/>
+      </p:nvGrpSpPr>
+      <p:grpSpPr>
+        <a:xfrm>
+          <a:off x="0" y="0"/>
+          <a:ext cx="0" cy="0"/>
+          <a:chOff x="0" y="0"/>
+          <a:chExt cx="0" cy="0"/>
+        </a:xfrm>
+      </p:grpSpPr>
+      <p:sp>
+        <p:nvSpPr>
+          <p:cNvPr id="14" name="מציין מיקום תוכן 13"/>
+          <p:cNvSpPr>
+            <a:spLocks noGrp="1"/>
+          </p:cNvSpPr>
+          <p:nvPr>
+            <p:ph idx="1"/>
+          </p:nvPr>
+        </p:nvSpPr>
+        <p:spPr>
+          <a:xfrm>
+            <a:off x="1629916" y="1556792"/>
+            <a:ext cx="9134391" cy="4114801"/>
+          </a:xfrm>
+        </p:spPr>
+        <p:txBody>
+          <a:bodyPr rtlCol="1">
+            <a:normAutofit/>
+          </a:bodyPr>
+          <a:lstStyle/>
+          <a:p>
+            <a:r>
+              <a:rPr lang="he-IL" dirty="0">
+                <a:latin typeface="Times New Roman" panose="02020603050405020304" pitchFamily="18" charset="0"/>
+                <a:cs typeface="Times New Roman" panose="02020603050405020304" pitchFamily="18" charset="0"/>
+              </a:rPr>
+              <a:t>הנתונים הינם מעטים אך ממצים מאוד את המסקנות לגבי ליגת ה</a:t>
+            </a:r>
+            <a:r>
+              <a:rPr lang="en-US" dirty="0">
+                <a:latin typeface="Times New Roman" panose="02020603050405020304" pitchFamily="18" charset="0"/>
+                <a:cs typeface="Times New Roman" panose="02020603050405020304" pitchFamily="18" charset="0"/>
+              </a:rPr>
+              <a:t>NBA</a:t>
+            </a:r>
+            <a:r>
+              <a:rPr lang="he-IL" dirty="0">
+                <a:latin typeface="Times New Roman" panose="02020603050405020304" pitchFamily="18" charset="0"/>
+                <a:cs typeface="Times New Roman" panose="02020603050405020304" pitchFamily="18" charset="0"/>
+              </a:rPr>
+              <a:t>. במידה והיו יותר נתונים היינו מגיעים למסקנות רבות יותר.</a:t>
+            </a:r>
+          </a:p>
+          <a:p>
+            <a:r>
+              <a:rPr lang="he-IL" dirty="0">
+                <a:latin typeface="Times New Roman" panose="02020603050405020304" pitchFamily="18" charset="0"/>
+                <a:cs typeface="Times New Roman" panose="02020603050405020304" pitchFamily="18" charset="0"/>
+              </a:rPr>
+              <a:t>שאלת המחקר תלויה בהנחות יסוד שלפעמים לא ניתן להניח במהלך העונה אבל ניתן להבין מתי דפוס של פיטורי מאמן יכולים להצליח ומתי סביר שלא.</a:t>
+            </a:r>
+          </a:p>
+          <a:p>
+            <a:r>
+              <a:rPr lang="he-IL" dirty="0">
+                <a:latin typeface="Times New Roman" panose="02020603050405020304" pitchFamily="18" charset="0"/>
+                <a:cs typeface="Times New Roman" panose="02020603050405020304" pitchFamily="18" charset="0"/>
+              </a:rPr>
+              <a:t>הדגש בעבודה היה יותר על הזחלן והנתונים ופחות על החיזוי, אנו מאמינים שבאם היה מידע נוסף תוצאות החיזוי היו גדלות משמעותית וכך גם מסקנות מדויקות יותר.</a:t>
+            </a:r>
+          </a:p>
+        </p:txBody>
+      </p:sp>
+      <p:sp>
+        <p:nvSpPr>
+          <p:cNvPr id="4" name="מלבן 3">
+            <a:extLst>
+              <a:ext uri="{FF2B5EF4-FFF2-40B4-BE49-F238E27FC236}">
+                <a16:creationId xmlns:a16="http://schemas.microsoft.com/office/drawing/2014/main" id="{CE2849DA-7348-4A16-A747-95C52780E045}"/>
+              </a:ext>
+            </a:extLst>
+          </p:cNvPr>
+          <p:cNvSpPr/>
+          <p:nvPr/>
+        </p:nvSpPr>
+        <p:spPr>
+          <a:xfrm>
+            <a:off x="5744018" y="31806"/>
+            <a:ext cx="6136616" cy="1107996"/>
+          </a:xfrm>
+          <a:prstGeom prst="rect">
+            <a:avLst/>
+          </a:prstGeom>
+          <a:noFill/>
+        </p:spPr>
+        <p:txBody>
+          <a:bodyPr wrap="none" lIns="91440" tIns="45720" rIns="91440" bIns="45720">
+            <a:spAutoFit/>
+          </a:bodyPr>
+          <a:lstStyle/>
+          <a:p>
+            <a:r>
+              <a:rPr lang="he-IL" sz="6600" b="1" cap="none" spc="0" dirty="0">
+                <a:ln w="0"/>
+                <a:solidFill>
+                  <a:schemeClr val="tx1"/>
+                </a:solidFill>
+                <a:effectLst>
+                  <a:outerShdw blurRad="38100" dist="19050" dir="2700000" algn="tl" rotWithShape="0">
+                    <a:schemeClr val="dk1">
+                      <a:alpha val="40000"/>
+                    </a:schemeClr>
+                  </a:outerShdw>
+                </a:effectLst>
+                <a:latin typeface="Times New Roman" panose="02020603050405020304" pitchFamily="18" charset="0"/>
+                <a:cs typeface="Times New Roman" panose="02020603050405020304" pitchFamily="18" charset="0"/>
+              </a:rPr>
+              <a:t>סיכום בנימה אישית</a:t>
+            </a:r>
+          </a:p>
+        </p:txBody>
+      </p:sp>
+    </p:spTree>
+    <p:extLst>
+      <p:ext uri="{BB962C8B-B14F-4D97-AF65-F5344CB8AC3E}">
+        <p14:creationId xmlns:p14="http://schemas.microsoft.com/office/powerpoint/2010/main" val="189539004"/>
+      </p:ext>
+    </p:extLst>
+  </p:cSld>
+  <p:clrMapOvr>
+    <a:masterClrMapping/>
+  </p:clrMapOvr>
+  <mc:AlternateContent xmlns:mc="http://schemas.openxmlformats.org/markup-compatibility/2006" xmlns:p14="http://schemas.microsoft.com/office/powerpoint/2010/main">
+    <mc:Choice Requires="p14">
+      <p:transition spd="med" p14:dur="700">
+        <p:fade/>
+      </p:transition>
+    </mc:Choice>
+    <mc:Fallback xmlns="">
+      <p:transition spd="med">
+        <p:fade/>
+      </p:transition>
+    </mc:Fallback>
+  </mc:AlternateContent>
+</p:sld>
+</file>
+
+<file path=ppt/slides/slide27.xml><?xml version="1.0" encoding="utf-8"?>
+<p:sld xmlns:a="http://schemas.openxmlformats.org/drawingml/2006/main" xmlns:r="http://schemas.openxmlformats.org/officeDocument/2006/relationships" xmlns:p="http://schemas.openxmlformats.org/presentationml/2006/main">
+  <p:cSld>
+    <p:spTree>
+      <p:nvGrpSpPr>
+        <p:cNvPr id="1" name=""/>
+        <p:cNvGrpSpPr/>
+        <p:nvPr/>
+      </p:nvGrpSpPr>
+      <p:grpSpPr>
+        <a:xfrm>
+          <a:off x="0" y="0"/>
+          <a:ext cx="0" cy="0"/>
+          <a:chOff x="0" y="0"/>
+          <a:chExt cx="0" cy="0"/>
+        </a:xfrm>
+      </p:grpSpPr>
+      <p:sp>
+        <p:nvSpPr>
+          <p:cNvPr id="4" name="מלבן 3">
+            <a:extLst>
+              <a:ext uri="{FF2B5EF4-FFF2-40B4-BE49-F238E27FC236}">
+                <a16:creationId xmlns:a16="http://schemas.microsoft.com/office/drawing/2014/main" id="{89088BF8-3BA2-4CC1-8D89-90DF2912C438}"/>
+              </a:ext>
+            </a:extLst>
+          </p:cNvPr>
+          <p:cNvSpPr/>
+          <p:nvPr/>
+        </p:nvSpPr>
+        <p:spPr>
+          <a:xfrm>
+            <a:off x="3444490" y="2875002"/>
+            <a:ext cx="5299849" cy="1107996"/>
+          </a:xfrm>
+          <a:prstGeom prst="rect">
+            <a:avLst/>
+          </a:prstGeom>
+          <a:noFill/>
+        </p:spPr>
+        <p:txBody>
+          <a:bodyPr wrap="none" lIns="91440" tIns="45720" rIns="91440" bIns="45720">
+            <a:spAutoFit/>
+          </a:bodyPr>
+          <a:lstStyle/>
+          <a:p>
+            <a:pPr algn="ctr"/>
+            <a:r>
+              <a:rPr lang="he-IL" sz="6600" b="1" cap="none" spc="0" dirty="0">
+                <a:ln w="0"/>
+                <a:solidFill>
+                  <a:schemeClr val="tx1"/>
+                </a:solidFill>
+                <a:effectLst>
+                  <a:outerShdw blurRad="38100" dist="19050" dir="2700000" algn="tl" rotWithShape="0">
+                    <a:schemeClr val="dk1">
+                      <a:alpha val="40000"/>
+                    </a:schemeClr>
+                  </a:outerShdw>
+                </a:effectLst>
+                <a:latin typeface="Times New Roman" panose="02020603050405020304" pitchFamily="18" charset="0"/>
+                <a:cs typeface="Times New Roman" panose="02020603050405020304" pitchFamily="18" charset="0"/>
+              </a:rPr>
+              <a:t>תודה על הקריאה</a:t>
+            </a:r>
+          </a:p>
+        </p:txBody>
+      </p:sp>
+    </p:spTree>
+    <p:extLst>
+      <p:ext uri="{BB962C8B-B14F-4D97-AF65-F5344CB8AC3E}">
+        <p14:creationId xmlns:p14="http://schemas.microsoft.com/office/powerpoint/2010/main" val="1506824754"/>
+      </p:ext>
+    </p:extLst>
+  </p:cSld>
+  <p:clrMapOvr>
+    <a:masterClrMapping/>
+  </p:clrMapOvr>
+  <mc:AlternateContent xmlns:mc="http://schemas.openxmlformats.org/markup-compatibility/2006" xmlns:p14="http://schemas.microsoft.com/office/powerpoint/2010/main">
+    <mc:Choice Requires="p14">
+      <p:transition spd="med" p14:dur="700">
+        <p:fade/>
+      </p:transition>
+    </mc:Choice>
+    <mc:Fallback xmlns="">
+      <p:transition spd="med">
+        <p:fade/>
+      </p:transition>
+    </mc:Fallback>
+  </mc:AlternateContent>
+</p:sld>
+</file>
+
+<file path=ppt/slides/slide28.xml><?xml version="1.0" encoding="utf-8"?>
+<p:sld xmlns:a="http://schemas.openxmlformats.org/drawingml/2006/main" xmlns:r="http://schemas.openxmlformats.org/officeDocument/2006/relationships" xmlns:p="http://schemas.openxmlformats.org/presentationml/2006/main">
+  <p:cSld>
+    <p:spTree>
+      <p:nvGrpSpPr>
+        <p:cNvPr id="1" name=""/>
+        <p:cNvGrpSpPr/>
+        <p:nvPr/>
+      </p:nvGrpSpPr>
+      <p:grpSpPr>
+        <a:xfrm>
+          <a:off x="0" y="0"/>
+          <a:ext cx="0" cy="0"/>
+          <a:chOff x="0" y="0"/>
+          <a:chExt cx="0" cy="0"/>
+        </a:xfrm>
+      </p:grpSpPr>
+      <p:sp>
+        <p:nvSpPr>
+          <p:cNvPr id="4" name="מלבן 3">
+            <a:extLst>
+              <a:ext uri="{FF2B5EF4-FFF2-40B4-BE49-F238E27FC236}">
+                <a16:creationId xmlns:a16="http://schemas.microsoft.com/office/drawing/2014/main" id="{89088BF8-3BA2-4CC1-8D89-90DF2912C438}"/>
+              </a:ext>
+            </a:extLst>
+          </p:cNvPr>
+          <p:cNvSpPr/>
+          <p:nvPr/>
+        </p:nvSpPr>
+        <p:spPr>
+          <a:xfrm>
+            <a:off x="4912039" y="2875002"/>
+            <a:ext cx="2364750" cy="1107996"/>
+          </a:xfrm>
+          <a:prstGeom prst="rect">
+            <a:avLst/>
+          </a:prstGeom>
+          <a:noFill/>
+        </p:spPr>
+        <p:txBody>
+          <a:bodyPr wrap="none" lIns="91440" tIns="45720" rIns="91440" bIns="45720">
+            <a:spAutoFit/>
+          </a:bodyPr>
+          <a:lstStyle/>
+          <a:p>
+            <a:pPr algn="ctr"/>
+            <a:r>
+              <a:rPr lang="he-IL" sz="6600" b="1" cap="none" spc="0" dirty="0">
+                <a:ln w="0"/>
+                <a:solidFill>
+                  <a:schemeClr val="tx1"/>
+                </a:solidFill>
+                <a:effectLst>
+                  <a:outerShdw blurRad="38100" dist="19050" dir="2700000" algn="tl" rotWithShape="0">
+                    <a:schemeClr val="dk1">
+                      <a:alpha val="40000"/>
+                    </a:schemeClr>
+                  </a:outerShdw>
+                </a:effectLst>
+                <a:latin typeface="Times New Roman" panose="02020603050405020304" pitchFamily="18" charset="0"/>
+                <a:cs typeface="Times New Roman" panose="02020603050405020304" pitchFamily="18" charset="0"/>
+              </a:rPr>
+              <a:t>נספחים</a:t>
+            </a:r>
+          </a:p>
+        </p:txBody>
+      </p:sp>
+    </p:spTree>
+    <p:extLst>
+      <p:ext uri="{BB962C8B-B14F-4D97-AF65-F5344CB8AC3E}">
+        <p14:creationId xmlns:p14="http://schemas.microsoft.com/office/powerpoint/2010/main" val="3815974993"/>
+      </p:ext>
+    </p:extLst>
+  </p:cSld>
+  <p:clrMapOvr>
+    <a:masterClrMapping/>
+  </p:clrMapOvr>
+  <mc:AlternateContent xmlns:mc="http://schemas.openxmlformats.org/markup-compatibility/2006" xmlns:p14="http://schemas.microsoft.com/office/powerpoint/2010/main">
+    <mc:Choice Requires="p14">
+      <p:transition spd="med" p14:dur="700">
+        <p:fade/>
+      </p:transition>
+    </mc:Choice>
+    <mc:Fallback xmlns="">
+      <p:transition spd="med">
+        <p:fade/>
+      </p:transition>
+    </mc:Fallback>
+  </mc:AlternateContent>
+</p:sld>
+</file>
+
+<file path=ppt/slides/slide29.xml><?xml version="1.0" encoding="utf-8"?>
 <p:sld xmlns:a="http://schemas.openxmlformats.org/drawingml/2006/main" xmlns:r="http://schemas.openxmlformats.org/officeDocument/2006/relationships" xmlns:p="http://schemas.openxmlformats.org/presentationml/2006/main">
   <p:cSld>
     <p:spTree>
@@ -8756,7 +10387,257 @@
 </p:sld>
 </file>
 
-<file path=ppt/slides/slide23.xml><?xml version="1.0" encoding="utf-8"?>
+<file path=ppt/slides/slide3.xml><?xml version="1.0" encoding="utf-8"?>
+<p:sld xmlns:a="http://schemas.openxmlformats.org/drawingml/2006/main" xmlns:r="http://schemas.openxmlformats.org/officeDocument/2006/relationships" xmlns:p="http://schemas.openxmlformats.org/presentationml/2006/main">
+  <p:cSld>
+    <p:spTree>
+      <p:nvGrpSpPr>
+        <p:cNvPr id="1" name=""/>
+        <p:cNvGrpSpPr/>
+        <p:nvPr/>
+      </p:nvGrpSpPr>
+      <p:grpSpPr>
+        <a:xfrm>
+          <a:off x="0" y="0"/>
+          <a:ext cx="0" cy="0"/>
+          <a:chOff x="0" y="0"/>
+          <a:chExt cx="0" cy="0"/>
+        </a:xfrm>
+      </p:grpSpPr>
+      <p:sp>
+        <p:nvSpPr>
+          <p:cNvPr id="14" name="מציין מיקום תוכן 13"/>
+          <p:cNvSpPr>
+            <a:spLocks noGrp="1"/>
+          </p:cNvSpPr>
+          <p:nvPr>
+            <p:ph idx="1"/>
+          </p:nvPr>
+        </p:nvSpPr>
+        <p:spPr>
+          <a:xfrm>
+            <a:off x="1629916" y="1556792"/>
+            <a:ext cx="9134391" cy="4114801"/>
+          </a:xfrm>
+        </p:spPr>
+        <p:txBody>
+          <a:bodyPr rtlCol="1">
+            <a:normAutofit lnSpcReduction="10000"/>
+          </a:bodyPr>
+          <a:lstStyle/>
+          <a:p>
+            <a:r>
+              <a:rPr lang="he-IL" dirty="0">
+                <a:latin typeface="Times New Roman" panose="02020603050405020304" pitchFamily="18" charset="0"/>
+                <a:cs typeface="Times New Roman" panose="02020603050405020304" pitchFamily="18" charset="0"/>
+              </a:rPr>
+              <a:t>בשלב הראשון בנינו זחלן שמביא את נתוני המאמנים מהאתר המצורף מטה מהעונה הראשונה (1946) ועד לעונה האחרונה שהושלמה ב 2019:</a:t>
+            </a:r>
+            <a:br>
+              <a:rPr lang="en-US" dirty="0">
+                <a:latin typeface="Times New Roman" panose="02020603050405020304" pitchFamily="18" charset="0"/>
+                <a:cs typeface="Times New Roman" panose="02020603050405020304" pitchFamily="18" charset="0"/>
+              </a:rPr>
+            </a:br>
+            <a:r>
+              <a:rPr lang="en-US" dirty="0">
+                <a:latin typeface="Times New Roman" panose="02020603050405020304" pitchFamily="18" charset="0"/>
+                <a:cs typeface="Times New Roman" panose="02020603050405020304" pitchFamily="18" charset="0"/>
+                <a:hlinkClick r:id="rId3"/>
+              </a:rPr>
+              <a:t>https://www.basketball-reference.com/teams/</a:t>
+            </a:r>
+            <a:endParaRPr lang="en-US" dirty="0">
+              <a:latin typeface="Times New Roman" panose="02020603050405020304" pitchFamily="18" charset="0"/>
+              <a:cs typeface="Times New Roman" panose="02020603050405020304" pitchFamily="18" charset="0"/>
+            </a:endParaRPr>
+          </a:p>
+          <a:p>
+            <a:r>
+              <a:rPr lang="he-IL" dirty="0">
+                <a:latin typeface="Times New Roman" panose="02020603050405020304" pitchFamily="18" charset="0"/>
+                <a:cs typeface="Times New Roman" panose="02020603050405020304" pitchFamily="18" charset="0"/>
+              </a:rPr>
+              <a:t>המידע סודר ב </a:t>
+            </a:r>
+            <a:r>
+              <a:rPr lang="en-US" dirty="0" err="1">
+                <a:latin typeface="Times New Roman" panose="02020603050405020304" pitchFamily="18" charset="0"/>
+                <a:cs typeface="Times New Roman" panose="02020603050405020304" pitchFamily="18" charset="0"/>
+              </a:rPr>
+              <a:t>DataSets</a:t>
+            </a:r>
+            <a:r>
+              <a:rPr lang="he-IL" dirty="0">
+                <a:latin typeface="Times New Roman" panose="02020603050405020304" pitchFamily="18" charset="0"/>
+                <a:cs typeface="Times New Roman" panose="02020603050405020304" pitchFamily="18" charset="0"/>
+              </a:rPr>
+              <a:t> שונים עבור כל קבוצה בנפרד.</a:t>
+            </a:r>
+          </a:p>
+          <a:p>
+            <a:r>
+              <a:rPr lang="he-IL" dirty="0">
+                <a:latin typeface="Times New Roman" panose="02020603050405020304" pitchFamily="18" charset="0"/>
+                <a:cs typeface="Times New Roman" panose="02020603050405020304" pitchFamily="18" charset="0"/>
+              </a:rPr>
+              <a:t>המידע סודר לפי שנים – כל מאמן קיבל עמודה על שמו, המאזן שלו, כמות </a:t>
+            </a:r>
+            <a:r>
+              <a:rPr lang="he-IL" dirty="0" err="1">
+                <a:latin typeface="Times New Roman" panose="02020603050405020304" pitchFamily="18" charset="0"/>
+                <a:cs typeface="Times New Roman" panose="02020603050405020304" pitchFamily="18" charset="0"/>
+              </a:rPr>
+              <a:t>הנצחונות</a:t>
+            </a:r>
+            <a:r>
+              <a:rPr lang="he-IL" dirty="0">
+                <a:latin typeface="Times New Roman" panose="02020603050405020304" pitchFamily="18" charset="0"/>
+                <a:cs typeface="Times New Roman" panose="02020603050405020304" pitchFamily="18" charset="0"/>
+              </a:rPr>
+              <a:t>, כמות ההפסדים ואחוז ההצלחה שלו. סה"כ 5 עמודות </a:t>
+            </a:r>
+            <a:r>
+              <a:rPr lang="en-US" dirty="0">
+                <a:latin typeface="Times New Roman" panose="02020603050405020304" pitchFamily="18" charset="0"/>
+                <a:cs typeface="Times New Roman" panose="02020603050405020304" pitchFamily="18" charset="0"/>
+              </a:rPr>
+              <a:t>X</a:t>
+            </a:r>
+            <a:r>
+              <a:rPr lang="he-IL" dirty="0">
+                <a:latin typeface="Times New Roman" panose="02020603050405020304" pitchFamily="18" charset="0"/>
+                <a:cs typeface="Times New Roman" panose="02020603050405020304" pitchFamily="18" charset="0"/>
+              </a:rPr>
+              <a:t> מקסימום 4 מאמנים לקבוצה בעונה = 20 עמודות בקבצי המידע הראשוניים.</a:t>
+            </a:r>
+          </a:p>
+          <a:p>
+            <a:r>
+              <a:rPr lang="he-IL" dirty="0">
+                <a:latin typeface="Times New Roman" panose="02020603050405020304" pitchFamily="18" charset="0"/>
+                <a:cs typeface="Times New Roman" panose="02020603050405020304" pitchFamily="18" charset="0"/>
+              </a:rPr>
+              <a:t>איחדנו את כלל המידע ב</a:t>
+            </a:r>
+            <a:r>
+              <a:rPr lang="en-US" dirty="0">
+                <a:latin typeface="Times New Roman" panose="02020603050405020304" pitchFamily="18" charset="0"/>
+                <a:cs typeface="Times New Roman" panose="02020603050405020304" pitchFamily="18" charset="0"/>
+              </a:rPr>
+              <a:t> </a:t>
+            </a:r>
+            <a:r>
+              <a:rPr lang="he-IL" dirty="0">
+                <a:latin typeface="Times New Roman" panose="02020603050405020304" pitchFamily="18" charset="0"/>
+                <a:cs typeface="Times New Roman" panose="02020603050405020304" pitchFamily="18" charset="0"/>
+              </a:rPr>
+              <a:t>- </a:t>
+            </a:r>
+            <a:r>
+              <a:rPr lang="en-US" dirty="0" err="1">
+                <a:latin typeface="Times New Roman" panose="02020603050405020304" pitchFamily="18" charset="0"/>
+                <a:cs typeface="Times New Roman" panose="02020603050405020304" pitchFamily="18" charset="0"/>
+              </a:rPr>
+              <a:t>DataSets</a:t>
+            </a:r>
+            <a:r>
+              <a:rPr lang="he-IL" dirty="0">
+                <a:latin typeface="Times New Roman" panose="02020603050405020304" pitchFamily="18" charset="0"/>
+                <a:cs typeface="Times New Roman" panose="02020603050405020304" pitchFamily="18" charset="0"/>
+              </a:rPr>
+              <a:t> שונים בסגנונות שונים: אחד לניתוח סטטיסטי ותצוגה גרפית והשני מצומצם עבור חיזוי עתידי. בנוסף, ביצענו חילוק נוסף לפי הפרש ההצלחה. בדקנו פעם אחת שהצלחה מוגדרת שאם המאמן הבא הצליח בלפחות 0% מקודמו ופעם שניה שהצלחה מוגדרת אם המאמן הבא הצליח בלפחות 5% מקודמו.</a:t>
+            </a:r>
+          </a:p>
+        </p:txBody>
+      </p:sp>
+      <p:sp>
+        <p:nvSpPr>
+          <p:cNvPr id="4" name="מלבן 3">
+            <a:extLst>
+              <a:ext uri="{FF2B5EF4-FFF2-40B4-BE49-F238E27FC236}">
+                <a16:creationId xmlns:a16="http://schemas.microsoft.com/office/drawing/2014/main" id="{CE2849DA-7348-4A16-A747-95C52780E045}"/>
+              </a:ext>
+            </a:extLst>
+          </p:cNvPr>
+          <p:cNvSpPr/>
+          <p:nvPr/>
+        </p:nvSpPr>
+        <p:spPr>
+          <a:xfrm>
+            <a:off x="6066222" y="31806"/>
+            <a:ext cx="5814412" cy="1107996"/>
+          </a:xfrm>
+          <a:prstGeom prst="rect">
+            <a:avLst/>
+          </a:prstGeom>
+          <a:noFill/>
+        </p:spPr>
+        <p:txBody>
+          <a:bodyPr wrap="none" lIns="91440" tIns="45720" rIns="91440" bIns="45720">
+            <a:spAutoFit/>
+          </a:bodyPr>
+          <a:lstStyle/>
+          <a:p>
+            <a:r>
+              <a:rPr lang="he-IL" sz="6600" b="1" dirty="0">
+                <a:ln w="0"/>
+                <a:effectLst>
+                  <a:outerShdw blurRad="38100" dist="19050" dir="2700000" algn="tl" rotWithShape="0">
+                    <a:schemeClr val="dk1">
+                      <a:alpha val="40000"/>
+                    </a:schemeClr>
+                  </a:outerShdw>
+                </a:effectLst>
+                <a:latin typeface="Times New Roman" panose="02020603050405020304" pitchFamily="18" charset="0"/>
+                <a:cs typeface="Times New Roman" panose="02020603050405020304" pitchFamily="18" charset="0"/>
+              </a:rPr>
+              <a:t>איך הושגה תשובה</a:t>
+            </a:r>
+            <a:endParaRPr lang="he-IL" sz="6600" b="1" cap="none" spc="0" dirty="0">
+              <a:ln w="0"/>
+              <a:solidFill>
+                <a:schemeClr val="tx1"/>
+              </a:solidFill>
+              <a:effectLst>
+                <a:outerShdw blurRad="38100" dist="19050" dir="2700000" algn="tl" rotWithShape="0">
+                  <a:schemeClr val="dk1">
+                    <a:alpha val="40000"/>
+                  </a:schemeClr>
+                </a:outerShdw>
+              </a:effectLst>
+              <a:latin typeface="Times New Roman" panose="02020603050405020304" pitchFamily="18" charset="0"/>
+              <a:cs typeface="Times New Roman" panose="02020603050405020304" pitchFamily="18" charset="0"/>
+            </a:endParaRPr>
+          </a:p>
+        </p:txBody>
+      </p:sp>
+    </p:spTree>
+    <p:extLst>
+      <p:ext uri="{BB962C8B-B14F-4D97-AF65-F5344CB8AC3E}">
+        <p14:creationId xmlns:p14="http://schemas.microsoft.com/office/powerpoint/2010/main" val="1012716763"/>
+      </p:ext>
+    </p:extLst>
+  </p:cSld>
+  <p:clrMapOvr>
+    <a:masterClrMapping/>
+  </p:clrMapOvr>
+  <mc:AlternateContent xmlns:mc="http://schemas.openxmlformats.org/markup-compatibility/2006" xmlns:p14="http://schemas.microsoft.com/office/powerpoint/2010/main">
+    <mc:Choice Requires="p14">
+      <p:transition spd="med" p14:dur="700">
+        <p:fade/>
+      </p:transition>
+    </mc:Choice>
+    <mc:Fallback xmlns="">
+      <p:transition spd="med">
+        <p:fade/>
+      </p:transition>
+    </mc:Fallback>
+  </mc:AlternateContent>
+</p:sld>
+</file>
+
+<file path=ppt/slides/slide30.xml><?xml version="1.0" encoding="utf-8"?>
 <p:sld xmlns:a="http://schemas.openxmlformats.org/drawingml/2006/main" xmlns:r="http://schemas.openxmlformats.org/officeDocument/2006/relationships" xmlns:p="http://schemas.openxmlformats.org/presentationml/2006/main">
   <p:cSld>
     <p:spTree>
@@ -8889,7 +10770,7 @@
 </p:sld>
 </file>
 
-<file path=ppt/slides/slide24.xml><?xml version="1.0" encoding="utf-8"?>
+<file path=ppt/slides/slide31.xml><?xml version="1.0" encoding="utf-8"?>
 <p:sld xmlns:a="http://schemas.openxmlformats.org/drawingml/2006/main" xmlns:r="http://schemas.openxmlformats.org/officeDocument/2006/relationships" xmlns:p="http://schemas.openxmlformats.org/presentationml/2006/main">
   <p:cSld>
     <p:spTree>
@@ -9052,7 +10933,7 @@
 </p:sld>
 </file>
 
-<file path=ppt/slides/slide25.xml><?xml version="1.0" encoding="utf-8"?>
+<file path=ppt/slides/slide32.xml><?xml version="1.0" encoding="utf-8"?>
 <p:sld xmlns:a="http://schemas.openxmlformats.org/drawingml/2006/main" xmlns:r="http://schemas.openxmlformats.org/officeDocument/2006/relationships" xmlns:p="http://schemas.openxmlformats.org/presentationml/2006/main">
   <p:cSld>
     <p:spTree>
@@ -9185,7 +11066,7 @@
 </p:sld>
 </file>
 
-<file path=ppt/slides/slide26.xml><?xml version="1.0" encoding="utf-8"?>
+<file path=ppt/slides/slide33.xml><?xml version="1.0" encoding="utf-8"?>
 <p:sld xmlns:a="http://schemas.openxmlformats.org/drawingml/2006/main" xmlns:r="http://schemas.openxmlformats.org/officeDocument/2006/relationships" xmlns:p="http://schemas.openxmlformats.org/presentationml/2006/main">
   <p:cSld>
     <p:spTree>
@@ -9318,7 +11199,7 @@
 </p:sld>
 </file>
 
-<file path=ppt/slides/slide27.xml><?xml version="1.0" encoding="utf-8"?>
+<file path=ppt/slides/slide34.xml><?xml version="1.0" encoding="utf-8"?>
 <p:sld xmlns:a="http://schemas.openxmlformats.org/drawingml/2006/main" xmlns:r="http://schemas.openxmlformats.org/officeDocument/2006/relationships" xmlns:p="http://schemas.openxmlformats.org/presentationml/2006/main">
   <p:cSld>
     <p:spTree>
@@ -9451,256 +11332,6 @@
 </p:sld>
 </file>
 
-<file path=ppt/slides/slide3.xml><?xml version="1.0" encoding="utf-8"?>
-<p:sld xmlns:a="http://schemas.openxmlformats.org/drawingml/2006/main" xmlns:r="http://schemas.openxmlformats.org/officeDocument/2006/relationships" xmlns:p="http://schemas.openxmlformats.org/presentationml/2006/main">
-  <p:cSld>
-    <p:spTree>
-      <p:nvGrpSpPr>
-        <p:cNvPr id="1" name=""/>
-        <p:cNvGrpSpPr/>
-        <p:nvPr/>
-      </p:nvGrpSpPr>
-      <p:grpSpPr>
-        <a:xfrm>
-          <a:off x="0" y="0"/>
-          <a:ext cx="0" cy="0"/>
-          <a:chOff x="0" y="0"/>
-          <a:chExt cx="0" cy="0"/>
-        </a:xfrm>
-      </p:grpSpPr>
-      <p:sp>
-        <p:nvSpPr>
-          <p:cNvPr id="14" name="מציין מיקום תוכן 13"/>
-          <p:cNvSpPr>
-            <a:spLocks noGrp="1"/>
-          </p:cNvSpPr>
-          <p:nvPr>
-            <p:ph idx="1"/>
-          </p:nvPr>
-        </p:nvSpPr>
-        <p:spPr>
-          <a:xfrm>
-            <a:off x="1629916" y="1556792"/>
-            <a:ext cx="9134391" cy="4114801"/>
-          </a:xfrm>
-        </p:spPr>
-        <p:txBody>
-          <a:bodyPr rtlCol="1">
-            <a:normAutofit lnSpcReduction="10000"/>
-          </a:bodyPr>
-          <a:lstStyle/>
-          <a:p>
-            <a:r>
-              <a:rPr lang="he-IL" dirty="0">
-                <a:latin typeface="Times New Roman" panose="02020603050405020304" pitchFamily="18" charset="0"/>
-                <a:cs typeface="Times New Roman" panose="02020603050405020304" pitchFamily="18" charset="0"/>
-              </a:rPr>
-              <a:t>בשלב הראשון בנינו זחלן שמביא את נתוני המאמנים מהאתר המצורף מטה מהעונה הראשונה (1946) ועד לעונה האחרונה שהושלמה ב 2019:</a:t>
-            </a:r>
-            <a:br>
-              <a:rPr lang="en-US" dirty="0">
-                <a:latin typeface="Times New Roman" panose="02020603050405020304" pitchFamily="18" charset="0"/>
-                <a:cs typeface="Times New Roman" panose="02020603050405020304" pitchFamily="18" charset="0"/>
-              </a:rPr>
-            </a:br>
-            <a:r>
-              <a:rPr lang="en-US" dirty="0">
-                <a:latin typeface="Times New Roman" panose="02020603050405020304" pitchFamily="18" charset="0"/>
-                <a:cs typeface="Times New Roman" panose="02020603050405020304" pitchFamily="18" charset="0"/>
-                <a:hlinkClick r:id="rId3"/>
-              </a:rPr>
-              <a:t>https://www.basketball-reference.com/teams/</a:t>
-            </a:r>
-            <a:endParaRPr lang="en-US" dirty="0">
-              <a:latin typeface="Times New Roman" panose="02020603050405020304" pitchFamily="18" charset="0"/>
-              <a:cs typeface="Times New Roman" panose="02020603050405020304" pitchFamily="18" charset="0"/>
-            </a:endParaRPr>
-          </a:p>
-          <a:p>
-            <a:r>
-              <a:rPr lang="he-IL" dirty="0">
-                <a:latin typeface="Times New Roman" panose="02020603050405020304" pitchFamily="18" charset="0"/>
-                <a:cs typeface="Times New Roman" panose="02020603050405020304" pitchFamily="18" charset="0"/>
-              </a:rPr>
-              <a:t>המידע סודר ב </a:t>
-            </a:r>
-            <a:r>
-              <a:rPr lang="en-US" dirty="0" err="1">
-                <a:latin typeface="Times New Roman" panose="02020603050405020304" pitchFamily="18" charset="0"/>
-                <a:cs typeface="Times New Roman" panose="02020603050405020304" pitchFamily="18" charset="0"/>
-              </a:rPr>
-              <a:t>DataSets</a:t>
-            </a:r>
-            <a:r>
-              <a:rPr lang="he-IL" dirty="0">
-                <a:latin typeface="Times New Roman" panose="02020603050405020304" pitchFamily="18" charset="0"/>
-                <a:cs typeface="Times New Roman" panose="02020603050405020304" pitchFamily="18" charset="0"/>
-              </a:rPr>
-              <a:t> שונים עבור כל קבוצה בנפרד.</a:t>
-            </a:r>
-          </a:p>
-          <a:p>
-            <a:r>
-              <a:rPr lang="he-IL" dirty="0">
-                <a:latin typeface="Times New Roman" panose="02020603050405020304" pitchFamily="18" charset="0"/>
-                <a:cs typeface="Times New Roman" panose="02020603050405020304" pitchFamily="18" charset="0"/>
-              </a:rPr>
-              <a:t>המידע סודר לפי שנים – כל מאמן קיבל עמודה על שמו, המאזן שלו, כמות </a:t>
-            </a:r>
-            <a:r>
-              <a:rPr lang="he-IL" dirty="0" err="1">
-                <a:latin typeface="Times New Roman" panose="02020603050405020304" pitchFamily="18" charset="0"/>
-                <a:cs typeface="Times New Roman" panose="02020603050405020304" pitchFamily="18" charset="0"/>
-              </a:rPr>
-              <a:t>הנצחונות</a:t>
-            </a:r>
-            <a:r>
-              <a:rPr lang="he-IL" dirty="0">
-                <a:latin typeface="Times New Roman" panose="02020603050405020304" pitchFamily="18" charset="0"/>
-                <a:cs typeface="Times New Roman" panose="02020603050405020304" pitchFamily="18" charset="0"/>
-              </a:rPr>
-              <a:t>, כמות ההפסדים ואחוז ההצלחה שלו. סה"כ 5 עמודות </a:t>
-            </a:r>
-            <a:r>
-              <a:rPr lang="en-US" dirty="0">
-                <a:latin typeface="Times New Roman" panose="02020603050405020304" pitchFamily="18" charset="0"/>
-                <a:cs typeface="Times New Roman" panose="02020603050405020304" pitchFamily="18" charset="0"/>
-              </a:rPr>
-              <a:t>X</a:t>
-            </a:r>
-            <a:r>
-              <a:rPr lang="he-IL" dirty="0">
-                <a:latin typeface="Times New Roman" panose="02020603050405020304" pitchFamily="18" charset="0"/>
-                <a:cs typeface="Times New Roman" panose="02020603050405020304" pitchFamily="18" charset="0"/>
-              </a:rPr>
-              <a:t> מקסימום 4 מאמנים לקבוצה בעונה = 20 עמודות בקבצי המידע הראשוניים.</a:t>
-            </a:r>
-          </a:p>
-          <a:p>
-            <a:r>
-              <a:rPr lang="he-IL" dirty="0">
-                <a:latin typeface="Times New Roman" panose="02020603050405020304" pitchFamily="18" charset="0"/>
-                <a:cs typeface="Times New Roman" panose="02020603050405020304" pitchFamily="18" charset="0"/>
-              </a:rPr>
-              <a:t>איחדנו את כלל המידע ב</a:t>
-            </a:r>
-            <a:r>
-              <a:rPr lang="en-US" dirty="0">
-                <a:latin typeface="Times New Roman" panose="02020603050405020304" pitchFamily="18" charset="0"/>
-                <a:cs typeface="Times New Roman" panose="02020603050405020304" pitchFamily="18" charset="0"/>
-              </a:rPr>
-              <a:t> </a:t>
-            </a:r>
-            <a:r>
-              <a:rPr lang="he-IL" dirty="0">
-                <a:latin typeface="Times New Roman" panose="02020603050405020304" pitchFamily="18" charset="0"/>
-                <a:cs typeface="Times New Roman" panose="02020603050405020304" pitchFamily="18" charset="0"/>
-              </a:rPr>
-              <a:t>- </a:t>
-            </a:r>
-            <a:r>
-              <a:rPr lang="en-US" dirty="0" err="1">
-                <a:latin typeface="Times New Roman" panose="02020603050405020304" pitchFamily="18" charset="0"/>
-                <a:cs typeface="Times New Roman" panose="02020603050405020304" pitchFamily="18" charset="0"/>
-              </a:rPr>
-              <a:t>DataSets</a:t>
-            </a:r>
-            <a:r>
-              <a:rPr lang="he-IL" dirty="0">
-                <a:latin typeface="Times New Roman" panose="02020603050405020304" pitchFamily="18" charset="0"/>
-                <a:cs typeface="Times New Roman" panose="02020603050405020304" pitchFamily="18" charset="0"/>
-              </a:rPr>
-              <a:t> שונים בסגנונות שונים: אחד לניתוח סטטיסטי ותצוגה גרפית והשני מצומצם עבור חיזוי עתידי. בנוסף, ביצענו חילוק נוסף לפי הפרש ההצלחה. בדקנו פעם אחת שהצלחה מוגדרת שאם המאמן הבא הצליח בלפחות 0% מקודמו ופעם שניה שהצלחה מוגדרת אם המאמן הבא הצליח בלפחות 5% מקודמו.</a:t>
-            </a:r>
-          </a:p>
-        </p:txBody>
-      </p:sp>
-      <p:sp>
-        <p:nvSpPr>
-          <p:cNvPr id="4" name="מלבן 3">
-            <a:extLst>
-              <a:ext uri="{FF2B5EF4-FFF2-40B4-BE49-F238E27FC236}">
-                <a16:creationId xmlns:a16="http://schemas.microsoft.com/office/drawing/2014/main" id="{CE2849DA-7348-4A16-A747-95C52780E045}"/>
-              </a:ext>
-            </a:extLst>
-          </p:cNvPr>
-          <p:cNvSpPr/>
-          <p:nvPr/>
-        </p:nvSpPr>
-        <p:spPr>
-          <a:xfrm>
-            <a:off x="6066222" y="31806"/>
-            <a:ext cx="5814412" cy="1107996"/>
-          </a:xfrm>
-          <a:prstGeom prst="rect">
-            <a:avLst/>
-          </a:prstGeom>
-          <a:noFill/>
-        </p:spPr>
-        <p:txBody>
-          <a:bodyPr wrap="none" lIns="91440" tIns="45720" rIns="91440" bIns="45720">
-            <a:spAutoFit/>
-          </a:bodyPr>
-          <a:lstStyle/>
-          <a:p>
-            <a:r>
-              <a:rPr lang="he-IL" sz="6600" b="1" dirty="0">
-                <a:ln w="0"/>
-                <a:effectLst>
-                  <a:outerShdw blurRad="38100" dist="19050" dir="2700000" algn="tl" rotWithShape="0">
-                    <a:schemeClr val="dk1">
-                      <a:alpha val="40000"/>
-                    </a:schemeClr>
-                  </a:outerShdw>
-                </a:effectLst>
-                <a:latin typeface="Times New Roman" panose="02020603050405020304" pitchFamily="18" charset="0"/>
-                <a:cs typeface="Times New Roman" panose="02020603050405020304" pitchFamily="18" charset="0"/>
-              </a:rPr>
-              <a:t>איך הושגה תשובה</a:t>
-            </a:r>
-            <a:endParaRPr lang="he-IL" sz="6600" b="1" cap="none" spc="0" dirty="0">
-              <a:ln w="0"/>
-              <a:solidFill>
-                <a:schemeClr val="tx1"/>
-              </a:solidFill>
-              <a:effectLst>
-                <a:outerShdw blurRad="38100" dist="19050" dir="2700000" algn="tl" rotWithShape="0">
-                  <a:schemeClr val="dk1">
-                    <a:alpha val="40000"/>
-                  </a:schemeClr>
-                </a:outerShdw>
-              </a:effectLst>
-              <a:latin typeface="Times New Roman" panose="02020603050405020304" pitchFamily="18" charset="0"/>
-              <a:cs typeface="Times New Roman" panose="02020603050405020304" pitchFamily="18" charset="0"/>
-            </a:endParaRPr>
-          </a:p>
-        </p:txBody>
-      </p:sp>
-    </p:spTree>
-    <p:extLst>
-      <p:ext uri="{BB962C8B-B14F-4D97-AF65-F5344CB8AC3E}">
-        <p14:creationId xmlns:p14="http://schemas.microsoft.com/office/powerpoint/2010/main" val="1012716763"/>
-      </p:ext>
-    </p:extLst>
-  </p:cSld>
-  <p:clrMapOvr>
-    <a:masterClrMapping/>
-  </p:clrMapOvr>
-  <mc:AlternateContent xmlns:mc="http://schemas.openxmlformats.org/markup-compatibility/2006" xmlns:p14="http://schemas.microsoft.com/office/powerpoint/2010/main">
-    <mc:Choice Requires="p14">
-      <p:transition spd="med" p14:dur="700">
-        <p:fade/>
-      </p:transition>
-    </mc:Choice>
-    <mc:Fallback xmlns="">
-      <p:transition spd="med">
-        <p:fade/>
-      </p:transition>
-    </mc:Fallback>
-  </mc:AlternateContent>
-</p:sld>
-</file>
-
 <file path=ppt/slides/slide4.xml><?xml version="1.0" encoding="utf-8"?>
 <p:sld xmlns:a="http://schemas.openxmlformats.org/drawingml/2006/main" xmlns:r="http://schemas.openxmlformats.org/officeDocument/2006/relationships" xmlns:p="http://schemas.openxmlformats.org/presentationml/2006/main">
   <p:cSld>
@@ -10387,10 +12018,10 @@
       </p:grpSpPr>
       <p:sp>
         <p:nvSpPr>
-          <p:cNvPr id="2" name="מלבן 1">
+          <p:cNvPr id="4" name="מלבן 3">
             <a:extLst>
               <a:ext uri="{FF2B5EF4-FFF2-40B4-BE49-F238E27FC236}">
-                <a16:creationId xmlns:a16="http://schemas.microsoft.com/office/drawing/2014/main" id="{49486A7C-097F-4344-A6DB-C9F70AA53EDE}"/>
+                <a16:creationId xmlns:a16="http://schemas.microsoft.com/office/drawing/2014/main" id="{89088BF8-3BA2-4CC1-8D89-90DF2912C438}"/>
               </a:ext>
             </a:extLst>
           </p:cNvPr>
@@ -10438,7 +12069,7 @@
     </p:spTree>
     <p:extLst>
       <p:ext uri="{BB962C8B-B14F-4D97-AF65-F5344CB8AC3E}">
-        <p14:creationId xmlns:p14="http://schemas.microsoft.com/office/powerpoint/2010/main" val="2762705752"/>
+        <p14:creationId xmlns:p14="http://schemas.microsoft.com/office/powerpoint/2010/main" val="2478160142"/>
       </p:ext>
     </p:extLst>
   </p:cSld>

--- a/פרויקט סוף קורס.pptx
+++ b/פרויקט סוף קורס.pptx
@@ -5,14 +5,14 @@
     <p:sldMasterId id="2147483648" r:id="rId4"/>
   </p:sldMasterIdLst>
   <p:notesMasterIdLst>
-    <p:notesMasterId r:id="rId39"/>
+    <p:notesMasterId r:id="rId38"/>
   </p:notesMasterIdLst>
   <p:handoutMasterIdLst>
-    <p:handoutMasterId r:id="rId40"/>
+    <p:handoutMasterId r:id="rId39"/>
   </p:handoutMasterIdLst>
   <p:sldIdLst>
     <p:sldId id="265" r:id="rId5"/>
-    <p:sldId id="310" r:id="rId6"/>
+    <p:sldId id="354" r:id="rId6"/>
     <p:sldId id="320" r:id="rId7"/>
     <p:sldId id="321" r:id="rId8"/>
     <p:sldId id="322" r:id="rId9"/>
@@ -33,23 +33,22 @@
     <p:sldId id="353" r:id="rId24"/>
     <p:sldId id="349" r:id="rId25"/>
     <p:sldId id="333" r:id="rId26"/>
-    <p:sldId id="334" r:id="rId27"/>
-    <p:sldId id="346" r:id="rId28"/>
-    <p:sldId id="335" r:id="rId29"/>
-    <p:sldId id="336" r:id="rId30"/>
-    <p:sldId id="347" r:id="rId31"/>
-    <p:sldId id="348" r:id="rId32"/>
-    <p:sldId id="339" r:id="rId33"/>
-    <p:sldId id="340" r:id="rId34"/>
-    <p:sldId id="341" r:id="rId35"/>
-    <p:sldId id="342" r:id="rId36"/>
-    <p:sldId id="343" r:id="rId37"/>
-    <p:sldId id="344" r:id="rId38"/>
+    <p:sldId id="346" r:id="rId27"/>
+    <p:sldId id="335" r:id="rId28"/>
+    <p:sldId id="336" r:id="rId29"/>
+    <p:sldId id="347" r:id="rId30"/>
+    <p:sldId id="348" r:id="rId31"/>
+    <p:sldId id="339" r:id="rId32"/>
+    <p:sldId id="340" r:id="rId33"/>
+    <p:sldId id="341" r:id="rId34"/>
+    <p:sldId id="342" r:id="rId35"/>
+    <p:sldId id="343" r:id="rId36"/>
+    <p:sldId id="344" r:id="rId37"/>
   </p:sldIdLst>
   <p:sldSz cx="12188825" cy="6858000"/>
   <p:notesSz cx="6858000" cy="9144000"/>
   <p:custDataLst>
-    <p:tags r:id="rId41"/>
+    <p:tags r:id="rId40"/>
   </p:custDataLst>
   <p:defaultTextStyle>
     <a:defPPr algn="r" rtl="1">
@@ -260,7 +259,7 @@
                 <a:ea typeface="Tahoma" panose="020B0604030504040204" pitchFamily="34" charset="0"/>
                 <a:cs typeface="Tahoma" panose="020B0604030504040204" pitchFamily="34" charset="0"/>
               </a:rPr>
-              <a:t>09 אפריל 20</a:t>
+              <a:t>16 אפריל 20</a:t>
             </a:fld>
             <a:endParaRPr lang="he-IL" dirty="0">
               <a:latin typeface="Tahoma" panose="020B0604030504040204" pitchFamily="34" charset="0"/>
@@ -547,7 +546,7 @@
             <a:fld id="{F88E257E-95FC-46EC-9539-284032A70F37}" type="datetime8">
               <a:rPr lang="he-IL" noProof="0" smtClean="0"/>
               <a:pPr algn="l"/>
-              <a:t>09 אפריל 20</a:t>
+              <a:t>16 אפריל 20</a:t>
             </a:fld>
             <a:endParaRPr lang="he-IL" noProof="0" dirty="0"/>
           </a:p>
@@ -1754,7 +1753,7 @@
     </p:spTree>
     <p:extLst>
       <p:ext uri="{BB962C8B-B14F-4D97-AF65-F5344CB8AC3E}">
-        <p14:creationId xmlns:p14="http://schemas.microsoft.com/office/powerpoint/2010/main" val="1691320971"/>
+        <p14:creationId xmlns:p14="http://schemas.microsoft.com/office/powerpoint/2010/main" val="847773608"/>
       </p:ext>
     </p:extLst>
   </p:cSld>
@@ -2098,7 +2097,7 @@
     </p:spTree>
     <p:extLst>
       <p:ext uri="{BB962C8B-B14F-4D97-AF65-F5344CB8AC3E}">
-        <p14:creationId xmlns:p14="http://schemas.microsoft.com/office/powerpoint/2010/main" val="1886028357"/>
+        <p14:creationId xmlns:p14="http://schemas.microsoft.com/office/powerpoint/2010/main" val="3529557562"/>
       </p:ext>
     </p:extLst>
   </p:cSld>
@@ -2184,7 +2183,7 @@
     </p:spTree>
     <p:extLst>
       <p:ext uri="{BB962C8B-B14F-4D97-AF65-F5344CB8AC3E}">
-        <p14:creationId xmlns:p14="http://schemas.microsoft.com/office/powerpoint/2010/main" val="3529557562"/>
+        <p14:creationId xmlns:p14="http://schemas.microsoft.com/office/powerpoint/2010/main" val="419810855"/>
       </p:ext>
     </p:extLst>
   </p:cSld>
@@ -2270,7 +2269,7 @@
     </p:spTree>
     <p:extLst>
       <p:ext uri="{BB962C8B-B14F-4D97-AF65-F5344CB8AC3E}">
-        <p14:creationId xmlns:p14="http://schemas.microsoft.com/office/powerpoint/2010/main" val="419810855"/>
+        <p14:creationId xmlns:p14="http://schemas.microsoft.com/office/powerpoint/2010/main" val="741293601"/>
       </p:ext>
     </p:extLst>
   </p:cSld>
@@ -2356,7 +2355,7 @@
     </p:spTree>
     <p:extLst>
       <p:ext uri="{BB962C8B-B14F-4D97-AF65-F5344CB8AC3E}">
-        <p14:creationId xmlns:p14="http://schemas.microsoft.com/office/powerpoint/2010/main" val="741293601"/>
+        <p14:creationId xmlns:p14="http://schemas.microsoft.com/office/powerpoint/2010/main" val="276098505"/>
       </p:ext>
     </p:extLst>
   </p:cSld>
@@ -2442,7 +2441,7 @@
     </p:spTree>
     <p:extLst>
       <p:ext uri="{BB962C8B-B14F-4D97-AF65-F5344CB8AC3E}">
-        <p14:creationId xmlns:p14="http://schemas.microsoft.com/office/powerpoint/2010/main" val="276098505"/>
+        <p14:creationId xmlns:p14="http://schemas.microsoft.com/office/powerpoint/2010/main" val="1555950039"/>
       </p:ext>
     </p:extLst>
   </p:cSld>
@@ -2528,7 +2527,7 @@
     </p:spTree>
     <p:extLst>
       <p:ext uri="{BB962C8B-B14F-4D97-AF65-F5344CB8AC3E}">
-        <p14:creationId xmlns:p14="http://schemas.microsoft.com/office/powerpoint/2010/main" val="1555950039"/>
+        <p14:creationId xmlns:p14="http://schemas.microsoft.com/office/powerpoint/2010/main" val="2713909780"/>
       </p:ext>
     </p:extLst>
   </p:cSld>
@@ -2614,7 +2613,7 @@
     </p:spTree>
     <p:extLst>
       <p:ext uri="{BB962C8B-B14F-4D97-AF65-F5344CB8AC3E}">
-        <p14:creationId xmlns:p14="http://schemas.microsoft.com/office/powerpoint/2010/main" val="2713909780"/>
+        <p14:creationId xmlns:p14="http://schemas.microsoft.com/office/powerpoint/2010/main" val="4037627088"/>
       </p:ext>
     </p:extLst>
   </p:cSld>
@@ -2786,7 +2785,7 @@
     </p:spTree>
     <p:extLst>
       <p:ext uri="{BB962C8B-B14F-4D97-AF65-F5344CB8AC3E}">
-        <p14:creationId xmlns:p14="http://schemas.microsoft.com/office/powerpoint/2010/main" val="4037627088"/>
+        <p14:creationId xmlns:p14="http://schemas.microsoft.com/office/powerpoint/2010/main" val="259036721"/>
       </p:ext>
     </p:extLst>
   </p:cSld>
@@ -2872,7 +2871,7 @@
     </p:spTree>
     <p:extLst>
       <p:ext uri="{BB962C8B-B14F-4D97-AF65-F5344CB8AC3E}">
-        <p14:creationId xmlns:p14="http://schemas.microsoft.com/office/powerpoint/2010/main" val="259036721"/>
+        <p14:creationId xmlns:p14="http://schemas.microsoft.com/office/powerpoint/2010/main" val="1325950936"/>
       </p:ext>
     </p:extLst>
   </p:cSld>
@@ -2958,7 +2957,7 @@
     </p:spTree>
     <p:extLst>
       <p:ext uri="{BB962C8B-B14F-4D97-AF65-F5344CB8AC3E}">
-        <p14:creationId xmlns:p14="http://schemas.microsoft.com/office/powerpoint/2010/main" val="1325950936"/>
+        <p14:creationId xmlns:p14="http://schemas.microsoft.com/office/powerpoint/2010/main" val="4096429484"/>
       </p:ext>
     </p:extLst>
   </p:cSld>
@@ -3036,92 +3035,6 @@
               <a:rPr lang="he-IL" noProof="0" smtClean="0"/>
               <a:pPr algn="l"/>
               <a:t>33</a:t>
-            </a:fld>
-            <a:endParaRPr lang="he-IL" noProof="0" dirty="0"/>
-          </a:p>
-        </p:txBody>
-      </p:sp>
-    </p:spTree>
-    <p:extLst>
-      <p:ext uri="{BB962C8B-B14F-4D97-AF65-F5344CB8AC3E}">
-        <p14:creationId xmlns:p14="http://schemas.microsoft.com/office/powerpoint/2010/main" val="4096429484"/>
-      </p:ext>
-    </p:extLst>
-  </p:cSld>
-  <p:clrMapOvr>
-    <a:masterClrMapping/>
-  </p:clrMapOvr>
-</p:notes>
-</file>
-
-<file path=ppt/notesSlides/notesSlide34.xml><?xml version="1.0" encoding="utf-8"?>
-<p:notes xmlns:a="http://schemas.openxmlformats.org/drawingml/2006/main" xmlns:r="http://schemas.openxmlformats.org/officeDocument/2006/relationships" xmlns:p="http://schemas.openxmlformats.org/presentationml/2006/main">
-  <p:cSld>
-    <p:spTree>
-      <p:nvGrpSpPr>
-        <p:cNvPr id="1" name=""/>
-        <p:cNvGrpSpPr/>
-        <p:nvPr/>
-      </p:nvGrpSpPr>
-      <p:grpSpPr>
-        <a:xfrm>
-          <a:off x="0" y="0"/>
-          <a:ext cx="0" cy="0"/>
-          <a:chOff x="0" y="0"/>
-          <a:chExt cx="0" cy="0"/>
-        </a:xfrm>
-      </p:grpSpPr>
-      <p:sp>
-        <p:nvSpPr>
-          <p:cNvPr id="2" name="מציין מיקום של תמונת שקופית 1"/>
-          <p:cNvSpPr>
-            <a:spLocks noGrp="1" noRot="1" noChangeAspect="1"/>
-          </p:cNvSpPr>
-          <p:nvPr>
-            <p:ph type="sldImg"/>
-          </p:nvPr>
-        </p:nvSpPr>
-        <p:spPr/>
-      </p:sp>
-      <p:sp>
-        <p:nvSpPr>
-          <p:cNvPr id="3" name="מציין מיקום של הערות 2"/>
-          <p:cNvSpPr>
-            <a:spLocks noGrp="1"/>
-          </p:cNvSpPr>
-          <p:nvPr>
-            <p:ph type="body" idx="1"/>
-          </p:nvPr>
-        </p:nvSpPr>
-        <p:spPr/>
-        <p:txBody>
-          <a:bodyPr/>
-          <a:lstStyle/>
-          <a:p>
-            <a:endParaRPr lang="he-IL"/>
-          </a:p>
-        </p:txBody>
-      </p:sp>
-      <p:sp>
-        <p:nvSpPr>
-          <p:cNvPr id="4" name="מציין מיקום של מספר שקופית 3"/>
-          <p:cNvSpPr>
-            <a:spLocks noGrp="1"/>
-          </p:cNvSpPr>
-          <p:nvPr>
-            <p:ph type="sldNum" sz="quarter" idx="10"/>
-          </p:nvPr>
-        </p:nvSpPr>
-        <p:spPr/>
-        <p:txBody>
-          <a:bodyPr/>
-          <a:lstStyle/>
-          <a:p>
-            <a:pPr algn="l"/>
-            <a:fld id="{D9F912AB-2776-42F2-A957-313FC7EFEDB9}" type="slidenum">
-              <a:rPr lang="he-IL" noProof="0" smtClean="0"/>
-              <a:pPr algn="l"/>
-              <a:t>34</a:t>
             </a:fld>
             <a:endParaRPr lang="he-IL" noProof="0" dirty="0"/>
           </a:p>
@@ -3992,7 +3905,7 @@
             <a:fld id="{87055194-3DD5-4EFE-B1F0-0A8EABDAB8D5}" type="datetime8">
               <a:rPr lang="he-IL" smtClean="0"/>
               <a:pPr/>
-              <a:t>09 אפריל 20</a:t>
+              <a:t>16 אפריל 20</a:t>
             </a:fld>
             <a:endParaRPr lang="he-IL" dirty="0"/>
           </a:p>
@@ -4192,7 +4105,7 @@
             <a:fld id="{6BA5DE0C-9F4E-4F6A-B430-4879BBD5F9BB}" type="datetime8">
               <a:rPr lang="he-IL" smtClean="0"/>
               <a:pPr/>
-              <a:t>09 אפריל 20</a:t>
+              <a:t>16 אפריל 20</a:t>
             </a:fld>
             <a:endParaRPr lang="he-IL" dirty="0"/>
           </a:p>
@@ -4389,7 +4302,7 @@
             <a:fld id="{842B30E4-EE6A-43C9-AF8F-44192DEF1F96}" type="datetime8">
               <a:rPr lang="he-IL" smtClean="0"/>
               <a:pPr/>
-              <a:t>09 אפריל 20</a:t>
+              <a:t>16 אפריל 20</a:t>
             </a:fld>
             <a:endParaRPr lang="he-IL" dirty="0"/>
           </a:p>
@@ -4677,7 +4590,7 @@
             <a:fld id="{BB640AB3-A3E7-45E1-B171-0A79FECCC844}" type="datetime8">
               <a:rPr lang="he-IL" smtClean="0"/>
               <a:pPr/>
-              <a:t>09 אפריל 20</a:t>
+              <a:t>16 אפריל 20</a:t>
             </a:fld>
             <a:endParaRPr lang="he-IL" dirty="0"/>
           </a:p>
@@ -4989,7 +4902,7 @@
             <a:fld id="{619B7978-A4ED-4FD8-9C9F-9B3E1C0BAE13}" type="datetime8">
               <a:rPr lang="he-IL" smtClean="0"/>
               <a:pPr/>
-              <a:t>09 אפריל 20</a:t>
+              <a:t>16 אפריל 20</a:t>
             </a:fld>
             <a:endParaRPr lang="he-IL" dirty="0"/>
           </a:p>
@@ -5507,7 +5420,7 @@
             <a:fld id="{B7D0E6D8-C907-4C24-8D9D-11CF9E45280B}" type="datetime8">
               <a:rPr lang="he-IL" smtClean="0"/>
               <a:pPr/>
-              <a:t>09 אפריל 20</a:t>
+              <a:t>16 אפריל 20</a:t>
             </a:fld>
             <a:endParaRPr lang="he-IL" dirty="0"/>
           </a:p>
@@ -5660,7 +5573,7 @@
             <a:fld id="{63962DC1-B8BD-4928-A135-BAF072F87775}" type="datetime8">
               <a:rPr lang="he-IL" smtClean="0"/>
               <a:pPr/>
-              <a:t>09 אפריל 20</a:t>
+              <a:t>16 אפריל 20</a:t>
             </a:fld>
             <a:endParaRPr lang="he-IL" dirty="0"/>
           </a:p>
@@ -5782,7 +5695,7 @@
             <a:fld id="{AC697E99-AED0-4DE1-92D1-EE330CDD0AC8}" type="datetime8">
               <a:rPr lang="he-IL" smtClean="0"/>
               <a:pPr/>
-              <a:t>09 אפריל 20</a:t>
+              <a:t>16 אפריל 20</a:t>
             </a:fld>
             <a:endParaRPr lang="he-IL" dirty="0"/>
           </a:p>
@@ -6112,7 +6025,7 @@
             <a:fld id="{EF314660-FF17-479A-9ECA-198AA1EEE574}" type="datetime8">
               <a:rPr lang="he-IL" smtClean="0"/>
               <a:pPr/>
-              <a:t>09 אפריל 20</a:t>
+              <a:t>16 אפריל 20</a:t>
             </a:fld>
             <a:endParaRPr lang="he-IL" dirty="0"/>
           </a:p>
@@ -6432,7 +6345,7 @@
             <a:fld id="{0D797C58-6FD9-409C-B974-9785D604D0D3}" type="datetime8">
               <a:rPr lang="he-IL" smtClean="0"/>
               <a:pPr/>
-              <a:t>09 אפריל 20</a:t>
+              <a:t>16 אפריל 20</a:t>
             </a:fld>
             <a:endParaRPr lang="he-IL" dirty="0"/>
           </a:p>
@@ -6672,7 +6585,7 @@
             <a:fld id="{0B048401-D412-4A8B-948E-220992EEE568}" type="datetime8">
               <a:rPr lang="he-IL" noProof="0" smtClean="0"/>
               <a:pPr/>
-              <a:t>09 אפריל 20</a:t>
+              <a:t>16 אפריל 20</a:t>
             </a:fld>
             <a:endParaRPr lang="he-IL" noProof="0" dirty="0"/>
           </a:p>
@@ -8964,31 +8877,238 @@
       </p:grpSpPr>
       <p:sp>
         <p:nvSpPr>
-          <p:cNvPr id="14" name="מציין מיקום תוכן 13"/>
-          <p:cNvSpPr>
-            <a:spLocks noGrp="1"/>
-          </p:cNvSpPr>
-          <p:nvPr>
-            <p:ph idx="1"/>
-          </p:nvPr>
+          <p:cNvPr id="3" name="מציין מיקום תוכן 13">
+            <a:extLst>
+              <a:ext uri="{FF2B5EF4-FFF2-40B4-BE49-F238E27FC236}">
+                <a16:creationId xmlns:a16="http://schemas.microsoft.com/office/drawing/2014/main" id="{79C0E5D0-1BD6-4F1C-8EDB-38A0697E0E6A}"/>
+              </a:ext>
+            </a:extLst>
+          </p:cNvPr>
+          <p:cNvSpPr txBox="1">
+            <a:spLocks/>
+          </p:cNvSpPr>
+          <p:nvPr/>
         </p:nvSpPr>
         <p:spPr>
           <a:xfrm>
-            <a:off x="2535328" y="3140968"/>
-            <a:ext cx="7118167" cy="1666529"/>
+            <a:off x="1917948" y="3140968"/>
+            <a:ext cx="8064896" cy="1666529"/>
           </a:xfrm>
+          <a:prstGeom prst="rect">
+            <a:avLst/>
+          </a:prstGeom>
         </p:spPr>
         <p:txBody>
-          <a:bodyPr rtlCol="1">
+          <a:bodyPr vert="horz" lIns="91440" tIns="45720" rIns="91440" bIns="45720" rtlCol="1" anchor="t">
             <a:normAutofit/>
           </a:bodyPr>
-          <a:lstStyle/>
-          <a:p>
-            <a:pPr marL="0" indent="0" rtl="1">
+          <a:lstStyle>
+            <a:lvl1pPr marL="0" indent="0" algn="r" defTabSz="914400" rtl="1" eaLnBrk="1" latinLnBrk="0" hangingPunct="1">
+              <a:lnSpc>
+                <a:spcPct val="90000"/>
+              </a:lnSpc>
+              <a:spcBef>
+                <a:spcPts val="0"/>
+              </a:spcBef>
+              <a:buClr>
+                <a:schemeClr val="accent1"/>
+              </a:buClr>
+              <a:buSzPct val="100000"/>
+              <a:buFont typeface="Arial" pitchFamily="34" charset="0"/>
               <a:buNone/>
-            </a:pPr>
+              <a:defRPr sz="2000" kern="1200" cap="all" spc="200" baseline="0">
+                <a:solidFill>
+                  <a:schemeClr val="accent1"/>
+                </a:solidFill>
+                <a:latin typeface="Tahoma" panose="020B0604030504040204" pitchFamily="34" charset="0"/>
+                <a:ea typeface="Tahoma" panose="020B0604030504040204" pitchFamily="34" charset="0"/>
+                <a:cs typeface="Tahoma" panose="020B0604030504040204" pitchFamily="34" charset="0"/>
+              </a:defRPr>
+            </a:lvl1pPr>
+            <a:lvl2pPr marL="457200" indent="0" algn="r" defTabSz="914400" rtl="1" eaLnBrk="1" latinLnBrk="0" hangingPunct="1">
+              <a:lnSpc>
+                <a:spcPct val="90000"/>
+              </a:lnSpc>
+              <a:spcBef>
+                <a:spcPts val="1200"/>
+              </a:spcBef>
+              <a:buClr>
+                <a:schemeClr val="accent1"/>
+              </a:buClr>
+              <a:buSzPct val="100000"/>
+              <a:buFont typeface="Arial" pitchFamily="34" charset="0"/>
+              <a:buNone/>
+              <a:defRPr sz="1800" kern="1200">
+                <a:solidFill>
+                  <a:schemeClr val="tx1">
+                    <a:tint val="75000"/>
+                  </a:schemeClr>
+                </a:solidFill>
+                <a:latin typeface="Tahoma" panose="020B0604030504040204" pitchFamily="34" charset="0"/>
+                <a:ea typeface="Tahoma" panose="020B0604030504040204" pitchFamily="34" charset="0"/>
+                <a:cs typeface="Tahoma" panose="020B0604030504040204" pitchFamily="34" charset="0"/>
+              </a:defRPr>
+            </a:lvl2pPr>
+            <a:lvl3pPr marL="914400" indent="0" algn="r" defTabSz="914400" rtl="1" eaLnBrk="1" latinLnBrk="0" hangingPunct="1">
+              <a:lnSpc>
+                <a:spcPct val="90000"/>
+              </a:lnSpc>
+              <a:spcBef>
+                <a:spcPts val="600"/>
+              </a:spcBef>
+              <a:buClr>
+                <a:schemeClr val="accent1"/>
+              </a:buClr>
+              <a:buSzPct val="100000"/>
+              <a:buFont typeface="Arial" pitchFamily="34" charset="0"/>
+              <a:buNone/>
+              <a:defRPr sz="1600" kern="1200">
+                <a:solidFill>
+                  <a:schemeClr val="tx1">
+                    <a:tint val="75000"/>
+                  </a:schemeClr>
+                </a:solidFill>
+                <a:latin typeface="Tahoma" panose="020B0604030504040204" pitchFamily="34" charset="0"/>
+                <a:ea typeface="Tahoma" panose="020B0604030504040204" pitchFamily="34" charset="0"/>
+                <a:cs typeface="Tahoma" panose="020B0604030504040204" pitchFamily="34" charset="0"/>
+              </a:defRPr>
+            </a:lvl3pPr>
+            <a:lvl4pPr marL="1371600" indent="0" algn="r" defTabSz="914400" rtl="1" eaLnBrk="1" latinLnBrk="0" hangingPunct="1">
+              <a:lnSpc>
+                <a:spcPct val="90000"/>
+              </a:lnSpc>
+              <a:spcBef>
+                <a:spcPts val="600"/>
+              </a:spcBef>
+              <a:buClr>
+                <a:schemeClr val="accent1"/>
+              </a:buClr>
+              <a:buSzPct val="100000"/>
+              <a:buFont typeface="Arial" pitchFamily="34" charset="0"/>
+              <a:buNone/>
+              <a:defRPr sz="1400" kern="1200">
+                <a:solidFill>
+                  <a:schemeClr val="tx1">
+                    <a:tint val="75000"/>
+                  </a:schemeClr>
+                </a:solidFill>
+                <a:latin typeface="Tahoma" panose="020B0604030504040204" pitchFamily="34" charset="0"/>
+                <a:ea typeface="Tahoma" panose="020B0604030504040204" pitchFamily="34" charset="0"/>
+                <a:cs typeface="Tahoma" panose="020B0604030504040204" pitchFamily="34" charset="0"/>
+              </a:defRPr>
+            </a:lvl4pPr>
+            <a:lvl5pPr marL="1828800" indent="0" algn="r" defTabSz="914400" rtl="1" eaLnBrk="1" latinLnBrk="0" hangingPunct="1">
+              <a:lnSpc>
+                <a:spcPct val="90000"/>
+              </a:lnSpc>
+              <a:spcBef>
+                <a:spcPts val="600"/>
+              </a:spcBef>
+              <a:buClr>
+                <a:schemeClr val="accent1"/>
+              </a:buClr>
+              <a:buSzPct val="100000"/>
+              <a:buFont typeface="Arial" pitchFamily="34" charset="0"/>
+              <a:buNone/>
+              <a:defRPr sz="1400" kern="1200">
+                <a:solidFill>
+                  <a:schemeClr val="tx1">
+                    <a:tint val="75000"/>
+                  </a:schemeClr>
+                </a:solidFill>
+                <a:latin typeface="Tahoma" panose="020B0604030504040204" pitchFamily="34" charset="0"/>
+                <a:ea typeface="Tahoma" panose="020B0604030504040204" pitchFamily="34" charset="0"/>
+                <a:cs typeface="Tahoma" panose="020B0604030504040204" pitchFamily="34" charset="0"/>
+              </a:defRPr>
+            </a:lvl5pPr>
+            <a:lvl6pPr marL="2286000" indent="0" algn="r" defTabSz="914400" rtl="1" eaLnBrk="1" latinLnBrk="0" hangingPunct="1">
+              <a:spcBef>
+                <a:spcPts val="600"/>
+              </a:spcBef>
+              <a:buClr>
+                <a:schemeClr val="accent1"/>
+              </a:buClr>
+              <a:buFont typeface="Arial" pitchFamily="34" charset="0"/>
+              <a:buNone/>
+              <a:defRPr sz="1400" kern="1200">
+                <a:solidFill>
+                  <a:schemeClr val="tx1">
+                    <a:tint val="75000"/>
+                  </a:schemeClr>
+                </a:solidFill>
+                <a:latin typeface="+mn-lt"/>
+                <a:ea typeface="+mn-ea"/>
+                <a:cs typeface="+mn-cs"/>
+              </a:defRPr>
+            </a:lvl6pPr>
+            <a:lvl7pPr marL="2743200" indent="0" algn="r" defTabSz="914400" rtl="1" eaLnBrk="1" latinLnBrk="0" hangingPunct="1">
+              <a:spcBef>
+                <a:spcPts val="600"/>
+              </a:spcBef>
+              <a:buClr>
+                <a:schemeClr val="accent1"/>
+              </a:buClr>
+              <a:buFont typeface="Arial" pitchFamily="34" charset="0"/>
+              <a:buNone/>
+              <a:defRPr sz="1400" kern="1200">
+                <a:solidFill>
+                  <a:schemeClr val="tx1">
+                    <a:tint val="75000"/>
+                  </a:schemeClr>
+                </a:solidFill>
+                <a:latin typeface="+mn-lt"/>
+                <a:ea typeface="+mn-ea"/>
+                <a:cs typeface="+mn-cs"/>
+              </a:defRPr>
+            </a:lvl7pPr>
+            <a:lvl8pPr marL="3200400" indent="0" algn="r" defTabSz="914400" rtl="1" eaLnBrk="1" latinLnBrk="0" hangingPunct="1">
+              <a:spcBef>
+                <a:spcPts val="600"/>
+              </a:spcBef>
+              <a:buClr>
+                <a:schemeClr val="accent1"/>
+              </a:buClr>
+              <a:buFont typeface="Arial" pitchFamily="34" charset="0"/>
+              <a:buNone/>
+              <a:defRPr sz="1400" kern="1200">
+                <a:solidFill>
+                  <a:schemeClr val="tx1">
+                    <a:tint val="75000"/>
+                  </a:schemeClr>
+                </a:solidFill>
+                <a:latin typeface="+mn-lt"/>
+                <a:ea typeface="+mn-ea"/>
+                <a:cs typeface="+mn-cs"/>
+              </a:defRPr>
+            </a:lvl8pPr>
+            <a:lvl9pPr marL="3657600" indent="0" algn="r" defTabSz="914400" rtl="1" eaLnBrk="1" latinLnBrk="0" hangingPunct="1">
+              <a:spcBef>
+                <a:spcPts val="600"/>
+              </a:spcBef>
+              <a:buClr>
+                <a:schemeClr val="accent1"/>
+              </a:buClr>
+              <a:buFont typeface="Arial" pitchFamily="34" charset="0"/>
+              <a:buNone/>
+              <a:defRPr sz="1400" kern="1200">
+                <a:solidFill>
+                  <a:schemeClr val="tx1">
+                    <a:tint val="75000"/>
+                  </a:schemeClr>
+                </a:solidFill>
+                <a:latin typeface="+mn-lt"/>
+                <a:ea typeface="+mn-ea"/>
+                <a:cs typeface="+mn-cs"/>
+              </a:defRPr>
+            </a:lvl9pPr>
+          </a:lstStyle>
+          <a:p>
+            <a:pPr algn="ctr"/>
             <a:r>
               <a:rPr lang="he-IL" sz="2800" dirty="0">
+                <a:solidFill>
+                  <a:schemeClr val="tx2"/>
+                </a:solidFill>
                 <a:latin typeface="Times New Roman" panose="02020603050405020304" pitchFamily="18" charset="0"/>
                 <a:cs typeface="Times New Roman" panose="02020603050405020304" pitchFamily="18" charset="0"/>
               </a:rPr>
@@ -8996,12 +9116,18 @@
             </a:r>
             <a:r>
               <a:rPr lang="en-US" sz="2800" dirty="0">
+                <a:solidFill>
+                  <a:schemeClr val="tx2"/>
+                </a:solidFill>
                 <a:latin typeface="Times New Roman" panose="02020603050405020304" pitchFamily="18" charset="0"/>
                 <a:cs typeface="Times New Roman" panose="02020603050405020304" pitchFamily="18" charset="0"/>
               </a:rPr>
               <a:t>?NBA</a:t>
             </a:r>
             <a:endParaRPr lang="he-IL" sz="2800" dirty="0">
+              <a:solidFill>
+                <a:schemeClr val="tx2"/>
+              </a:solidFill>
               <a:latin typeface="Times New Roman" panose="02020603050405020304" pitchFamily="18" charset="0"/>
               <a:cs typeface="Times New Roman" panose="02020603050405020304" pitchFamily="18" charset="0"/>
             </a:endParaRPr>
@@ -9010,10 +9136,10 @@
       </p:sp>
       <p:sp>
         <p:nvSpPr>
-          <p:cNvPr id="2" name="מלבן 1">
+          <p:cNvPr id="5" name="מלבן 4">
             <a:extLst>
               <a:ext uri="{FF2B5EF4-FFF2-40B4-BE49-F238E27FC236}">
-                <a16:creationId xmlns:a16="http://schemas.microsoft.com/office/drawing/2014/main" id="{49486A7C-097F-4344-A6DB-C9F70AA53EDE}"/>
+                <a16:creationId xmlns:a16="http://schemas.microsoft.com/office/drawing/2014/main" id="{284B1A4F-906D-4153-AA40-8CB2251E7AA8}"/>
               </a:ext>
             </a:extLst>
           </p:cNvPr>
@@ -9022,8 +9148,8 @@
         </p:nvSpPr>
         <p:spPr>
           <a:xfrm>
-            <a:off x="3790156" y="1681067"/>
-            <a:ext cx="4346062" cy="1107996"/>
+            <a:off x="3790155" y="1681067"/>
+            <a:ext cx="4547149" cy="1107996"/>
           </a:xfrm>
           <a:prstGeom prst="rect">
             <a:avLst/>
@@ -9031,7 +9157,7 @@
           <a:noFill/>
         </p:spPr>
         <p:txBody>
-          <a:bodyPr wrap="none" lIns="91440" tIns="45720" rIns="91440" bIns="45720">
+          <a:bodyPr wrap="square" lIns="91440" tIns="45720" rIns="91440" bIns="45720">
             <a:spAutoFit/>
           </a:bodyPr>
           <a:lstStyle/>
@@ -9061,7 +9187,7 @@
     </p:spTree>
     <p:extLst>
       <p:ext uri="{BB962C8B-B14F-4D97-AF65-F5344CB8AC3E}">
-        <p14:creationId xmlns:p14="http://schemas.microsoft.com/office/powerpoint/2010/main" val="2139132589"/>
+        <p14:creationId xmlns:p14="http://schemas.microsoft.com/office/powerpoint/2010/main" val="2751190855"/>
       </p:ext>
     </p:extLst>
   </p:cSld>
@@ -9520,56 +9646,10 @@
       </p:grpSpPr>
       <p:sp>
         <p:nvSpPr>
-          <p:cNvPr id="14" name="מציין מיקום תוכן 13"/>
-          <p:cNvSpPr>
-            <a:spLocks noGrp="1"/>
-          </p:cNvSpPr>
-          <p:nvPr>
-            <p:ph idx="1"/>
-          </p:nvPr>
-        </p:nvSpPr>
-        <p:spPr>
-          <a:xfrm>
-            <a:off x="1629916" y="1556792"/>
-            <a:ext cx="9134391" cy="4114801"/>
-          </a:xfrm>
-        </p:spPr>
-        <p:txBody>
-          <a:bodyPr rtlCol="1">
-            <a:normAutofit/>
-          </a:bodyPr>
-          <a:lstStyle/>
-          <a:p>
-            <a:r>
-              <a:rPr lang="he-IL" dirty="0">
-                <a:latin typeface="Times New Roman" panose="02020603050405020304" pitchFamily="18" charset="0"/>
-                <a:cs typeface="Times New Roman" panose="02020603050405020304" pitchFamily="18" charset="0"/>
-              </a:rPr>
-              <a:t>באופן חד משמעי ניתן לומר שאם ההחלפה מתבצעת בתחילת העונה ככל הנראה היא תתבצע בשלבים הראשונים של העונה והמאמן הבא ישפר את אחוזי הצלחתו מכיוון שיש לו יותר משחקים לשיפור אחוז הצלחתו לעומת קודמו. גם באופן פסיכולוגי שמאמן חדש מגיע יש לו רצון להוכיח את עצמו ולכן </a:t>
-            </a:r>
-            <a:r>
-              <a:rPr lang="he-IL" dirty="0" err="1">
-                <a:latin typeface="Times New Roman" panose="02020603050405020304" pitchFamily="18" charset="0"/>
-                <a:cs typeface="Times New Roman" panose="02020603050405020304" pitchFamily="18" charset="0"/>
-              </a:rPr>
-              <a:t>ישאוף</a:t>
-            </a:r>
-            <a:r>
-              <a:rPr lang="he-IL" dirty="0">
-                <a:latin typeface="Times New Roman" panose="02020603050405020304" pitchFamily="18" charset="0"/>
-                <a:cs typeface="Times New Roman" panose="02020603050405020304" pitchFamily="18" charset="0"/>
-              </a:rPr>
-              <a:t> לשפר את אחוז הצלחתו למקסימום הניתן.</a:t>
-            </a:r>
-          </a:p>
-        </p:txBody>
-      </p:sp>
-      <p:sp>
-        <p:nvSpPr>
           <p:cNvPr id="4" name="מלבן 3">
             <a:extLst>
               <a:ext uri="{FF2B5EF4-FFF2-40B4-BE49-F238E27FC236}">
-                <a16:creationId xmlns:a16="http://schemas.microsoft.com/office/drawing/2014/main" id="{CE2849DA-7348-4A16-A747-95C52780E045}"/>
+                <a16:creationId xmlns:a16="http://schemas.microsoft.com/office/drawing/2014/main" id="{89088BF8-3BA2-4CC1-8D89-90DF2912C438}"/>
               </a:ext>
             </a:extLst>
           </p:cNvPr>
@@ -9578,8 +9658,8 @@
         </p:nvSpPr>
         <p:spPr>
           <a:xfrm>
-            <a:off x="9471000" y="31806"/>
-            <a:ext cx="2409634" cy="1107996"/>
+            <a:off x="5136457" y="2875002"/>
+            <a:ext cx="1915910" cy="1107996"/>
           </a:xfrm>
           <a:prstGeom prst="rect">
             <a:avLst/>
@@ -9592,6 +9672,7 @@
           </a:bodyPr>
           <a:lstStyle/>
           <a:p>
+            <a:pPr algn="ctr"/>
             <a:r>
               <a:rPr lang="he-IL" sz="6600" b="1" cap="none" spc="0" dirty="0">
                 <a:ln w="0"/>
@@ -9608,7 +9689,7 @@
                 <a:latin typeface="Times New Roman" panose="02020603050405020304" pitchFamily="18" charset="0"/>
                 <a:cs typeface="Times New Roman" panose="02020603050405020304" pitchFamily="18" charset="0"/>
               </a:rPr>
-              <a:t>מסקנות</a:t>
+              <a:t>סיכום</a:t>
             </a:r>
           </a:p>
         </p:txBody>
@@ -9616,7 +9697,7 @@
     </p:spTree>
     <p:extLst>
       <p:ext uri="{BB962C8B-B14F-4D97-AF65-F5344CB8AC3E}">
-        <p14:creationId xmlns:p14="http://schemas.microsoft.com/office/powerpoint/2010/main" val="3109822649"/>
+        <p14:creationId xmlns:p14="http://schemas.microsoft.com/office/powerpoint/2010/main" val="64129998"/>
       </p:ext>
     </p:extLst>
   </p:cSld>
@@ -9657,10 +9738,74 @@
       </p:grpSpPr>
       <p:sp>
         <p:nvSpPr>
+          <p:cNvPr id="14" name="מציין מיקום תוכן 13"/>
+          <p:cNvSpPr>
+            <a:spLocks noGrp="1"/>
+          </p:cNvSpPr>
+          <p:nvPr>
+            <p:ph idx="1"/>
+          </p:nvPr>
+        </p:nvSpPr>
+        <p:spPr>
+          <a:xfrm>
+            <a:off x="1629916" y="1556792"/>
+            <a:ext cx="9134391" cy="4114801"/>
+          </a:xfrm>
+        </p:spPr>
+        <p:txBody>
+          <a:bodyPr rtlCol="1">
+            <a:normAutofit/>
+          </a:bodyPr>
+          <a:lstStyle/>
+          <a:p>
+            <a:r>
+              <a:rPr lang="he-IL" dirty="0">
+                <a:latin typeface="Times New Roman" panose="02020603050405020304" pitchFamily="18" charset="0"/>
+                <a:cs typeface="Times New Roman" panose="02020603050405020304" pitchFamily="18" charset="0"/>
+              </a:rPr>
+              <a:t>שאלת המחקר הייתה "האם משתלם לפטר מאמן באמצע העונה בליגת ה-</a:t>
+            </a:r>
+            <a:r>
+              <a:rPr lang="en-US" dirty="0">
+                <a:latin typeface="Times New Roman" panose="02020603050405020304" pitchFamily="18" charset="0"/>
+                <a:cs typeface="Times New Roman" panose="02020603050405020304" pitchFamily="18" charset="0"/>
+              </a:rPr>
+              <a:t>?NBA</a:t>
+            </a:r>
+            <a:r>
+              <a:rPr lang="he-IL" dirty="0">
+                <a:latin typeface="Times New Roman" panose="02020603050405020304" pitchFamily="18" charset="0"/>
+                <a:cs typeface="Times New Roman" panose="02020603050405020304" pitchFamily="18" charset="0"/>
+              </a:rPr>
+              <a:t> " והתשובה הינה שיש זמנים מסוימים בעונה שכן משתלם לפטר את המאמן וגם מה מוגדר מבחינת הבעלים כהצלחה בעת פיטור מאמן.</a:t>
+            </a:r>
+          </a:p>
+          <a:p>
+            <a:r>
+              <a:rPr lang="he-IL" dirty="0">
+                <a:latin typeface="Times New Roman" panose="02020603050405020304" pitchFamily="18" charset="0"/>
+                <a:cs typeface="Times New Roman" panose="02020603050405020304" pitchFamily="18" charset="0"/>
+              </a:rPr>
+              <a:t>במידה ומספר המשחקים הינו פחות משליש מסך כל המשחקים ומאזן המאמן הינו נמוך יש סיכוי סביר שההחלפה תהה יעילה ואחוז ההצלחה של המאמן הבא יהיה טוב מהמאמן הקודם.</a:t>
+            </a:r>
+          </a:p>
+          <a:p>
+            <a:r>
+              <a:rPr lang="he-IL" dirty="0">
+                <a:latin typeface="Times New Roman" panose="02020603050405020304" pitchFamily="18" charset="0"/>
+                <a:cs typeface="Times New Roman" panose="02020603050405020304" pitchFamily="18" charset="0"/>
+              </a:rPr>
+              <a:t>ככל שיש יותר חילופים במהלך השנה של מאמנים אחוזי הסיכוי להצלחה גדלים גם כן.</a:t>
+            </a:r>
+          </a:p>
+        </p:txBody>
+      </p:sp>
+      <p:sp>
+        <p:nvSpPr>
           <p:cNvPr id="4" name="מלבן 3">
             <a:extLst>
               <a:ext uri="{FF2B5EF4-FFF2-40B4-BE49-F238E27FC236}">
-                <a16:creationId xmlns:a16="http://schemas.microsoft.com/office/drawing/2014/main" id="{89088BF8-3BA2-4CC1-8D89-90DF2912C438}"/>
+                <a16:creationId xmlns:a16="http://schemas.microsoft.com/office/drawing/2014/main" id="{CE2849DA-7348-4A16-A747-95C52780E045}"/>
               </a:ext>
             </a:extLst>
           </p:cNvPr>
@@ -9669,7 +9814,7 @@
         </p:nvSpPr>
         <p:spPr>
           <a:xfrm>
-            <a:off x="5136457" y="2875002"/>
+            <a:off x="9964724" y="31806"/>
             <a:ext cx="1915910" cy="1107996"/>
           </a:xfrm>
           <a:prstGeom prst="rect">
@@ -9683,7 +9828,6 @@
           </a:bodyPr>
           <a:lstStyle/>
           <a:p>
-            <a:pPr algn="ctr"/>
             <a:r>
               <a:rPr lang="he-IL" sz="6600" b="1" cap="none" spc="0" dirty="0">
                 <a:ln w="0"/>
@@ -9708,7 +9852,7 @@
     </p:spTree>
     <p:extLst>
       <p:ext uri="{BB962C8B-B14F-4D97-AF65-F5344CB8AC3E}">
-        <p14:creationId xmlns:p14="http://schemas.microsoft.com/office/powerpoint/2010/main" val="64129998"/>
+        <p14:creationId xmlns:p14="http://schemas.microsoft.com/office/powerpoint/2010/main" val="927740739"/>
       </p:ext>
     </p:extLst>
   </p:cSld>
@@ -9774,21 +9918,21 @@
                 <a:latin typeface="Times New Roman" panose="02020603050405020304" pitchFamily="18" charset="0"/>
                 <a:cs typeface="Times New Roman" panose="02020603050405020304" pitchFamily="18" charset="0"/>
               </a:rPr>
-              <a:t>שאלת המחקר הייתה "האם משתלם לפטר מאמן באמצע העונה בליגת ה-</a:t>
+              <a:t>הנתונים הינם מעטים אך ממצים מאוד את המסקנות לגבי ליגת ה</a:t>
             </a:r>
             <a:r>
               <a:rPr lang="en-US" dirty="0">
                 <a:latin typeface="Times New Roman" panose="02020603050405020304" pitchFamily="18" charset="0"/>
                 <a:cs typeface="Times New Roman" panose="02020603050405020304" pitchFamily="18" charset="0"/>
               </a:rPr>
-              <a:t>?NBA</a:t>
+              <a:t>NBA</a:t>
             </a:r>
             <a:r>
               <a:rPr lang="he-IL" dirty="0">
                 <a:latin typeface="Times New Roman" panose="02020603050405020304" pitchFamily="18" charset="0"/>
                 <a:cs typeface="Times New Roman" panose="02020603050405020304" pitchFamily="18" charset="0"/>
               </a:rPr>
-              <a:t> " והתשובה הינה שיש זמנים מסוימים בעונה שכן משתלם לפטר את המאמן וגם מה מוגדר מבחינת הבעלים כהצלחה בעת פיטור מאמן.</a:t>
+              <a:t>. במידה והיו יותר נתונים היינו מגיעים למסקנות רבות יותר.</a:t>
             </a:r>
           </a:p>
           <a:p>
@@ -9797,7 +9941,7 @@
                 <a:latin typeface="Times New Roman" panose="02020603050405020304" pitchFamily="18" charset="0"/>
                 <a:cs typeface="Times New Roman" panose="02020603050405020304" pitchFamily="18" charset="0"/>
               </a:rPr>
-              <a:t>במידה ומספר המשחקים הינו פחות משליש מסך כל המשחקים ומאזן המאמן הינו נמוך יש סיכוי סביר שההחלפה תהה יעילה ואחוז ההצלחה של המאמן הבא יהיה טוב מהמאמן הקודם.</a:t>
+              <a:t>שאלת המחקר תלויה בהנחות יסוד שלפעמים לא ניתן להניח במהלך העונה אבל ניתן להבין מתי דפוס של פיטורי מאמן יכולים להצליח ומתי סביר שלא.</a:t>
             </a:r>
           </a:p>
           <a:p>
@@ -9806,7 +9950,7 @@
                 <a:latin typeface="Times New Roman" panose="02020603050405020304" pitchFamily="18" charset="0"/>
                 <a:cs typeface="Times New Roman" panose="02020603050405020304" pitchFamily="18" charset="0"/>
               </a:rPr>
-              <a:t>ככל שיש יותר חילופים במהלך השנה של מאמנים אחוזי הסיכוי להצלחה גדלים גם כן.</a:t>
+              <a:t>הדגש בעבודה היה יותר על הזחלן והנתונים ופחות על החיזוי, אנו מאמינים שבאם היה מידע נוסף תוצאות החיזוי היו גדלות משמעותית וכך גם מסקנות מדויקות יותר.</a:t>
             </a:r>
           </a:p>
         </p:txBody>
@@ -9825,8 +9969,8 @@
         </p:nvSpPr>
         <p:spPr>
           <a:xfrm>
-            <a:off x="9964724" y="31806"/>
-            <a:ext cx="1915910" cy="1107996"/>
+            <a:off x="5744018" y="31806"/>
+            <a:ext cx="6136616" cy="1107996"/>
           </a:xfrm>
           <a:prstGeom prst="rect">
             <a:avLst/>
@@ -9855,7 +9999,7 @@
                 <a:latin typeface="Times New Roman" panose="02020603050405020304" pitchFamily="18" charset="0"/>
                 <a:cs typeface="Times New Roman" panose="02020603050405020304" pitchFamily="18" charset="0"/>
               </a:rPr>
-              <a:t>סיכום</a:t>
+              <a:t>סיכום בנימה אישית</a:t>
             </a:r>
           </a:p>
         </p:txBody>
@@ -9863,7 +10007,7 @@
     </p:spTree>
     <p:extLst>
       <p:ext uri="{BB962C8B-B14F-4D97-AF65-F5344CB8AC3E}">
-        <p14:creationId xmlns:p14="http://schemas.microsoft.com/office/powerpoint/2010/main" val="927740739"/>
+        <p14:creationId xmlns:p14="http://schemas.microsoft.com/office/powerpoint/2010/main" val="189539004"/>
       </p:ext>
     </p:extLst>
   </p:cSld>
@@ -9904,74 +10048,10 @@
       </p:grpSpPr>
       <p:sp>
         <p:nvSpPr>
-          <p:cNvPr id="14" name="מציין מיקום תוכן 13"/>
-          <p:cNvSpPr>
-            <a:spLocks noGrp="1"/>
-          </p:cNvSpPr>
-          <p:nvPr>
-            <p:ph idx="1"/>
-          </p:nvPr>
-        </p:nvSpPr>
-        <p:spPr>
-          <a:xfrm>
-            <a:off x="1629916" y="1556792"/>
-            <a:ext cx="9134391" cy="4114801"/>
-          </a:xfrm>
-        </p:spPr>
-        <p:txBody>
-          <a:bodyPr rtlCol="1">
-            <a:normAutofit/>
-          </a:bodyPr>
-          <a:lstStyle/>
-          <a:p>
-            <a:r>
-              <a:rPr lang="he-IL" dirty="0">
-                <a:latin typeface="Times New Roman" panose="02020603050405020304" pitchFamily="18" charset="0"/>
-                <a:cs typeface="Times New Roman" panose="02020603050405020304" pitchFamily="18" charset="0"/>
-              </a:rPr>
-              <a:t>הנתונים הינם מעטים אך ממצים מאוד את המסקנות לגבי ליגת ה</a:t>
-            </a:r>
-            <a:r>
-              <a:rPr lang="en-US" dirty="0">
-                <a:latin typeface="Times New Roman" panose="02020603050405020304" pitchFamily="18" charset="0"/>
-                <a:cs typeface="Times New Roman" panose="02020603050405020304" pitchFamily="18" charset="0"/>
-              </a:rPr>
-              <a:t>NBA</a:t>
-            </a:r>
-            <a:r>
-              <a:rPr lang="he-IL" dirty="0">
-                <a:latin typeface="Times New Roman" panose="02020603050405020304" pitchFamily="18" charset="0"/>
-                <a:cs typeface="Times New Roman" panose="02020603050405020304" pitchFamily="18" charset="0"/>
-              </a:rPr>
-              <a:t>. במידה והיו יותר נתונים היינו מגיעים למסקנות רבות יותר.</a:t>
-            </a:r>
-          </a:p>
-          <a:p>
-            <a:r>
-              <a:rPr lang="he-IL" dirty="0">
-                <a:latin typeface="Times New Roman" panose="02020603050405020304" pitchFamily="18" charset="0"/>
-                <a:cs typeface="Times New Roman" panose="02020603050405020304" pitchFamily="18" charset="0"/>
-              </a:rPr>
-              <a:t>שאלת המחקר תלויה בהנחות יסוד שלפעמים לא ניתן להניח במהלך העונה אבל ניתן להבין מתי דפוס של פיטורי מאמן יכולים להצליח ומתי סביר שלא.</a:t>
-            </a:r>
-          </a:p>
-          <a:p>
-            <a:r>
-              <a:rPr lang="he-IL" dirty="0">
-                <a:latin typeface="Times New Roman" panose="02020603050405020304" pitchFamily="18" charset="0"/>
-                <a:cs typeface="Times New Roman" panose="02020603050405020304" pitchFamily="18" charset="0"/>
-              </a:rPr>
-              <a:t>הדגש בעבודה היה יותר על הזחלן והנתונים ופחות על החיזוי, אנו מאמינים שבאם היה מידע נוסף תוצאות החיזוי היו גדלות משמעותית וכך גם מסקנות מדויקות יותר.</a:t>
-            </a:r>
-          </a:p>
-        </p:txBody>
-      </p:sp>
-      <p:sp>
-        <p:nvSpPr>
           <p:cNvPr id="4" name="מלבן 3">
             <a:extLst>
               <a:ext uri="{FF2B5EF4-FFF2-40B4-BE49-F238E27FC236}">
-                <a16:creationId xmlns:a16="http://schemas.microsoft.com/office/drawing/2014/main" id="{CE2849DA-7348-4A16-A747-95C52780E045}"/>
+                <a16:creationId xmlns:a16="http://schemas.microsoft.com/office/drawing/2014/main" id="{89088BF8-3BA2-4CC1-8D89-90DF2912C438}"/>
               </a:ext>
             </a:extLst>
           </p:cNvPr>
@@ -9980,8 +10060,8 @@
         </p:nvSpPr>
         <p:spPr>
           <a:xfrm>
-            <a:off x="5744018" y="31806"/>
-            <a:ext cx="6136616" cy="1107996"/>
+            <a:off x="3444490" y="2875002"/>
+            <a:ext cx="5299849" cy="1107996"/>
           </a:xfrm>
           <a:prstGeom prst="rect">
             <a:avLst/>
@@ -9994,6 +10074,7 @@
           </a:bodyPr>
           <a:lstStyle/>
           <a:p>
+            <a:pPr algn="ctr"/>
             <a:r>
               <a:rPr lang="he-IL" sz="6600" b="1" cap="none" spc="0" dirty="0">
                 <a:ln w="0"/>
@@ -10010,7 +10091,7 @@
                 <a:latin typeface="Times New Roman" panose="02020603050405020304" pitchFamily="18" charset="0"/>
                 <a:cs typeface="Times New Roman" panose="02020603050405020304" pitchFamily="18" charset="0"/>
               </a:rPr>
-              <a:t>סיכום בנימה אישית</a:t>
+              <a:t>תודה על הקריאה</a:t>
             </a:r>
           </a:p>
         </p:txBody>
@@ -10018,7 +10099,7 @@
     </p:spTree>
     <p:extLst>
       <p:ext uri="{BB962C8B-B14F-4D97-AF65-F5344CB8AC3E}">
-        <p14:creationId xmlns:p14="http://schemas.microsoft.com/office/powerpoint/2010/main" val="189539004"/>
+        <p14:creationId xmlns:p14="http://schemas.microsoft.com/office/powerpoint/2010/main" val="1506824754"/>
       </p:ext>
     </p:extLst>
   </p:cSld>
@@ -10071,98 +10152,6 @@
         </p:nvSpPr>
         <p:spPr>
           <a:xfrm>
-            <a:off x="3444490" y="2875002"/>
-            <a:ext cx="5299849" cy="1107996"/>
-          </a:xfrm>
-          <a:prstGeom prst="rect">
-            <a:avLst/>
-          </a:prstGeom>
-          <a:noFill/>
-        </p:spPr>
-        <p:txBody>
-          <a:bodyPr wrap="none" lIns="91440" tIns="45720" rIns="91440" bIns="45720">
-            <a:spAutoFit/>
-          </a:bodyPr>
-          <a:lstStyle/>
-          <a:p>
-            <a:pPr algn="ctr"/>
-            <a:r>
-              <a:rPr lang="he-IL" sz="6600" b="1" cap="none" spc="0" dirty="0">
-                <a:ln w="0"/>
-                <a:solidFill>
-                  <a:schemeClr val="tx1"/>
-                </a:solidFill>
-                <a:effectLst>
-                  <a:outerShdw blurRad="38100" dist="19050" dir="2700000" algn="tl" rotWithShape="0">
-                    <a:schemeClr val="dk1">
-                      <a:alpha val="40000"/>
-                    </a:schemeClr>
-                  </a:outerShdw>
-                </a:effectLst>
-                <a:latin typeface="Times New Roman" panose="02020603050405020304" pitchFamily="18" charset="0"/>
-                <a:cs typeface="Times New Roman" panose="02020603050405020304" pitchFamily="18" charset="0"/>
-              </a:rPr>
-              <a:t>תודה על הקריאה</a:t>
-            </a:r>
-          </a:p>
-        </p:txBody>
-      </p:sp>
-    </p:spTree>
-    <p:extLst>
-      <p:ext uri="{BB962C8B-B14F-4D97-AF65-F5344CB8AC3E}">
-        <p14:creationId xmlns:p14="http://schemas.microsoft.com/office/powerpoint/2010/main" val="1506824754"/>
-      </p:ext>
-    </p:extLst>
-  </p:cSld>
-  <p:clrMapOvr>
-    <a:masterClrMapping/>
-  </p:clrMapOvr>
-  <mc:AlternateContent xmlns:mc="http://schemas.openxmlformats.org/markup-compatibility/2006" xmlns:p14="http://schemas.microsoft.com/office/powerpoint/2010/main">
-    <mc:Choice Requires="p14">
-      <p:transition spd="med" p14:dur="700">
-        <p:fade/>
-      </p:transition>
-    </mc:Choice>
-    <mc:Fallback xmlns="">
-      <p:transition spd="med">
-        <p:fade/>
-      </p:transition>
-    </mc:Fallback>
-  </mc:AlternateContent>
-</p:sld>
-</file>
-
-<file path=ppt/slides/slide28.xml><?xml version="1.0" encoding="utf-8"?>
-<p:sld xmlns:a="http://schemas.openxmlformats.org/drawingml/2006/main" xmlns:r="http://schemas.openxmlformats.org/officeDocument/2006/relationships" xmlns:p="http://schemas.openxmlformats.org/presentationml/2006/main">
-  <p:cSld>
-    <p:spTree>
-      <p:nvGrpSpPr>
-        <p:cNvPr id="1" name=""/>
-        <p:cNvGrpSpPr/>
-        <p:nvPr/>
-      </p:nvGrpSpPr>
-      <p:grpSpPr>
-        <a:xfrm>
-          <a:off x="0" y="0"/>
-          <a:ext cx="0" cy="0"/>
-          <a:chOff x="0" y="0"/>
-          <a:chExt cx="0" cy="0"/>
-        </a:xfrm>
-      </p:grpSpPr>
-      <p:sp>
-        <p:nvSpPr>
-          <p:cNvPr id="4" name="מלבן 3">
-            <a:extLst>
-              <a:ext uri="{FF2B5EF4-FFF2-40B4-BE49-F238E27FC236}">
-                <a16:creationId xmlns:a16="http://schemas.microsoft.com/office/drawing/2014/main" id="{89088BF8-3BA2-4CC1-8D89-90DF2912C438}"/>
-              </a:ext>
-            </a:extLst>
-          </p:cNvPr>
-          <p:cNvSpPr/>
-          <p:nvPr/>
-        </p:nvSpPr>
-        <p:spPr>
-          <a:xfrm>
             <a:off x="4912039" y="2875002"/>
             <a:ext cx="2364750" cy="1107996"/>
           </a:xfrm>
@@ -10224,7 +10213,7 @@
 </p:sld>
 </file>
 
-<file path=ppt/slides/slide29.xml><?xml version="1.0" encoding="utf-8"?>
+<file path=ppt/slides/slide28.xml><?xml version="1.0" encoding="utf-8"?>
 <p:sld xmlns:a="http://schemas.openxmlformats.org/drawingml/2006/main" xmlns:r="http://schemas.openxmlformats.org/officeDocument/2006/relationships" xmlns:p="http://schemas.openxmlformats.org/presentationml/2006/main">
   <p:cSld>
     <p:spTree>
@@ -10387,257 +10376,7 @@
 </p:sld>
 </file>
 
-<file path=ppt/slides/slide3.xml><?xml version="1.0" encoding="utf-8"?>
-<p:sld xmlns:a="http://schemas.openxmlformats.org/drawingml/2006/main" xmlns:r="http://schemas.openxmlformats.org/officeDocument/2006/relationships" xmlns:p="http://schemas.openxmlformats.org/presentationml/2006/main">
-  <p:cSld>
-    <p:spTree>
-      <p:nvGrpSpPr>
-        <p:cNvPr id="1" name=""/>
-        <p:cNvGrpSpPr/>
-        <p:nvPr/>
-      </p:nvGrpSpPr>
-      <p:grpSpPr>
-        <a:xfrm>
-          <a:off x="0" y="0"/>
-          <a:ext cx="0" cy="0"/>
-          <a:chOff x="0" y="0"/>
-          <a:chExt cx="0" cy="0"/>
-        </a:xfrm>
-      </p:grpSpPr>
-      <p:sp>
-        <p:nvSpPr>
-          <p:cNvPr id="14" name="מציין מיקום תוכן 13"/>
-          <p:cNvSpPr>
-            <a:spLocks noGrp="1"/>
-          </p:cNvSpPr>
-          <p:nvPr>
-            <p:ph idx="1"/>
-          </p:nvPr>
-        </p:nvSpPr>
-        <p:spPr>
-          <a:xfrm>
-            <a:off x="1629916" y="1556792"/>
-            <a:ext cx="9134391" cy="4114801"/>
-          </a:xfrm>
-        </p:spPr>
-        <p:txBody>
-          <a:bodyPr rtlCol="1">
-            <a:normAutofit lnSpcReduction="10000"/>
-          </a:bodyPr>
-          <a:lstStyle/>
-          <a:p>
-            <a:r>
-              <a:rPr lang="he-IL" dirty="0">
-                <a:latin typeface="Times New Roman" panose="02020603050405020304" pitchFamily="18" charset="0"/>
-                <a:cs typeface="Times New Roman" panose="02020603050405020304" pitchFamily="18" charset="0"/>
-              </a:rPr>
-              <a:t>בשלב הראשון בנינו זחלן שמביא את נתוני המאמנים מהאתר המצורף מטה מהעונה הראשונה (1946) ועד לעונה האחרונה שהושלמה ב 2019:</a:t>
-            </a:r>
-            <a:br>
-              <a:rPr lang="en-US" dirty="0">
-                <a:latin typeface="Times New Roman" panose="02020603050405020304" pitchFamily="18" charset="0"/>
-                <a:cs typeface="Times New Roman" panose="02020603050405020304" pitchFamily="18" charset="0"/>
-              </a:rPr>
-            </a:br>
-            <a:r>
-              <a:rPr lang="en-US" dirty="0">
-                <a:latin typeface="Times New Roman" panose="02020603050405020304" pitchFamily="18" charset="0"/>
-                <a:cs typeface="Times New Roman" panose="02020603050405020304" pitchFamily="18" charset="0"/>
-                <a:hlinkClick r:id="rId3"/>
-              </a:rPr>
-              <a:t>https://www.basketball-reference.com/teams/</a:t>
-            </a:r>
-            <a:endParaRPr lang="en-US" dirty="0">
-              <a:latin typeface="Times New Roman" panose="02020603050405020304" pitchFamily="18" charset="0"/>
-              <a:cs typeface="Times New Roman" panose="02020603050405020304" pitchFamily="18" charset="0"/>
-            </a:endParaRPr>
-          </a:p>
-          <a:p>
-            <a:r>
-              <a:rPr lang="he-IL" dirty="0">
-                <a:latin typeface="Times New Roman" panose="02020603050405020304" pitchFamily="18" charset="0"/>
-                <a:cs typeface="Times New Roman" panose="02020603050405020304" pitchFamily="18" charset="0"/>
-              </a:rPr>
-              <a:t>המידע סודר ב </a:t>
-            </a:r>
-            <a:r>
-              <a:rPr lang="en-US" dirty="0" err="1">
-                <a:latin typeface="Times New Roman" panose="02020603050405020304" pitchFamily="18" charset="0"/>
-                <a:cs typeface="Times New Roman" panose="02020603050405020304" pitchFamily="18" charset="0"/>
-              </a:rPr>
-              <a:t>DataSets</a:t>
-            </a:r>
-            <a:r>
-              <a:rPr lang="he-IL" dirty="0">
-                <a:latin typeface="Times New Roman" panose="02020603050405020304" pitchFamily="18" charset="0"/>
-                <a:cs typeface="Times New Roman" panose="02020603050405020304" pitchFamily="18" charset="0"/>
-              </a:rPr>
-              <a:t> שונים עבור כל קבוצה בנפרד.</a:t>
-            </a:r>
-          </a:p>
-          <a:p>
-            <a:r>
-              <a:rPr lang="he-IL" dirty="0">
-                <a:latin typeface="Times New Roman" panose="02020603050405020304" pitchFamily="18" charset="0"/>
-                <a:cs typeface="Times New Roman" panose="02020603050405020304" pitchFamily="18" charset="0"/>
-              </a:rPr>
-              <a:t>המידע סודר לפי שנים – כל מאמן קיבל עמודה על שמו, המאזן שלו, כמות </a:t>
-            </a:r>
-            <a:r>
-              <a:rPr lang="he-IL" dirty="0" err="1">
-                <a:latin typeface="Times New Roman" panose="02020603050405020304" pitchFamily="18" charset="0"/>
-                <a:cs typeface="Times New Roman" panose="02020603050405020304" pitchFamily="18" charset="0"/>
-              </a:rPr>
-              <a:t>הנצחונות</a:t>
-            </a:r>
-            <a:r>
-              <a:rPr lang="he-IL" dirty="0">
-                <a:latin typeface="Times New Roman" panose="02020603050405020304" pitchFamily="18" charset="0"/>
-                <a:cs typeface="Times New Roman" panose="02020603050405020304" pitchFamily="18" charset="0"/>
-              </a:rPr>
-              <a:t>, כמות ההפסדים ואחוז ההצלחה שלו. סה"כ 5 עמודות </a:t>
-            </a:r>
-            <a:r>
-              <a:rPr lang="en-US" dirty="0">
-                <a:latin typeface="Times New Roman" panose="02020603050405020304" pitchFamily="18" charset="0"/>
-                <a:cs typeface="Times New Roman" panose="02020603050405020304" pitchFamily="18" charset="0"/>
-              </a:rPr>
-              <a:t>X</a:t>
-            </a:r>
-            <a:r>
-              <a:rPr lang="he-IL" dirty="0">
-                <a:latin typeface="Times New Roman" panose="02020603050405020304" pitchFamily="18" charset="0"/>
-                <a:cs typeface="Times New Roman" panose="02020603050405020304" pitchFamily="18" charset="0"/>
-              </a:rPr>
-              <a:t> מקסימום 4 מאמנים לקבוצה בעונה = 20 עמודות בקבצי המידע הראשוניים.</a:t>
-            </a:r>
-          </a:p>
-          <a:p>
-            <a:r>
-              <a:rPr lang="he-IL" dirty="0">
-                <a:latin typeface="Times New Roman" panose="02020603050405020304" pitchFamily="18" charset="0"/>
-                <a:cs typeface="Times New Roman" panose="02020603050405020304" pitchFamily="18" charset="0"/>
-              </a:rPr>
-              <a:t>איחדנו את כלל המידע ב</a:t>
-            </a:r>
-            <a:r>
-              <a:rPr lang="en-US" dirty="0">
-                <a:latin typeface="Times New Roman" panose="02020603050405020304" pitchFamily="18" charset="0"/>
-                <a:cs typeface="Times New Roman" panose="02020603050405020304" pitchFamily="18" charset="0"/>
-              </a:rPr>
-              <a:t> </a:t>
-            </a:r>
-            <a:r>
-              <a:rPr lang="he-IL" dirty="0">
-                <a:latin typeface="Times New Roman" panose="02020603050405020304" pitchFamily="18" charset="0"/>
-                <a:cs typeface="Times New Roman" panose="02020603050405020304" pitchFamily="18" charset="0"/>
-              </a:rPr>
-              <a:t>- </a:t>
-            </a:r>
-            <a:r>
-              <a:rPr lang="en-US" dirty="0" err="1">
-                <a:latin typeface="Times New Roman" panose="02020603050405020304" pitchFamily="18" charset="0"/>
-                <a:cs typeface="Times New Roman" panose="02020603050405020304" pitchFamily="18" charset="0"/>
-              </a:rPr>
-              <a:t>DataSets</a:t>
-            </a:r>
-            <a:r>
-              <a:rPr lang="he-IL" dirty="0">
-                <a:latin typeface="Times New Roman" panose="02020603050405020304" pitchFamily="18" charset="0"/>
-                <a:cs typeface="Times New Roman" panose="02020603050405020304" pitchFamily="18" charset="0"/>
-              </a:rPr>
-              <a:t> שונים בסגנונות שונים: אחד לניתוח סטטיסטי ותצוגה גרפית והשני מצומצם עבור חיזוי עתידי. בנוסף, ביצענו חילוק נוסף לפי הפרש ההצלחה. בדקנו פעם אחת שהצלחה מוגדרת שאם המאמן הבא הצליח בלפחות 0% מקודמו ופעם שניה שהצלחה מוגדרת אם המאמן הבא הצליח בלפחות 5% מקודמו.</a:t>
-            </a:r>
-          </a:p>
-        </p:txBody>
-      </p:sp>
-      <p:sp>
-        <p:nvSpPr>
-          <p:cNvPr id="4" name="מלבן 3">
-            <a:extLst>
-              <a:ext uri="{FF2B5EF4-FFF2-40B4-BE49-F238E27FC236}">
-                <a16:creationId xmlns:a16="http://schemas.microsoft.com/office/drawing/2014/main" id="{CE2849DA-7348-4A16-A747-95C52780E045}"/>
-              </a:ext>
-            </a:extLst>
-          </p:cNvPr>
-          <p:cNvSpPr/>
-          <p:nvPr/>
-        </p:nvSpPr>
-        <p:spPr>
-          <a:xfrm>
-            <a:off x="6066222" y="31806"/>
-            <a:ext cx="5814412" cy="1107996"/>
-          </a:xfrm>
-          <a:prstGeom prst="rect">
-            <a:avLst/>
-          </a:prstGeom>
-          <a:noFill/>
-        </p:spPr>
-        <p:txBody>
-          <a:bodyPr wrap="none" lIns="91440" tIns="45720" rIns="91440" bIns="45720">
-            <a:spAutoFit/>
-          </a:bodyPr>
-          <a:lstStyle/>
-          <a:p>
-            <a:r>
-              <a:rPr lang="he-IL" sz="6600" b="1" dirty="0">
-                <a:ln w="0"/>
-                <a:effectLst>
-                  <a:outerShdw blurRad="38100" dist="19050" dir="2700000" algn="tl" rotWithShape="0">
-                    <a:schemeClr val="dk1">
-                      <a:alpha val="40000"/>
-                    </a:schemeClr>
-                  </a:outerShdw>
-                </a:effectLst>
-                <a:latin typeface="Times New Roman" panose="02020603050405020304" pitchFamily="18" charset="0"/>
-                <a:cs typeface="Times New Roman" panose="02020603050405020304" pitchFamily="18" charset="0"/>
-              </a:rPr>
-              <a:t>איך הושגה תשובה</a:t>
-            </a:r>
-            <a:endParaRPr lang="he-IL" sz="6600" b="1" cap="none" spc="0" dirty="0">
-              <a:ln w="0"/>
-              <a:solidFill>
-                <a:schemeClr val="tx1"/>
-              </a:solidFill>
-              <a:effectLst>
-                <a:outerShdw blurRad="38100" dist="19050" dir="2700000" algn="tl" rotWithShape="0">
-                  <a:schemeClr val="dk1">
-                    <a:alpha val="40000"/>
-                  </a:schemeClr>
-                </a:outerShdw>
-              </a:effectLst>
-              <a:latin typeface="Times New Roman" panose="02020603050405020304" pitchFamily="18" charset="0"/>
-              <a:cs typeface="Times New Roman" panose="02020603050405020304" pitchFamily="18" charset="0"/>
-            </a:endParaRPr>
-          </a:p>
-        </p:txBody>
-      </p:sp>
-    </p:spTree>
-    <p:extLst>
-      <p:ext uri="{BB962C8B-B14F-4D97-AF65-F5344CB8AC3E}">
-        <p14:creationId xmlns:p14="http://schemas.microsoft.com/office/powerpoint/2010/main" val="1012716763"/>
-      </p:ext>
-    </p:extLst>
-  </p:cSld>
-  <p:clrMapOvr>
-    <a:masterClrMapping/>
-  </p:clrMapOvr>
-  <mc:AlternateContent xmlns:mc="http://schemas.openxmlformats.org/markup-compatibility/2006" xmlns:p14="http://schemas.microsoft.com/office/powerpoint/2010/main">
-    <mc:Choice Requires="p14">
-      <p:transition spd="med" p14:dur="700">
-        <p:fade/>
-      </p:transition>
-    </mc:Choice>
-    <mc:Fallback xmlns="">
-      <p:transition spd="med">
-        <p:fade/>
-      </p:transition>
-    </mc:Fallback>
-  </mc:AlternateContent>
-</p:sld>
-</file>
-
-<file path=ppt/slides/slide30.xml><?xml version="1.0" encoding="utf-8"?>
+<file path=ppt/slides/slide29.xml><?xml version="1.0" encoding="utf-8"?>
 <p:sld xmlns:a="http://schemas.openxmlformats.org/drawingml/2006/main" xmlns:r="http://schemas.openxmlformats.org/officeDocument/2006/relationships" xmlns:p="http://schemas.openxmlformats.org/presentationml/2006/main">
   <p:cSld>
     <p:spTree>
@@ -10770,7 +10509,257 @@
 </p:sld>
 </file>
 
-<file path=ppt/slides/slide31.xml><?xml version="1.0" encoding="utf-8"?>
+<file path=ppt/slides/slide3.xml><?xml version="1.0" encoding="utf-8"?>
+<p:sld xmlns:a="http://schemas.openxmlformats.org/drawingml/2006/main" xmlns:r="http://schemas.openxmlformats.org/officeDocument/2006/relationships" xmlns:p="http://schemas.openxmlformats.org/presentationml/2006/main">
+  <p:cSld>
+    <p:spTree>
+      <p:nvGrpSpPr>
+        <p:cNvPr id="1" name=""/>
+        <p:cNvGrpSpPr/>
+        <p:nvPr/>
+      </p:nvGrpSpPr>
+      <p:grpSpPr>
+        <a:xfrm>
+          <a:off x="0" y="0"/>
+          <a:ext cx="0" cy="0"/>
+          <a:chOff x="0" y="0"/>
+          <a:chExt cx="0" cy="0"/>
+        </a:xfrm>
+      </p:grpSpPr>
+      <p:sp>
+        <p:nvSpPr>
+          <p:cNvPr id="14" name="מציין מיקום תוכן 13"/>
+          <p:cNvSpPr>
+            <a:spLocks noGrp="1"/>
+          </p:cNvSpPr>
+          <p:nvPr>
+            <p:ph idx="1"/>
+          </p:nvPr>
+        </p:nvSpPr>
+        <p:spPr>
+          <a:xfrm>
+            <a:off x="1629916" y="1556792"/>
+            <a:ext cx="9134391" cy="4114801"/>
+          </a:xfrm>
+        </p:spPr>
+        <p:txBody>
+          <a:bodyPr rtlCol="1">
+            <a:normAutofit lnSpcReduction="10000"/>
+          </a:bodyPr>
+          <a:lstStyle/>
+          <a:p>
+            <a:r>
+              <a:rPr lang="he-IL" dirty="0">
+                <a:latin typeface="Times New Roman" panose="02020603050405020304" pitchFamily="18" charset="0"/>
+                <a:cs typeface="Times New Roman" panose="02020603050405020304" pitchFamily="18" charset="0"/>
+              </a:rPr>
+              <a:t>בשלב הראשון בנינו זחלן שמביא את נתוני המאמנים מהאתר המצורף מטה מהעונה הראשונה (1946) ועד לעונה האחרונה שהושלמה ב 2019:</a:t>
+            </a:r>
+            <a:br>
+              <a:rPr lang="en-US" dirty="0">
+                <a:latin typeface="Times New Roman" panose="02020603050405020304" pitchFamily="18" charset="0"/>
+                <a:cs typeface="Times New Roman" panose="02020603050405020304" pitchFamily="18" charset="0"/>
+              </a:rPr>
+            </a:br>
+            <a:r>
+              <a:rPr lang="en-US" dirty="0">
+                <a:latin typeface="Times New Roman" panose="02020603050405020304" pitchFamily="18" charset="0"/>
+                <a:cs typeface="Times New Roman" panose="02020603050405020304" pitchFamily="18" charset="0"/>
+                <a:hlinkClick r:id="rId3"/>
+              </a:rPr>
+              <a:t>https://www.basketball-reference.com/teams/</a:t>
+            </a:r>
+            <a:endParaRPr lang="en-US" dirty="0">
+              <a:latin typeface="Times New Roman" panose="02020603050405020304" pitchFamily="18" charset="0"/>
+              <a:cs typeface="Times New Roman" panose="02020603050405020304" pitchFamily="18" charset="0"/>
+            </a:endParaRPr>
+          </a:p>
+          <a:p>
+            <a:r>
+              <a:rPr lang="he-IL" dirty="0">
+                <a:latin typeface="Times New Roman" panose="02020603050405020304" pitchFamily="18" charset="0"/>
+                <a:cs typeface="Times New Roman" panose="02020603050405020304" pitchFamily="18" charset="0"/>
+              </a:rPr>
+              <a:t>המידע סודר ב </a:t>
+            </a:r>
+            <a:r>
+              <a:rPr lang="en-US" dirty="0" err="1">
+                <a:latin typeface="Times New Roman" panose="02020603050405020304" pitchFamily="18" charset="0"/>
+                <a:cs typeface="Times New Roman" panose="02020603050405020304" pitchFamily="18" charset="0"/>
+              </a:rPr>
+              <a:t>DataSets</a:t>
+            </a:r>
+            <a:r>
+              <a:rPr lang="he-IL" dirty="0">
+                <a:latin typeface="Times New Roman" panose="02020603050405020304" pitchFamily="18" charset="0"/>
+                <a:cs typeface="Times New Roman" panose="02020603050405020304" pitchFamily="18" charset="0"/>
+              </a:rPr>
+              <a:t> שונים עבור כל קבוצה בנפרד.</a:t>
+            </a:r>
+          </a:p>
+          <a:p>
+            <a:r>
+              <a:rPr lang="he-IL" dirty="0">
+                <a:latin typeface="Times New Roman" panose="02020603050405020304" pitchFamily="18" charset="0"/>
+                <a:cs typeface="Times New Roman" panose="02020603050405020304" pitchFamily="18" charset="0"/>
+              </a:rPr>
+              <a:t>המידע סודר לפי שנים – כל מאמן קיבל עמודה על שמו, המאזן שלו, כמות </a:t>
+            </a:r>
+            <a:r>
+              <a:rPr lang="he-IL" dirty="0" err="1">
+                <a:latin typeface="Times New Roman" panose="02020603050405020304" pitchFamily="18" charset="0"/>
+                <a:cs typeface="Times New Roman" panose="02020603050405020304" pitchFamily="18" charset="0"/>
+              </a:rPr>
+              <a:t>הנצחונות</a:t>
+            </a:r>
+            <a:r>
+              <a:rPr lang="he-IL" dirty="0">
+                <a:latin typeface="Times New Roman" panose="02020603050405020304" pitchFamily="18" charset="0"/>
+                <a:cs typeface="Times New Roman" panose="02020603050405020304" pitchFamily="18" charset="0"/>
+              </a:rPr>
+              <a:t>, כמות ההפסדים ואחוז ההצלחה שלו. סה"כ 5 עמודות </a:t>
+            </a:r>
+            <a:r>
+              <a:rPr lang="en-US" dirty="0">
+                <a:latin typeface="Times New Roman" panose="02020603050405020304" pitchFamily="18" charset="0"/>
+                <a:cs typeface="Times New Roman" panose="02020603050405020304" pitchFamily="18" charset="0"/>
+              </a:rPr>
+              <a:t>X</a:t>
+            </a:r>
+            <a:r>
+              <a:rPr lang="he-IL" dirty="0">
+                <a:latin typeface="Times New Roman" panose="02020603050405020304" pitchFamily="18" charset="0"/>
+                <a:cs typeface="Times New Roman" panose="02020603050405020304" pitchFamily="18" charset="0"/>
+              </a:rPr>
+              <a:t> מקסימום 4 מאמנים לקבוצה בעונה = 20 עמודות בקבצי המידע הראשוניים.</a:t>
+            </a:r>
+          </a:p>
+          <a:p>
+            <a:r>
+              <a:rPr lang="he-IL" dirty="0">
+                <a:latin typeface="Times New Roman" panose="02020603050405020304" pitchFamily="18" charset="0"/>
+                <a:cs typeface="Times New Roman" panose="02020603050405020304" pitchFamily="18" charset="0"/>
+              </a:rPr>
+              <a:t>איחדנו את כלל המידע ב</a:t>
+            </a:r>
+            <a:r>
+              <a:rPr lang="en-US" dirty="0">
+                <a:latin typeface="Times New Roman" panose="02020603050405020304" pitchFamily="18" charset="0"/>
+                <a:cs typeface="Times New Roman" panose="02020603050405020304" pitchFamily="18" charset="0"/>
+              </a:rPr>
+              <a:t> </a:t>
+            </a:r>
+            <a:r>
+              <a:rPr lang="he-IL" dirty="0">
+                <a:latin typeface="Times New Roman" panose="02020603050405020304" pitchFamily="18" charset="0"/>
+                <a:cs typeface="Times New Roman" panose="02020603050405020304" pitchFamily="18" charset="0"/>
+              </a:rPr>
+              <a:t>- </a:t>
+            </a:r>
+            <a:r>
+              <a:rPr lang="en-US" dirty="0" err="1">
+                <a:latin typeface="Times New Roman" panose="02020603050405020304" pitchFamily="18" charset="0"/>
+                <a:cs typeface="Times New Roman" panose="02020603050405020304" pitchFamily="18" charset="0"/>
+              </a:rPr>
+              <a:t>DataSets</a:t>
+            </a:r>
+            <a:r>
+              <a:rPr lang="he-IL" dirty="0">
+                <a:latin typeface="Times New Roman" panose="02020603050405020304" pitchFamily="18" charset="0"/>
+                <a:cs typeface="Times New Roman" panose="02020603050405020304" pitchFamily="18" charset="0"/>
+              </a:rPr>
+              <a:t> שונים בסגנונות שונים: אחד לניתוח סטטיסטי ותצוגה גרפית והשני מצומצם עבור חיזוי עתידי. בנוסף, ביצענו חילוק נוסף לפי הפרש ההצלחה. בדקנו פעם אחת שהצלחה מוגדרת שאם המאמן הבא הצליח בלפחות 0% מקודמו ופעם שניה שהצלחה מוגדרת אם המאמן הבא הצליח בלפחות 5% מקודמו.</a:t>
+            </a:r>
+          </a:p>
+        </p:txBody>
+      </p:sp>
+      <p:sp>
+        <p:nvSpPr>
+          <p:cNvPr id="4" name="מלבן 3">
+            <a:extLst>
+              <a:ext uri="{FF2B5EF4-FFF2-40B4-BE49-F238E27FC236}">
+                <a16:creationId xmlns:a16="http://schemas.microsoft.com/office/drawing/2014/main" id="{CE2849DA-7348-4A16-A747-95C52780E045}"/>
+              </a:ext>
+            </a:extLst>
+          </p:cNvPr>
+          <p:cNvSpPr/>
+          <p:nvPr/>
+        </p:nvSpPr>
+        <p:spPr>
+          <a:xfrm>
+            <a:off x="6066222" y="31806"/>
+            <a:ext cx="5814412" cy="1107996"/>
+          </a:xfrm>
+          <a:prstGeom prst="rect">
+            <a:avLst/>
+          </a:prstGeom>
+          <a:noFill/>
+        </p:spPr>
+        <p:txBody>
+          <a:bodyPr wrap="none" lIns="91440" tIns="45720" rIns="91440" bIns="45720">
+            <a:spAutoFit/>
+          </a:bodyPr>
+          <a:lstStyle/>
+          <a:p>
+            <a:r>
+              <a:rPr lang="he-IL" sz="6600" b="1" dirty="0">
+                <a:ln w="0"/>
+                <a:effectLst>
+                  <a:outerShdw blurRad="38100" dist="19050" dir="2700000" algn="tl" rotWithShape="0">
+                    <a:schemeClr val="dk1">
+                      <a:alpha val="40000"/>
+                    </a:schemeClr>
+                  </a:outerShdw>
+                </a:effectLst>
+                <a:latin typeface="Times New Roman" panose="02020603050405020304" pitchFamily="18" charset="0"/>
+                <a:cs typeface="Times New Roman" panose="02020603050405020304" pitchFamily="18" charset="0"/>
+              </a:rPr>
+              <a:t>איך הושגה תשובה</a:t>
+            </a:r>
+            <a:endParaRPr lang="he-IL" sz="6600" b="1" cap="none" spc="0" dirty="0">
+              <a:ln w="0"/>
+              <a:solidFill>
+                <a:schemeClr val="tx1"/>
+              </a:solidFill>
+              <a:effectLst>
+                <a:outerShdw blurRad="38100" dist="19050" dir="2700000" algn="tl" rotWithShape="0">
+                  <a:schemeClr val="dk1">
+                    <a:alpha val="40000"/>
+                  </a:schemeClr>
+                </a:outerShdw>
+              </a:effectLst>
+              <a:latin typeface="Times New Roman" panose="02020603050405020304" pitchFamily="18" charset="0"/>
+              <a:cs typeface="Times New Roman" panose="02020603050405020304" pitchFamily="18" charset="0"/>
+            </a:endParaRPr>
+          </a:p>
+        </p:txBody>
+      </p:sp>
+    </p:spTree>
+    <p:extLst>
+      <p:ext uri="{BB962C8B-B14F-4D97-AF65-F5344CB8AC3E}">
+        <p14:creationId xmlns:p14="http://schemas.microsoft.com/office/powerpoint/2010/main" val="1012716763"/>
+      </p:ext>
+    </p:extLst>
+  </p:cSld>
+  <p:clrMapOvr>
+    <a:masterClrMapping/>
+  </p:clrMapOvr>
+  <mc:AlternateContent xmlns:mc="http://schemas.openxmlformats.org/markup-compatibility/2006" xmlns:p14="http://schemas.microsoft.com/office/powerpoint/2010/main">
+    <mc:Choice Requires="p14">
+      <p:transition spd="med" p14:dur="700">
+        <p:fade/>
+      </p:transition>
+    </mc:Choice>
+    <mc:Fallback xmlns="">
+      <p:transition spd="med">
+        <p:fade/>
+      </p:transition>
+    </mc:Fallback>
+  </mc:AlternateContent>
+</p:sld>
+</file>
+
+<file path=ppt/slides/slide30.xml><?xml version="1.0" encoding="utf-8"?>
 <p:sld xmlns:a="http://schemas.openxmlformats.org/drawingml/2006/main" xmlns:r="http://schemas.openxmlformats.org/officeDocument/2006/relationships" xmlns:p="http://schemas.openxmlformats.org/presentationml/2006/main">
   <p:cSld>
     <p:spTree>
@@ -10933,7 +10922,7 @@
 </p:sld>
 </file>
 
-<file path=ppt/slides/slide32.xml><?xml version="1.0" encoding="utf-8"?>
+<file path=ppt/slides/slide31.xml><?xml version="1.0" encoding="utf-8"?>
 <p:sld xmlns:a="http://schemas.openxmlformats.org/drawingml/2006/main" xmlns:r="http://schemas.openxmlformats.org/officeDocument/2006/relationships" xmlns:p="http://schemas.openxmlformats.org/presentationml/2006/main">
   <p:cSld>
     <p:spTree>
@@ -11066,7 +11055,7 @@
 </p:sld>
 </file>
 
-<file path=ppt/slides/slide33.xml><?xml version="1.0" encoding="utf-8"?>
+<file path=ppt/slides/slide32.xml><?xml version="1.0" encoding="utf-8"?>
 <p:sld xmlns:a="http://schemas.openxmlformats.org/drawingml/2006/main" xmlns:r="http://schemas.openxmlformats.org/officeDocument/2006/relationships" xmlns:p="http://schemas.openxmlformats.org/presentationml/2006/main">
   <p:cSld>
     <p:spTree>
@@ -11199,7 +11188,7 @@
 </p:sld>
 </file>
 
-<file path=ppt/slides/slide34.xml><?xml version="1.0" encoding="utf-8"?>
+<file path=ppt/slides/slide33.xml><?xml version="1.0" encoding="utf-8"?>
 <p:sld xmlns:a="http://schemas.openxmlformats.org/drawingml/2006/main" xmlns:r="http://schemas.openxmlformats.org/officeDocument/2006/relationships" xmlns:p="http://schemas.openxmlformats.org/presentationml/2006/main">
   <p:cSld>
     <p:spTree>
@@ -11552,6 +11541,13 @@
                 <a:cs typeface="Times New Roman" panose="02020603050405020304" pitchFamily="18" charset="0"/>
               </a:rPr>
               <a:t>בכדי לשמור על סדר והיגיון בעבודה משותפת ושמירה על עקרונות התכנות מבוססת עצמים ביצענו חלוקה לקבצי </a:t>
+            </a:r>
+            <a:r>
+              <a:rPr lang="en-US" dirty="0">
+                <a:latin typeface="Times New Roman" panose="02020603050405020304" pitchFamily="18" charset="0"/>
+                <a:cs typeface="Times New Roman" panose="02020603050405020304" pitchFamily="18" charset="0"/>
+              </a:rPr>
+              <a:t>.</a:t>
             </a:r>
             <a:r>
               <a:rPr lang="en-US" dirty="0" err="1">
@@ -13373,15 +13369,6 @@
 </file>
 
 <file path=customXml/item1.xml><?xml version="1.0" encoding="utf-8"?>
-<?mso-contentType ?>
-<FormTemplates xmlns="http://schemas.microsoft.com/sharepoint/v3/contenttype/forms">
-  <Display>DocumentLibraryForm</Display>
-  <Edit>AssetEditForm</Edit>
-  <New>DocumentLibraryForm</New>
-</FormTemplates>
-</file>
-
-<file path=customXml/item2.xml><?xml version="1.0" encoding="utf-8"?>
 <p:properties xmlns:p="http://schemas.microsoft.com/office/2006/metadata/properties" xmlns:xsi="http://www.w3.org/2001/XMLSchema-instance" xmlns:pc="http://schemas.microsoft.com/office/infopath/2007/PartnerControls">
   <documentManagement>
     <DirectSourceMarket xmlns="4873beb7-5857-4685-be1f-d57550cc96cc" xsi:nil="true"/>
@@ -13506,6 +13493,15 @@
     <LocMarketGroupTiers2 xmlns="4873beb7-5857-4685-be1f-d57550cc96cc" xsi:nil="true"/>
   </documentManagement>
 </p:properties>
+</file>
+
+<file path=customXml/item2.xml><?xml version="1.0" encoding="utf-8"?>
+<?mso-contentType ?>
+<FormTemplates xmlns="http://schemas.microsoft.com/sharepoint/v3/contenttype/forms">
+  <Display>DocumentLibraryForm</Display>
+  <Edit>AssetEditForm</Edit>
+  <New>DocumentLibraryForm</New>
+</FormTemplates>
 </file>
 
 <file path=customXml/item3.xml><?xml version="1.0" encoding="utf-8"?>
@@ -14549,14 +14545,6 @@
 </file>
 
 <file path=customXml/itemProps1.xml><?xml version="1.0" encoding="utf-8"?>
-<ds:datastoreItem xmlns:ds="http://schemas.openxmlformats.org/officeDocument/2006/customXml" ds:itemID="{74228E6B-D70C-44BB-A81F-A245495F612B}">
-  <ds:schemaRefs>
-    <ds:schemaRef ds:uri="http://schemas.microsoft.com/sharepoint/v3/contenttype/forms"/>
-  </ds:schemaRefs>
-</ds:datastoreItem>
-</file>
-
-<file path=customXml/itemProps2.xml><?xml version="1.0" encoding="utf-8"?>
 <ds:datastoreItem xmlns:ds="http://schemas.openxmlformats.org/officeDocument/2006/customXml" ds:itemID="{00E41224-0370-4595-877C-23316CD80004}">
   <ds:schemaRefs>
     <ds:schemaRef ds:uri="http://schemas.openxmlformats.org/package/2006/metadata/core-properties"/>
@@ -14568,6 +14556,14 @@
     <ds:schemaRef ds:uri="http://www.w3.org/XML/1998/namespace"/>
     <ds:schemaRef ds:uri="http://purl.org/dc/terms/"/>
     <ds:schemaRef ds:uri="http://schemas.microsoft.com/office/infopath/2007/PartnerControls"/>
+  </ds:schemaRefs>
+</ds:datastoreItem>
+</file>
+
+<file path=customXml/itemProps2.xml><?xml version="1.0" encoding="utf-8"?>
+<ds:datastoreItem xmlns:ds="http://schemas.openxmlformats.org/officeDocument/2006/customXml" ds:itemID="{74228E6B-D70C-44BB-A81F-A245495F612B}">
+  <ds:schemaRefs>
+    <ds:schemaRef ds:uri="http://schemas.microsoft.com/sharepoint/v3/contenttype/forms"/>
   </ds:schemaRefs>
 </ds:datastoreItem>
 </file>
